--- a/Zwischenbericht/Zwischenbericht.pptx
+++ b/Zwischenbericht/Zwischenbericht.pptx
@@ -17,7 +17,7 @@
     <p:sldId id="426" r:id="rId8"/>
     <p:sldId id="324" r:id="rId9"/>
     <p:sldId id="352" r:id="rId10"/>
-    <p:sldId id="404" r:id="rId11"/>
+    <p:sldId id="428" r:id="rId11"/>
     <p:sldId id="409" r:id="rId12"/>
     <p:sldId id="427" r:id="rId13"/>
     <p:sldId id="423" r:id="rId14"/>
@@ -159,7 +159,7 @@
 <file path=ppt/revisionInfo.xml><?xml version="1.0" encoding="utf-8"?>
 <p1510:revInfo xmlns:a="http://schemas.openxmlformats.org/drawingml/2006/main" xmlns:r="http://schemas.openxmlformats.org/officeDocument/2006/relationships" xmlns:p1510="http://schemas.microsoft.com/office/powerpoint/2015/10/main">
   <p1510:revLst>
-    <p1510:client id="{E1A3C290-7BAE-43B5-B075-7987B8C05865}" v="53" dt="2020-02-10T10:12:37.595"/>
+    <p1510:client id="{E1A3C290-7BAE-43B5-B075-7987B8C05865}" v="115" dt="2020-02-11T14:52:15.119"/>
   </p1510:revLst>
 </p1510:revInfo>
 </file>
@@ -576,14 +576,144 @@
     </pc:docChg>
   </pc:docChgLst>
   <pc:docChgLst>
-    <pc:chgData name="Stefan Hermann Strüder" userId="cadcda32-3d48-4925-b815-42bf204a7539" providerId="ADAL" clId="{E1A3C290-7BAE-43B5-B075-7987B8C05865}"/>
-    <pc:docChg chg="undo redo custSel addSld delSld modSld sldOrd">
-      <pc:chgData name="Stefan Hermann Strüder" userId="cadcda32-3d48-4925-b815-42bf204a7539" providerId="ADAL" clId="{E1A3C290-7BAE-43B5-B075-7987B8C05865}" dt="2020-02-10T10:18:39.245" v="5037" actId="20577"/>
+    <pc:chgData name="Stefan Hermann Strüder" userId="cadcda32-3d48-4925-b815-42bf204a7539" providerId="ADAL" clId="{7BAA12D6-992D-44C6-8862-A565C3F088BB}"/>
+    <pc:docChg chg="modSld">
+      <pc:chgData name="Stefan Hermann Strüder" userId="cadcda32-3d48-4925-b815-42bf204a7539" providerId="ADAL" clId="{7BAA12D6-992D-44C6-8862-A565C3F088BB}" dt="2020-01-08T10:13:28.691" v="155" actId="120"/>
       <pc:docMkLst>
         <pc:docMk/>
       </pc:docMkLst>
-      <pc:sldChg chg="modSp">
-        <pc:chgData name="Stefan Hermann Strüder" userId="cadcda32-3d48-4925-b815-42bf204a7539" providerId="ADAL" clId="{E1A3C290-7BAE-43B5-B075-7987B8C05865}" dt="2020-02-04T15:56:50.793" v="2985" actId="20577"/>
+      <pc:sldChg chg="addSp modSp">
+        <pc:chgData name="Stefan Hermann Strüder" userId="cadcda32-3d48-4925-b815-42bf204a7539" providerId="ADAL" clId="{7BAA12D6-992D-44C6-8862-A565C3F088BB}" dt="2020-01-08T10:13:28.691" v="155" actId="120"/>
+        <pc:sldMkLst>
+          <pc:docMk/>
+          <pc:sldMk cId="3130144294" sldId="259"/>
+        </pc:sldMkLst>
+        <pc:spChg chg="add mod">
+          <ac:chgData name="Stefan Hermann Strüder" userId="cadcda32-3d48-4925-b815-42bf204a7539" providerId="ADAL" clId="{7BAA12D6-992D-44C6-8862-A565C3F088BB}" dt="2020-01-08T10:13:28.691" v="155" actId="120"/>
+          <ac:spMkLst>
+            <pc:docMk/>
+            <pc:sldMk cId="3130144294" sldId="259"/>
+            <ac:spMk id="2" creationId="{50E8A062-3709-401A-87B1-9C1A8708A959}"/>
+          </ac:spMkLst>
+        </pc:spChg>
+        <pc:picChg chg="add mod">
+          <ac:chgData name="Stefan Hermann Strüder" userId="cadcda32-3d48-4925-b815-42bf204a7539" providerId="ADAL" clId="{7BAA12D6-992D-44C6-8862-A565C3F088BB}" dt="2020-01-08T10:08:55.013" v="1" actId="1076"/>
+          <ac:picMkLst>
+            <pc:docMk/>
+            <pc:sldMk cId="3130144294" sldId="259"/>
+            <ac:picMk id="9" creationId="{67497D64-1572-4104-84BD-A3D28CAD3282}"/>
+          </ac:picMkLst>
+        </pc:picChg>
+      </pc:sldChg>
+      <pc:sldChg chg="addSp modSp">
+        <pc:chgData name="Stefan Hermann Strüder" userId="cadcda32-3d48-4925-b815-42bf204a7539" providerId="ADAL" clId="{7BAA12D6-992D-44C6-8862-A565C3F088BB}" dt="2020-01-08T10:09:54.801" v="4" actId="1076"/>
+        <pc:sldMkLst>
+          <pc:docMk/>
+          <pc:sldMk cId="2703504990" sldId="261"/>
+        </pc:sldMkLst>
+        <pc:picChg chg="add mod">
+          <ac:chgData name="Stefan Hermann Strüder" userId="cadcda32-3d48-4925-b815-42bf204a7539" providerId="ADAL" clId="{7BAA12D6-992D-44C6-8862-A565C3F088BB}" dt="2020-01-08T10:09:54.801" v="4" actId="1076"/>
+          <ac:picMkLst>
+            <pc:docMk/>
+            <pc:sldMk cId="2703504990" sldId="261"/>
+            <ac:picMk id="8" creationId="{B48646CF-EC99-4EE5-9C82-CF5C6E6EE143}"/>
+          </ac:picMkLst>
+        </pc:picChg>
+        <pc:picChg chg="add">
+          <ac:chgData name="Stefan Hermann Strüder" userId="cadcda32-3d48-4925-b815-42bf204a7539" providerId="ADAL" clId="{7BAA12D6-992D-44C6-8862-A565C3F088BB}" dt="2020-01-08T10:09:47.470" v="3"/>
+          <ac:picMkLst>
+            <pc:docMk/>
+            <pc:sldMk cId="2703504990" sldId="261"/>
+            <ac:picMk id="9" creationId="{250E043F-BBC7-46B0-B767-8E9C64CA0845}"/>
+          </ac:picMkLst>
+        </pc:picChg>
+      </pc:sldChg>
+      <pc:sldChg chg="addSp">
+        <pc:chgData name="Stefan Hermann Strüder" userId="cadcda32-3d48-4925-b815-42bf204a7539" providerId="ADAL" clId="{7BAA12D6-992D-44C6-8862-A565C3F088BB}" dt="2020-01-08T10:10:11.140" v="9"/>
+        <pc:sldMkLst>
+          <pc:docMk/>
+          <pc:sldMk cId="1441776701" sldId="323"/>
+        </pc:sldMkLst>
+        <pc:picChg chg="add">
+          <ac:chgData name="Stefan Hermann Strüder" userId="cadcda32-3d48-4925-b815-42bf204a7539" providerId="ADAL" clId="{7BAA12D6-992D-44C6-8862-A565C3F088BB}" dt="2020-01-08T10:10:11.140" v="9"/>
+          <ac:picMkLst>
+            <pc:docMk/>
+            <pc:sldMk cId="1441776701" sldId="323"/>
+            <ac:picMk id="10" creationId="{8EB60206-760B-4EFF-A93C-D454A94AD98F}"/>
+          </ac:picMkLst>
+        </pc:picChg>
+      </pc:sldChg>
+      <pc:sldChg chg="addSp">
+        <pc:chgData name="Stefan Hermann Strüder" userId="cadcda32-3d48-4925-b815-42bf204a7539" providerId="ADAL" clId="{7BAA12D6-992D-44C6-8862-A565C3F088BB}" dt="2020-01-08T10:10:06.964" v="7"/>
+        <pc:sldMkLst>
+          <pc:docMk/>
+          <pc:sldMk cId="2111453339" sldId="324"/>
+        </pc:sldMkLst>
+        <pc:picChg chg="add">
+          <ac:chgData name="Stefan Hermann Strüder" userId="cadcda32-3d48-4925-b815-42bf204a7539" providerId="ADAL" clId="{7BAA12D6-992D-44C6-8862-A565C3F088BB}" dt="2020-01-08T10:10:06.964" v="7"/>
+          <ac:picMkLst>
+            <pc:docMk/>
+            <pc:sldMk cId="2111453339" sldId="324"/>
+            <ac:picMk id="11" creationId="{4FEF73F4-054E-4634-939D-E07BDBACE90B}"/>
+          </ac:picMkLst>
+        </pc:picChg>
+      </pc:sldChg>
+      <pc:sldChg chg="addSp">
+        <pc:chgData name="Stefan Hermann Strüder" userId="cadcda32-3d48-4925-b815-42bf204a7539" providerId="ADAL" clId="{7BAA12D6-992D-44C6-8862-A565C3F088BB}" dt="2020-01-08T10:10:09.340" v="8"/>
+        <pc:sldMkLst>
+          <pc:docMk/>
+          <pc:sldMk cId="3531022359" sldId="325"/>
+        </pc:sldMkLst>
+        <pc:picChg chg="add">
+          <ac:chgData name="Stefan Hermann Strüder" userId="cadcda32-3d48-4925-b815-42bf204a7539" providerId="ADAL" clId="{7BAA12D6-992D-44C6-8862-A565C3F088BB}" dt="2020-01-08T10:10:09.340" v="8"/>
+          <ac:picMkLst>
+            <pc:docMk/>
+            <pc:sldMk cId="3531022359" sldId="325"/>
+            <ac:picMk id="11" creationId="{38EFB368-6222-494A-B81E-9C672A99D978}"/>
+          </ac:picMkLst>
+        </pc:picChg>
+      </pc:sldChg>
+      <pc:sldChg chg="addSp">
+        <pc:chgData name="Stefan Hermann Strüder" userId="cadcda32-3d48-4925-b815-42bf204a7539" providerId="ADAL" clId="{7BAA12D6-992D-44C6-8862-A565C3F088BB}" dt="2020-01-08T10:10:05.859" v="6"/>
+        <pc:sldMkLst>
+          <pc:docMk/>
+          <pc:sldMk cId="1381987625" sldId="326"/>
+        </pc:sldMkLst>
+        <pc:picChg chg="add">
+          <ac:chgData name="Stefan Hermann Strüder" userId="cadcda32-3d48-4925-b815-42bf204a7539" providerId="ADAL" clId="{7BAA12D6-992D-44C6-8862-A565C3F088BB}" dt="2020-01-08T10:10:05.859" v="6"/>
+          <ac:picMkLst>
+            <pc:docMk/>
+            <pc:sldMk cId="1381987625" sldId="326"/>
+            <ac:picMk id="10" creationId="{A0B1E7E9-21AD-4A89-9563-80A460B9B081}"/>
+          </ac:picMkLst>
+        </pc:picChg>
+      </pc:sldChg>
+      <pc:sldChg chg="addSp">
+        <pc:chgData name="Stefan Hermann Strüder" userId="cadcda32-3d48-4925-b815-42bf204a7539" providerId="ADAL" clId="{7BAA12D6-992D-44C6-8862-A565C3F088BB}" dt="2020-01-08T10:10:00.475" v="5"/>
+        <pc:sldMkLst>
+          <pc:docMk/>
+          <pc:sldMk cId="3116346054" sldId="375"/>
+        </pc:sldMkLst>
+        <pc:picChg chg="add">
+          <ac:chgData name="Stefan Hermann Strüder" userId="cadcda32-3d48-4925-b815-42bf204a7539" providerId="ADAL" clId="{7BAA12D6-992D-44C6-8862-A565C3F088BB}" dt="2020-01-08T10:10:00.475" v="5"/>
+          <ac:picMkLst>
+            <pc:docMk/>
+            <pc:sldMk cId="3116346054" sldId="375"/>
+            <ac:picMk id="13" creationId="{516A46A8-8815-4704-8210-C81330108374}"/>
+          </ac:picMkLst>
+        </pc:picChg>
+      </pc:sldChg>
+    </pc:docChg>
+  </pc:docChgLst>
+  <pc:docChgLst>
+    <pc:chgData name="Stefan Hermann Strüder" userId="cadcda32-3d48-4925-b815-42bf204a7539" providerId="ADAL" clId="{E1A3C290-7BAE-43B5-B075-7987B8C05865}"/>
+    <pc:docChg chg="undo redo custSel addSld delSld modSld sldOrd">
+      <pc:chgData name="Stefan Hermann Strüder" userId="cadcda32-3d48-4925-b815-42bf204a7539" providerId="ADAL" clId="{E1A3C290-7BAE-43B5-B075-7987B8C05865}" dt="2020-02-11T15:22:08.659" v="10515" actId="20577"/>
+      <pc:docMkLst>
+        <pc:docMk/>
+      </pc:docMkLst>
+      <pc:sldChg chg="modSp modNotesTx">
+        <pc:chgData name="Stefan Hermann Strüder" userId="cadcda32-3d48-4925-b815-42bf204a7539" providerId="ADAL" clId="{E1A3C290-7BAE-43B5-B075-7987B8C05865}" dt="2020-02-11T09:45:09.605" v="5392" actId="20577"/>
         <pc:sldMkLst>
           <pc:docMk/>
           <pc:sldMk cId="3130144294" sldId="259"/>
@@ -636,8 +766,8 @@
           </ac:spMkLst>
         </pc:spChg>
       </pc:sldChg>
-      <pc:sldChg chg="addSp delSp modSp">
-        <pc:chgData name="Stefan Hermann Strüder" userId="cadcda32-3d48-4925-b815-42bf204a7539" providerId="ADAL" clId="{E1A3C290-7BAE-43B5-B075-7987B8C05865}" dt="2020-02-05T16:03:47.484" v="3915" actId="207"/>
+      <pc:sldChg chg="addSp delSp modSp modNotesTx">
+        <pc:chgData name="Stefan Hermann Strüder" userId="cadcda32-3d48-4925-b815-42bf204a7539" providerId="ADAL" clId="{E1A3C290-7BAE-43B5-B075-7987B8C05865}" dt="2020-02-11T14:13:27.985" v="9677" actId="20577"/>
         <pc:sldMkLst>
           <pc:docMk/>
           <pc:sldMk cId="2111453339" sldId="324"/>
@@ -675,8 +805,8 @@
           </ac:graphicFrameMkLst>
         </pc:graphicFrameChg>
       </pc:sldChg>
-      <pc:sldChg chg="modSp">
-        <pc:chgData name="Stefan Hermann Strüder" userId="cadcda32-3d48-4925-b815-42bf204a7539" providerId="ADAL" clId="{E1A3C290-7BAE-43B5-B075-7987B8C05865}" dt="2020-02-05T16:02:49.267" v="3902" actId="207"/>
+      <pc:sldChg chg="modSp modNotesTx">
+        <pc:chgData name="Stefan Hermann Strüder" userId="cadcda32-3d48-4925-b815-42bf204a7539" providerId="ADAL" clId="{E1A3C290-7BAE-43B5-B075-7987B8C05865}" dt="2020-02-11T09:49:37.389" v="5623" actId="20577"/>
         <pc:sldMkLst>
           <pc:docMk/>
           <pc:sldMk cId="3531022359" sldId="325"/>
@@ -707,13 +837,13 @@
         </pc:graphicFrameChg>
       </pc:sldChg>
       <pc:sldChg chg="addSp delSp modSp">
-        <pc:chgData name="Stefan Hermann Strüder" userId="cadcda32-3d48-4925-b815-42bf204a7539" providerId="ADAL" clId="{E1A3C290-7BAE-43B5-B075-7987B8C05865}" dt="2020-02-10T10:17:47.696" v="5023" actId="20577"/>
+        <pc:chgData name="Stefan Hermann Strüder" userId="cadcda32-3d48-4925-b815-42bf204a7539" providerId="ADAL" clId="{E1A3C290-7BAE-43B5-B075-7987B8C05865}" dt="2020-02-10T11:37:25.777" v="5047" actId="1076"/>
         <pc:sldMkLst>
           <pc:docMk/>
           <pc:sldMk cId="119021867" sldId="335"/>
         </pc:sldMkLst>
         <pc:spChg chg="mod">
-          <ac:chgData name="Stefan Hermann Strüder" userId="cadcda32-3d48-4925-b815-42bf204a7539" providerId="ADAL" clId="{E1A3C290-7BAE-43B5-B075-7987B8C05865}" dt="2020-02-05T15:53:16.216" v="3841" actId="1076"/>
+          <ac:chgData name="Stefan Hermann Strüder" userId="cadcda32-3d48-4925-b815-42bf204a7539" providerId="ADAL" clId="{E1A3C290-7BAE-43B5-B075-7987B8C05865}" dt="2020-02-10T11:37:25.777" v="5047" actId="1076"/>
           <ac:spMkLst>
             <pc:docMk/>
             <pc:sldMk cId="119021867" sldId="335"/>
@@ -761,8 +891,8 @@
           </ac:spMkLst>
         </pc:spChg>
       </pc:sldChg>
-      <pc:sldChg chg="addSp delSp modSp">
-        <pc:chgData name="Stefan Hermann Strüder" userId="cadcda32-3d48-4925-b815-42bf204a7539" providerId="ADAL" clId="{E1A3C290-7BAE-43B5-B075-7987B8C05865}" dt="2020-02-05T16:03:59.831" v="3917"/>
+      <pc:sldChg chg="addSp delSp modSp modNotesTx">
+        <pc:chgData name="Stefan Hermann Strüder" userId="cadcda32-3d48-4925-b815-42bf204a7539" providerId="ADAL" clId="{E1A3C290-7BAE-43B5-B075-7987B8C05865}" dt="2020-02-11T10:11:39.627" v="6742" actId="20577"/>
         <pc:sldMkLst>
           <pc:docMk/>
           <pc:sldMk cId="193512011" sldId="352"/>
@@ -832,14 +962,14 @@
           </ac:graphicFrameMkLst>
         </pc:graphicFrameChg>
       </pc:sldChg>
-      <pc:sldChg chg="modSp">
-        <pc:chgData name="Stefan Hermann Strüder" userId="cadcda32-3d48-4925-b815-42bf204a7539" providerId="ADAL" clId="{E1A3C290-7BAE-43B5-B075-7987B8C05865}" dt="2020-02-03T09:35:54.443" v="925" actId="20577"/>
+      <pc:sldChg chg="modSp modNotesTx">
+        <pc:chgData name="Stefan Hermann Strüder" userId="cadcda32-3d48-4925-b815-42bf204a7539" providerId="ADAL" clId="{E1A3C290-7BAE-43B5-B075-7987B8C05865}" dt="2020-02-11T14:10:29.169" v="9659" actId="20577"/>
         <pc:sldMkLst>
           <pc:docMk/>
           <pc:sldMk cId="3669822962" sldId="356"/>
         </pc:sldMkLst>
         <pc:spChg chg="mod">
-          <ac:chgData name="Stefan Hermann Strüder" userId="cadcda32-3d48-4925-b815-42bf204a7539" providerId="ADAL" clId="{E1A3C290-7BAE-43B5-B075-7987B8C05865}" dt="2020-02-03T09:35:54.443" v="925" actId="20577"/>
+          <ac:chgData name="Stefan Hermann Strüder" userId="cadcda32-3d48-4925-b815-42bf204a7539" providerId="ADAL" clId="{E1A3C290-7BAE-43B5-B075-7987B8C05865}" dt="2020-02-11T14:09:42.605" v="9594" actId="1076"/>
           <ac:spMkLst>
             <pc:docMk/>
             <pc:sldMk cId="3669822962" sldId="356"/>
@@ -948,8 +1078,8 @@
           </ac:spMkLst>
         </pc:spChg>
       </pc:sldChg>
-      <pc:sldChg chg="addSp delSp modSp">
-        <pc:chgData name="Stefan Hermann Strüder" userId="cadcda32-3d48-4925-b815-42bf204a7539" providerId="ADAL" clId="{E1A3C290-7BAE-43B5-B075-7987B8C05865}" dt="2020-02-10T10:17:16.465" v="5005" actId="20577"/>
+      <pc:sldChg chg="addSp delSp modSp modNotesTx">
+        <pc:chgData name="Stefan Hermann Strüder" userId="cadcda32-3d48-4925-b815-42bf204a7539" providerId="ADAL" clId="{E1A3C290-7BAE-43B5-B075-7987B8C05865}" dt="2020-02-11T10:45:01.865" v="8446" actId="20577"/>
         <pc:sldMkLst>
           <pc:docMk/>
           <pc:sldMk cId="3715740479" sldId="380"/>
@@ -987,14 +1117,14 @@
           </ac:graphicFrameMkLst>
         </pc:graphicFrameChg>
       </pc:sldChg>
-      <pc:sldChg chg="addSp delSp modSp">
-        <pc:chgData name="Stefan Hermann Strüder" userId="cadcda32-3d48-4925-b815-42bf204a7539" providerId="ADAL" clId="{E1A3C290-7BAE-43B5-B075-7987B8C05865}" dt="2020-02-10T10:17:21.629" v="5009" actId="20577"/>
+      <pc:sldChg chg="addSp delSp modSp modNotesTx">
+        <pc:chgData name="Stefan Hermann Strüder" userId="cadcda32-3d48-4925-b815-42bf204a7539" providerId="ADAL" clId="{E1A3C290-7BAE-43B5-B075-7987B8C05865}" dt="2020-02-11T10:46:23.294" v="8629" actId="20577"/>
         <pc:sldMkLst>
           <pc:docMk/>
           <pc:sldMk cId="729919661" sldId="381"/>
         </pc:sldMkLst>
         <pc:spChg chg="mod">
-          <ac:chgData name="Stefan Hermann Strüder" userId="cadcda32-3d48-4925-b815-42bf204a7539" providerId="ADAL" clId="{E1A3C290-7BAE-43B5-B075-7987B8C05865}" dt="2020-02-03T09:57:43.344" v="1785" actId="20577"/>
+          <ac:chgData name="Stefan Hermann Strüder" userId="cadcda32-3d48-4925-b815-42bf204a7539" providerId="ADAL" clId="{E1A3C290-7BAE-43B5-B075-7987B8C05865}" dt="2020-02-11T10:45:34.293" v="8527" actId="20577"/>
           <ac:spMkLst>
             <pc:docMk/>
             <pc:sldMk cId="729919661" sldId="381"/>
@@ -1050,8 +1180,8 @@
           </ac:graphicFrameMkLst>
         </pc:graphicFrameChg>
       </pc:sldChg>
-      <pc:sldChg chg="addSp delSp modSp">
-        <pc:chgData name="Stefan Hermann Strüder" userId="cadcda32-3d48-4925-b815-42bf204a7539" providerId="ADAL" clId="{E1A3C290-7BAE-43B5-B075-7987B8C05865}" dt="2020-02-05T21:46:56.637" v="4166" actId="20577"/>
+      <pc:sldChg chg="addSp delSp modSp modNotesTx">
+        <pc:chgData name="Stefan Hermann Strüder" userId="cadcda32-3d48-4925-b815-42bf204a7539" providerId="ADAL" clId="{E1A3C290-7BAE-43B5-B075-7987B8C05865}" dt="2020-02-11T14:58:35.679" v="10435" actId="20577"/>
         <pc:sldMkLst>
           <pc:docMk/>
           <pc:sldMk cId="1061349239" sldId="382"/>
@@ -1089,14 +1219,14 @@
           </ac:graphicFrameMkLst>
         </pc:graphicFrameChg>
       </pc:sldChg>
-      <pc:sldChg chg="addSp delSp modSp">
-        <pc:chgData name="Stefan Hermann Strüder" userId="cadcda32-3d48-4925-b815-42bf204a7539" providerId="ADAL" clId="{E1A3C290-7BAE-43B5-B075-7987B8C05865}" dt="2020-02-10T09:35:48.611" v="4331" actId="1076"/>
+      <pc:sldChg chg="addSp delSp modSp modNotesTx">
+        <pc:chgData name="Stefan Hermann Strüder" userId="cadcda32-3d48-4925-b815-42bf204a7539" providerId="ADAL" clId="{E1A3C290-7BAE-43B5-B075-7987B8C05865}" dt="2020-02-11T14:59:22.882" v="10509" actId="20577"/>
         <pc:sldMkLst>
           <pc:docMk/>
           <pc:sldMk cId="3792009908" sldId="383"/>
         </pc:sldMkLst>
         <pc:spChg chg="mod">
-          <ac:chgData name="Stefan Hermann Strüder" userId="cadcda32-3d48-4925-b815-42bf204a7539" providerId="ADAL" clId="{E1A3C290-7BAE-43B5-B075-7987B8C05865}" dt="2020-02-10T09:35:48.611" v="4331" actId="1076"/>
+          <ac:chgData name="Stefan Hermann Strüder" userId="cadcda32-3d48-4925-b815-42bf204a7539" providerId="ADAL" clId="{E1A3C290-7BAE-43B5-B075-7987B8C05865}" dt="2020-02-11T14:59:01.960" v="10480" actId="20577"/>
           <ac:spMkLst>
             <pc:docMk/>
             <pc:sldMk cId="3792009908" sldId="383"/>
@@ -1160,8 +1290,8 @@
           </ac:graphicFrameMkLst>
         </pc:graphicFrameChg>
       </pc:sldChg>
-      <pc:sldChg chg="addSp delSp modSp">
-        <pc:chgData name="Stefan Hermann Strüder" userId="cadcda32-3d48-4925-b815-42bf204a7539" providerId="ADAL" clId="{E1A3C290-7BAE-43B5-B075-7987B8C05865}" dt="2020-02-05T16:04:05.599" v="3919"/>
+      <pc:sldChg chg="addSp delSp modSp del modNotesTx">
+        <pc:chgData name="Stefan Hermann Strüder" userId="cadcda32-3d48-4925-b815-42bf204a7539" providerId="ADAL" clId="{E1A3C290-7BAE-43B5-B075-7987B8C05865}" dt="2020-02-11T10:19:17.330" v="7032" actId="47"/>
         <pc:sldMkLst>
           <pc:docMk/>
           <pc:sldMk cId="2895350852" sldId="404"/>
@@ -1214,8 +1344,8 @@
             <ac:graphicFrameMk id="14" creationId="{E5DFE943-32CA-414D-93AF-19CAA6B48FA0}"/>
           </ac:graphicFrameMkLst>
         </pc:graphicFrameChg>
-        <pc:graphicFrameChg chg="mod">
-          <ac:chgData name="Stefan Hermann Strüder" userId="cadcda32-3d48-4925-b815-42bf204a7539" providerId="ADAL" clId="{E1A3C290-7BAE-43B5-B075-7987B8C05865}" dt="2020-02-04T15:54:45.926" v="2912" actId="1076"/>
+        <pc:graphicFrameChg chg="mod modGraphic">
+          <ac:chgData name="Stefan Hermann Strüder" userId="cadcda32-3d48-4925-b815-42bf204a7539" providerId="ADAL" clId="{E1A3C290-7BAE-43B5-B075-7987B8C05865}" dt="2020-02-11T10:13:16.896" v="6898" actId="20577"/>
           <ac:graphicFrameMkLst>
             <pc:docMk/>
             <pc:sldMk cId="2895350852" sldId="404"/>
@@ -1239,8 +1369,8 @@
           </ac:graphicFrameMkLst>
         </pc:graphicFrameChg>
       </pc:sldChg>
-      <pc:sldChg chg="addSp delSp modSp ord">
-        <pc:chgData name="Stefan Hermann Strüder" userId="cadcda32-3d48-4925-b815-42bf204a7539" providerId="ADAL" clId="{E1A3C290-7BAE-43B5-B075-7987B8C05865}" dt="2020-02-10T10:17:06.954" v="4999" actId="20577"/>
+      <pc:sldChg chg="addSp delSp modSp ord modNotesTx">
+        <pc:chgData name="Stefan Hermann Strüder" userId="cadcda32-3d48-4925-b815-42bf204a7539" providerId="ADAL" clId="{E1A3C290-7BAE-43B5-B075-7987B8C05865}" dt="2020-02-11T14:32:50.667" v="9757" actId="20577"/>
         <pc:sldMkLst>
           <pc:docMk/>
           <pc:sldMk cId="2363999131" sldId="405"/>
@@ -1303,7 +1433,7 @@
         </pc:graphicFrameChg>
       </pc:sldChg>
       <pc:sldChg chg="addSp delSp modSp modNotesTx">
-        <pc:chgData name="Stefan Hermann Strüder" userId="cadcda32-3d48-4925-b815-42bf204a7539" providerId="ADAL" clId="{E1A3C290-7BAE-43B5-B075-7987B8C05865}" dt="2020-02-10T10:17:13.134" v="5003" actId="20577"/>
+        <pc:chgData name="Stefan Hermann Strüder" userId="cadcda32-3d48-4925-b815-42bf204a7539" providerId="ADAL" clId="{E1A3C290-7BAE-43B5-B075-7987B8C05865}" dt="2020-02-11T14:39:10.731" v="9887" actId="20577"/>
         <pc:sldMkLst>
           <pc:docMk/>
           <pc:sldMk cId="3167595720" sldId="406"/>
@@ -1365,7 +1495,7 @@
           </ac:graphicFrameMkLst>
         </pc:graphicFrameChg>
         <pc:graphicFrameChg chg="mod modGraphic">
-          <ac:chgData name="Stefan Hermann Strüder" userId="cadcda32-3d48-4925-b815-42bf204a7539" providerId="ADAL" clId="{E1A3C290-7BAE-43B5-B075-7987B8C05865}" dt="2020-02-04T15:40:27.281" v="2648"/>
+          <ac:chgData name="Stefan Hermann Strüder" userId="cadcda32-3d48-4925-b815-42bf204a7539" providerId="ADAL" clId="{E1A3C290-7BAE-43B5-B075-7987B8C05865}" dt="2020-02-11T14:39:10.731" v="9887" actId="20577"/>
           <ac:graphicFrameMkLst>
             <pc:docMk/>
             <pc:sldMk cId="3167595720" sldId="406"/>
@@ -1373,8 +1503,8 @@
           </ac:graphicFrameMkLst>
         </pc:graphicFrameChg>
       </pc:sldChg>
-      <pc:sldChg chg="addSp delSp modSp">
-        <pc:chgData name="Stefan Hermann Strüder" userId="cadcda32-3d48-4925-b815-42bf204a7539" providerId="ADAL" clId="{E1A3C290-7BAE-43B5-B075-7987B8C05865}" dt="2020-02-05T16:03:12.097" v="3908"/>
+      <pc:sldChg chg="addSp delSp modSp modNotesTx">
+        <pc:chgData name="Stefan Hermann Strüder" userId="cadcda32-3d48-4925-b815-42bf204a7539" providerId="ADAL" clId="{E1A3C290-7BAE-43B5-B075-7987B8C05865}" dt="2020-02-11T10:04:35.815" v="6299" actId="1076"/>
         <pc:sldMkLst>
           <pc:docMk/>
           <pc:sldMk cId="482843889" sldId="407"/>
@@ -1444,6 +1574,14 @@
           </ac:spMkLst>
         </pc:spChg>
         <pc:spChg chg="mod">
+          <ac:chgData name="Stefan Hermann Strüder" userId="cadcda32-3d48-4925-b815-42bf204a7539" providerId="ADAL" clId="{E1A3C290-7BAE-43B5-B075-7987B8C05865}" dt="2020-02-11T09:42:14.663" v="5336" actId="20577"/>
+          <ac:spMkLst>
+            <pc:docMk/>
+            <pc:sldMk cId="482843889" sldId="407"/>
+            <ac:spMk id="39" creationId="{EC9D1100-43F4-44B0-BA2C-3D4CE34F5914}"/>
+          </ac:spMkLst>
+        </pc:spChg>
+        <pc:spChg chg="mod">
           <ac:chgData name="Stefan Hermann Strüder" userId="cadcda32-3d48-4925-b815-42bf204a7539" providerId="ADAL" clId="{E1A3C290-7BAE-43B5-B075-7987B8C05865}" dt="2020-02-05T15:22:36.799" v="3377" actId="20577"/>
           <ac:spMkLst>
             <pc:docMk/>
@@ -1460,7 +1598,7 @@
           </ac:spMkLst>
         </pc:spChg>
         <pc:spChg chg="mod">
-          <ac:chgData name="Stefan Hermann Strüder" userId="cadcda32-3d48-4925-b815-42bf204a7539" providerId="ADAL" clId="{E1A3C290-7BAE-43B5-B075-7987B8C05865}" dt="2020-02-05T15:00:52.401" v="3222"/>
+          <ac:chgData name="Stefan Hermann Strüder" userId="cadcda32-3d48-4925-b815-42bf204a7539" providerId="ADAL" clId="{E1A3C290-7BAE-43B5-B075-7987B8C05865}" dt="2020-02-11T09:59:06.297" v="6257" actId="1036"/>
           <ac:spMkLst>
             <pc:docMk/>
             <pc:sldMk cId="482843889" sldId="407"/>
@@ -1483,6 +1621,14 @@
             <ac:spMk id="96" creationId="{8AC4DFFB-2CB5-43A3-BED7-9CB5DE3FD047}"/>
           </ac:spMkLst>
         </pc:spChg>
+        <pc:spChg chg="add mod">
+          <ac:chgData name="Stefan Hermann Strüder" userId="cadcda32-3d48-4925-b815-42bf204a7539" providerId="ADAL" clId="{E1A3C290-7BAE-43B5-B075-7987B8C05865}" dt="2020-02-11T10:04:35.815" v="6299" actId="1076"/>
+          <ac:spMkLst>
+            <pc:docMk/>
+            <pc:sldMk cId="482843889" sldId="407"/>
+            <ac:spMk id="98" creationId="{96183E44-31F8-4E40-AFEE-6F4DDF4D1FB1}"/>
+          </ac:spMkLst>
+        </pc:spChg>
         <pc:graphicFrameChg chg="del">
           <ac:chgData name="Stefan Hermann Strüder" userId="cadcda32-3d48-4925-b815-42bf204a7539" providerId="ADAL" clId="{E1A3C290-7BAE-43B5-B075-7987B8C05865}" dt="2020-02-05T16:03:11.171" v="3907" actId="478"/>
           <ac:graphicFrameMkLst>
@@ -1508,12 +1654,28 @@
           </ac:cxnSpMkLst>
         </pc:cxnChg>
       </pc:sldChg>
-      <pc:sldChg chg="addSp delSp modSp">
-        <pc:chgData name="Stefan Hermann Strüder" userId="cadcda32-3d48-4925-b815-42bf204a7539" providerId="ADAL" clId="{E1A3C290-7BAE-43B5-B075-7987B8C05865}" dt="2020-02-05T16:02:58.262" v="3904"/>
+      <pc:sldChg chg="addSp delSp modSp modNotesTx">
+        <pc:chgData name="Stefan Hermann Strüder" userId="cadcda32-3d48-4925-b815-42bf204a7539" providerId="ADAL" clId="{E1A3C290-7BAE-43B5-B075-7987B8C05865}" dt="2020-02-11T14:09:27.985" v="9592" actId="20577"/>
         <pc:sldMkLst>
           <pc:docMk/>
           <pc:sldMk cId="3292835857" sldId="408"/>
         </pc:sldMkLst>
+        <pc:spChg chg="add del mod">
+          <ac:chgData name="Stefan Hermann Strüder" userId="cadcda32-3d48-4925-b815-42bf204a7539" providerId="ADAL" clId="{E1A3C290-7BAE-43B5-B075-7987B8C05865}" dt="2020-02-11T09:51:29.215" v="5648"/>
+          <ac:spMkLst>
+            <pc:docMk/>
+            <pc:sldMk cId="3292835857" sldId="408"/>
+            <ac:spMk id="2" creationId="{47DA6731-12DE-4F4B-9402-ADB331B296BA}"/>
+          </ac:spMkLst>
+        </pc:spChg>
+        <pc:spChg chg="add mod">
+          <ac:chgData name="Stefan Hermann Strüder" userId="cadcda32-3d48-4925-b815-42bf204a7539" providerId="ADAL" clId="{E1A3C290-7BAE-43B5-B075-7987B8C05865}" dt="2020-02-11T09:51:37.071" v="5650" actId="1076"/>
+          <ac:spMkLst>
+            <pc:docMk/>
+            <pc:sldMk cId="3292835857" sldId="408"/>
+            <ac:spMk id="3" creationId="{2776EAF9-F160-43CA-9FF3-E0831958D61E}"/>
+          </ac:spMkLst>
+        </pc:spChg>
         <pc:spChg chg="add del">
           <ac:chgData name="Stefan Hermann Strüder" userId="cadcda32-3d48-4925-b815-42bf204a7539" providerId="ADAL" clId="{E1A3C290-7BAE-43B5-B075-7987B8C05865}" dt="2020-02-03T09:30:22.563" v="632" actId="478"/>
           <ac:spMkLst>
@@ -1618,12 +1780,52 @@
             <ac:spMk id="54" creationId="{637A08A6-F114-4D6A-BC28-143820EDDD40}"/>
           </ac:spMkLst>
         </pc:spChg>
+        <pc:spChg chg="mod">
+          <ac:chgData name="Stefan Hermann Strüder" userId="cadcda32-3d48-4925-b815-42bf204a7539" providerId="ADAL" clId="{E1A3C290-7BAE-43B5-B075-7987B8C05865}" dt="2020-02-11T09:51:28.424" v="5646" actId="20577"/>
+          <ac:spMkLst>
+            <pc:docMk/>
+            <pc:sldMk cId="3292835857" sldId="408"/>
+            <ac:spMk id="61" creationId="{AE0B762B-08A3-4176-8945-A3A2B312D810}"/>
+          </ac:spMkLst>
+        </pc:spChg>
+        <pc:spChg chg="mod">
+          <ac:chgData name="Stefan Hermann Strüder" userId="cadcda32-3d48-4925-b815-42bf204a7539" providerId="ADAL" clId="{E1A3C290-7BAE-43B5-B075-7987B8C05865}" dt="2020-02-11T09:51:40.688" v="5651" actId="20577"/>
+          <ac:spMkLst>
+            <pc:docMk/>
+            <pc:sldMk cId="3292835857" sldId="408"/>
+            <ac:spMk id="64" creationId="{F13E14D9-EC0E-4DC0-9C5E-25A7D6BB7583}"/>
+          </ac:spMkLst>
+        </pc:spChg>
+        <pc:spChg chg="mod">
+          <ac:chgData name="Stefan Hermann Strüder" userId="cadcda32-3d48-4925-b815-42bf204a7539" providerId="ADAL" clId="{E1A3C290-7BAE-43B5-B075-7987B8C05865}" dt="2020-02-11T09:52:04.971" v="5662" actId="20577"/>
+          <ac:spMkLst>
+            <pc:docMk/>
+            <pc:sldMk cId="3292835857" sldId="408"/>
+            <ac:spMk id="65" creationId="{690B43FA-6EF4-44CD-9F59-CEA99843D6E2}"/>
+          </ac:spMkLst>
+        </pc:spChg>
         <pc:spChg chg="add">
           <ac:chgData name="Stefan Hermann Strüder" userId="cadcda32-3d48-4925-b815-42bf204a7539" providerId="ADAL" clId="{E1A3C290-7BAE-43B5-B075-7987B8C05865}" dt="2020-02-03T09:30:26.873" v="634"/>
           <ac:spMkLst>
             <pc:docMk/>
             <pc:sldMk cId="3292835857" sldId="408"/>
             <ac:spMk id="69" creationId="{FE5F0D90-05CD-4BC1-A083-60DC58A8DA48}"/>
+          </ac:spMkLst>
+        </pc:spChg>
+        <pc:spChg chg="add mod">
+          <ac:chgData name="Stefan Hermann Strüder" userId="cadcda32-3d48-4925-b815-42bf204a7539" providerId="ADAL" clId="{E1A3C290-7BAE-43B5-B075-7987B8C05865}" dt="2020-02-11T09:51:55.662" v="5656" actId="1076"/>
+          <ac:spMkLst>
+            <pc:docMk/>
+            <pc:sldMk cId="3292835857" sldId="408"/>
+            <ac:spMk id="71" creationId="{7F139D85-D61D-4F81-91FB-523AA9395548}"/>
+          </ac:spMkLst>
+        </pc:spChg>
+        <pc:spChg chg="add mod">
+          <ac:chgData name="Stefan Hermann Strüder" userId="cadcda32-3d48-4925-b815-42bf204a7539" providerId="ADAL" clId="{E1A3C290-7BAE-43B5-B075-7987B8C05865}" dt="2020-02-11T09:52:16.462" v="5663" actId="1076"/>
+          <ac:spMkLst>
+            <pc:docMk/>
+            <pc:sldMk cId="3292835857" sldId="408"/>
+            <ac:spMk id="72" creationId="{1B5D7F86-568A-43E6-986C-385BD2BE2E00}"/>
           </ac:spMkLst>
         </pc:spChg>
         <pc:graphicFrameChg chg="del">
@@ -1644,7 +1846,7 @@
         </pc:graphicFrameChg>
       </pc:sldChg>
       <pc:sldChg chg="addSp delSp modSp modNotesTx">
-        <pc:chgData name="Stefan Hermann Strüder" userId="cadcda32-3d48-4925-b815-42bf204a7539" providerId="ADAL" clId="{E1A3C290-7BAE-43B5-B075-7987B8C05865}" dt="2020-02-10T10:03:38.145" v="4670" actId="20577"/>
+        <pc:chgData name="Stefan Hermann Strüder" userId="cadcda32-3d48-4925-b815-42bf204a7539" providerId="ADAL" clId="{E1A3C290-7BAE-43B5-B075-7987B8C05865}" dt="2020-02-11T14:22:08.418" v="9707" actId="20577"/>
         <pc:sldMkLst>
           <pc:docMk/>
           <pc:sldMk cId="790330067" sldId="409"/>
@@ -1714,8 +1916,8 @@
           </ac:graphicFrameMkLst>
         </pc:graphicFrameChg>
       </pc:sldChg>
-      <pc:sldChg chg="addSp delSp modSp">
-        <pc:chgData name="Stefan Hermann Strüder" userId="cadcda32-3d48-4925-b815-42bf204a7539" providerId="ADAL" clId="{E1A3C290-7BAE-43B5-B075-7987B8C05865}" dt="2020-02-10T09:48:58.140" v="4460" actId="1076"/>
+      <pc:sldChg chg="addSp delSp modSp modNotesTx">
+        <pc:chgData name="Stefan Hermann Strüder" userId="cadcda32-3d48-4925-b815-42bf204a7539" providerId="ADAL" clId="{E1A3C290-7BAE-43B5-B075-7987B8C05865}" dt="2020-02-11T14:49:14.436" v="10163" actId="20577"/>
         <pc:sldMkLst>
           <pc:docMk/>
           <pc:sldMk cId="2270520241" sldId="411"/>
@@ -1761,8 +1963,8 @@
           </ac:picMkLst>
         </pc:picChg>
       </pc:sldChg>
-      <pc:sldChg chg="addSp delSp modSp">
-        <pc:chgData name="Stefan Hermann Strüder" userId="cadcda32-3d48-4925-b815-42bf204a7539" providerId="ADAL" clId="{E1A3C290-7BAE-43B5-B075-7987B8C05865}" dt="2020-02-10T09:50:14.643" v="4468" actId="1076"/>
+      <pc:sldChg chg="addSp delSp modSp modNotesTx">
+        <pc:chgData name="Stefan Hermann Strüder" userId="cadcda32-3d48-4925-b815-42bf204a7539" providerId="ADAL" clId="{E1A3C290-7BAE-43B5-B075-7987B8C05865}" dt="2020-02-11T14:50:49.401" v="10287" actId="20577"/>
         <pc:sldMkLst>
           <pc:docMk/>
           <pc:sldMk cId="1414776044" sldId="412"/>
@@ -1816,8 +2018,8 @@
           </ac:picMkLst>
         </pc:picChg>
       </pc:sldChg>
-      <pc:sldChg chg="addSp delSp modSp add del">
-        <pc:chgData name="Stefan Hermann Strüder" userId="cadcda32-3d48-4925-b815-42bf204a7539" providerId="ADAL" clId="{E1A3C290-7BAE-43B5-B075-7987B8C05865}" dt="2020-02-10T09:55:01.264" v="4484" actId="1076"/>
+      <pc:sldChg chg="addSp delSp modSp add del modNotesTx">
+        <pc:chgData name="Stefan Hermann Strüder" userId="cadcda32-3d48-4925-b815-42bf204a7539" providerId="ADAL" clId="{E1A3C290-7BAE-43B5-B075-7987B8C05865}" dt="2020-02-11T14:51:10.644" v="10317" actId="20577"/>
         <pc:sldMkLst>
           <pc:docMk/>
           <pc:sldMk cId="2733162430" sldId="413"/>
@@ -1871,8 +2073,8 @@
           </ac:picMkLst>
         </pc:picChg>
       </pc:sldChg>
-      <pc:sldChg chg="addSp modSp">
-        <pc:chgData name="Stefan Hermann Strüder" userId="cadcda32-3d48-4925-b815-42bf204a7539" providerId="ADAL" clId="{E1A3C290-7BAE-43B5-B075-7987B8C05865}" dt="2020-02-10T09:58:12.468" v="4575"/>
+      <pc:sldChg chg="addSp modSp modNotesTx">
+        <pc:chgData name="Stefan Hermann Strüder" userId="cadcda32-3d48-4925-b815-42bf204a7539" providerId="ADAL" clId="{E1A3C290-7BAE-43B5-B075-7987B8C05865}" dt="2020-02-11T14:52:16.218" v="10348" actId="20577"/>
         <pc:sldMkLst>
           <pc:docMk/>
           <pc:sldMk cId="1291885024" sldId="414"/>
@@ -1918,8 +2120,8 @@
           </ac:picMkLst>
         </pc:picChg>
       </pc:sldChg>
-      <pc:sldChg chg="addSp delSp modSp">
-        <pc:chgData name="Stefan Hermann Strüder" userId="cadcda32-3d48-4925-b815-42bf204a7539" providerId="ADAL" clId="{E1A3C290-7BAE-43B5-B075-7987B8C05865}" dt="2020-02-10T10:17:26.989" v="5017" actId="20577"/>
+      <pc:sldChg chg="addSp delSp modSp modNotesTx">
+        <pc:chgData name="Stefan Hermann Strüder" userId="cadcda32-3d48-4925-b815-42bf204a7539" providerId="ADAL" clId="{E1A3C290-7BAE-43B5-B075-7987B8C05865}" dt="2020-02-11T14:41:13.169" v="9949" actId="20577"/>
         <pc:sldMkLst>
           <pc:docMk/>
           <pc:sldMk cId="3221892126" sldId="415"/>
@@ -2036,8 +2238,8 @@
           </ac:spMkLst>
         </pc:spChg>
       </pc:sldChg>
-      <pc:sldChg chg="addSp delSp modSp">
-        <pc:chgData name="Stefan Hermann Strüder" userId="cadcda32-3d48-4925-b815-42bf204a7539" providerId="ADAL" clId="{E1A3C290-7BAE-43B5-B075-7987B8C05865}" dt="2020-02-10T10:18:39.245" v="5037" actId="20577"/>
+      <pc:sldChg chg="addSp delSp modSp modNotesTx">
+        <pc:chgData name="Stefan Hermann Strüder" userId="cadcda32-3d48-4925-b815-42bf204a7539" providerId="ADAL" clId="{E1A3C290-7BAE-43B5-B075-7987B8C05865}" dt="2020-02-11T14:38:05.720" v="9883" actId="114"/>
         <pc:sldMkLst>
           <pc:docMk/>
           <pc:sldMk cId="2307727961" sldId="417"/>
@@ -2050,6 +2252,14 @@
             <ac:spMk id="3" creationId="{32B8DE12-54BD-43C1-BCA9-015A7DB74221}"/>
           </ac:spMkLst>
         </pc:spChg>
+        <pc:spChg chg="add mod">
+          <ac:chgData name="Stefan Hermann Strüder" userId="cadcda32-3d48-4925-b815-42bf204a7539" providerId="ADAL" clId="{E1A3C290-7BAE-43B5-B075-7987B8C05865}" dt="2020-02-11T14:38:05.720" v="9883" actId="114"/>
+          <ac:spMkLst>
+            <pc:docMk/>
+            <pc:sldMk cId="2307727961" sldId="417"/>
+            <ac:spMk id="6" creationId="{9C85A39F-5397-4BD2-8E11-7F94D490025F}"/>
+          </ac:spMkLst>
+        </pc:spChg>
         <pc:spChg chg="add">
           <ac:chgData name="Stefan Hermann Strüder" userId="cadcda32-3d48-4925-b815-42bf204a7539" providerId="ADAL" clId="{E1A3C290-7BAE-43B5-B075-7987B8C05865}" dt="2020-02-03T09:31:18.043" v="650"/>
           <ac:spMkLst>
@@ -2083,7 +2293,7 @@
           </ac:spMkLst>
         </pc:spChg>
         <pc:graphicFrameChg chg="mod modGraphic">
-          <ac:chgData name="Stefan Hermann Strüder" userId="cadcda32-3d48-4925-b815-42bf204a7539" providerId="ADAL" clId="{E1A3C290-7BAE-43B5-B075-7987B8C05865}" dt="2020-02-04T15:56:05.008" v="2983" actId="1076"/>
+          <ac:chgData name="Stefan Hermann Strüder" userId="cadcda32-3d48-4925-b815-42bf204a7539" providerId="ADAL" clId="{E1A3C290-7BAE-43B5-B075-7987B8C05865}" dt="2020-02-11T14:36:37.328" v="9828" actId="20577"/>
           <ac:graphicFrameMkLst>
             <pc:docMk/>
             <pc:sldMk cId="2307727961" sldId="417"/>
@@ -2107,8 +2317,8 @@
           </ac:graphicFrameMkLst>
         </pc:graphicFrameChg>
       </pc:sldChg>
-      <pc:sldChg chg="addSp modSp">
-        <pc:chgData name="Stefan Hermann Strüder" userId="cadcda32-3d48-4925-b815-42bf204a7539" providerId="ADAL" clId="{E1A3C290-7BAE-43B5-B075-7987B8C05865}" dt="2020-02-10T09:43:32.302" v="4447" actId="1076"/>
+      <pc:sldChg chg="addSp modSp modNotesTx">
+        <pc:chgData name="Stefan Hermann Strüder" userId="cadcda32-3d48-4925-b815-42bf204a7539" providerId="ADAL" clId="{E1A3C290-7BAE-43B5-B075-7987B8C05865}" dt="2020-02-11T14:48:28.783" v="10042" actId="20577"/>
         <pc:sldMkLst>
           <pc:docMk/>
           <pc:sldMk cId="2861923614" sldId="418"/>
@@ -2154,14 +2364,14 @@
           </ac:picMkLst>
         </pc:picChg>
       </pc:sldChg>
-      <pc:sldChg chg="addSp delSp modSp">
-        <pc:chgData name="Stefan Hermann Strüder" userId="cadcda32-3d48-4925-b815-42bf204a7539" providerId="ADAL" clId="{E1A3C290-7BAE-43B5-B075-7987B8C05865}" dt="2020-02-10T10:17:31.029" v="5019" actId="20577"/>
+      <pc:sldChg chg="addSp delSp modSp modNotesTx">
+        <pc:chgData name="Stefan Hermann Strüder" userId="cadcda32-3d48-4925-b815-42bf204a7539" providerId="ADAL" clId="{E1A3C290-7BAE-43B5-B075-7987B8C05865}" dt="2020-02-11T15:22:08.659" v="10515" actId="20577"/>
         <pc:sldMkLst>
           <pc:docMk/>
           <pc:sldMk cId="1830786791" sldId="419"/>
         </pc:sldMkLst>
         <pc:spChg chg="mod">
-          <ac:chgData name="Stefan Hermann Strüder" userId="cadcda32-3d48-4925-b815-42bf204a7539" providerId="ADAL" clId="{E1A3C290-7BAE-43B5-B075-7987B8C05865}" dt="2020-02-03T10:02:51.551" v="1959" actId="20577"/>
+          <ac:chgData name="Stefan Hermann Strüder" userId="cadcda32-3d48-4925-b815-42bf204a7539" providerId="ADAL" clId="{E1A3C290-7BAE-43B5-B075-7987B8C05865}" dt="2020-02-11T10:49:18.895" v="8739" actId="1076"/>
           <ac:spMkLst>
             <pc:docMk/>
             <pc:sldMk cId="1830786791" sldId="419"/>
@@ -2184,6 +2394,14 @@
             <ac:spMk id="13" creationId="{0B7F1579-1920-45FB-A069-9A4D44215A34}"/>
           </ac:spMkLst>
         </pc:spChg>
+        <pc:spChg chg="add del mod">
+          <ac:chgData name="Stefan Hermann Strüder" userId="cadcda32-3d48-4925-b815-42bf204a7539" providerId="ADAL" clId="{E1A3C290-7BAE-43B5-B075-7987B8C05865}" dt="2020-02-11T10:49:20.975" v="8740" actId="478"/>
+          <ac:spMkLst>
+            <pc:docMk/>
+            <pc:sldMk cId="1830786791" sldId="419"/>
+            <ac:spMk id="14" creationId="{386E0103-6BF3-4B8C-9B4F-B1076D69B6FC}"/>
+          </ac:spMkLst>
+        </pc:spChg>
         <pc:spChg chg="add">
           <ac:chgData name="Stefan Hermann Strüder" userId="cadcda32-3d48-4925-b815-42bf204a7539" providerId="ADAL" clId="{E1A3C290-7BAE-43B5-B075-7987B8C05865}" dt="2020-02-03T09:31:35.928" v="660"/>
           <ac:spMkLst>
@@ -2217,8 +2435,8 @@
           </ac:graphicFrameMkLst>
         </pc:graphicFrameChg>
       </pc:sldChg>
-      <pc:sldChg chg="addSp delSp modSp">
-        <pc:chgData name="Stefan Hermann Strüder" userId="cadcda32-3d48-4925-b815-42bf204a7539" providerId="ADAL" clId="{E1A3C290-7BAE-43B5-B075-7987B8C05865}" dt="2020-02-10T09:40:08.839" v="4394" actId="20577"/>
+      <pc:sldChg chg="addSp delSp modSp modNotesTx">
+        <pc:chgData name="Stefan Hermann Strüder" userId="cadcda32-3d48-4925-b815-42bf204a7539" providerId="ADAL" clId="{E1A3C290-7BAE-43B5-B075-7987B8C05865}" dt="2020-02-11T10:57:05.539" v="9355" actId="20577"/>
         <pc:sldMkLst>
           <pc:docMk/>
           <pc:sldMk cId="80164953" sldId="420"/>
@@ -2343,8 +2561,8 @@
           </ac:spMkLst>
         </pc:spChg>
       </pc:sldChg>
-      <pc:sldChg chg="addSp delSp modSp add">
-        <pc:chgData name="Stefan Hermann Strüder" userId="cadcda32-3d48-4925-b815-42bf204a7539" providerId="ADAL" clId="{E1A3C290-7BAE-43B5-B075-7987B8C05865}" dt="2020-02-05T16:03:05.425" v="3906"/>
+      <pc:sldChg chg="addSp delSp modSp add modNotesTx">
+        <pc:chgData name="Stefan Hermann Strüder" userId="cadcda32-3d48-4925-b815-42bf204a7539" providerId="ADAL" clId="{E1A3C290-7BAE-43B5-B075-7987B8C05865}" dt="2020-02-11T14:12:19.186" v="9674" actId="20577"/>
         <pc:sldMkLst>
           <pc:docMk/>
           <pc:sldMk cId="2518381161" sldId="422"/>
@@ -2446,7 +2664,7 @@
           </ac:spMkLst>
         </pc:spChg>
         <pc:spChg chg="mod">
-          <ac:chgData name="Stefan Hermann Strüder" userId="cadcda32-3d48-4925-b815-42bf204a7539" providerId="ADAL" clId="{E1A3C290-7BAE-43B5-B075-7987B8C05865}" dt="2020-02-03T09:35:02.982" v="892" actId="207"/>
+          <ac:chgData name="Stefan Hermann Strüder" userId="cadcda32-3d48-4925-b815-42bf204a7539" providerId="ADAL" clId="{E1A3C290-7BAE-43B5-B075-7987B8C05865}" dt="2020-02-11T09:52:45.721" v="5666" actId="20577"/>
           <ac:spMkLst>
             <pc:docMk/>
             <pc:sldMk cId="2518381161" sldId="422"/>
@@ -2470,7 +2688,7 @@
           </ac:spMkLst>
         </pc:spChg>
         <pc:spChg chg="mod">
-          <ac:chgData name="Stefan Hermann Strüder" userId="cadcda32-3d48-4925-b815-42bf204a7539" providerId="ADAL" clId="{E1A3C290-7BAE-43B5-B075-7987B8C05865}" dt="2020-02-03T09:35:02.982" v="892" actId="207"/>
+          <ac:chgData name="Stefan Hermann Strüder" userId="cadcda32-3d48-4925-b815-42bf204a7539" providerId="ADAL" clId="{E1A3C290-7BAE-43B5-B075-7987B8C05865}" dt="2020-02-11T09:52:44.117" v="5665" actId="20577"/>
           <ac:spMkLst>
             <pc:docMk/>
             <pc:sldMk cId="2518381161" sldId="422"/>
@@ -2478,7 +2696,7 @@
           </ac:spMkLst>
         </pc:spChg>
         <pc:spChg chg="mod">
-          <ac:chgData name="Stefan Hermann Strüder" userId="cadcda32-3d48-4925-b815-42bf204a7539" providerId="ADAL" clId="{E1A3C290-7BAE-43B5-B075-7987B8C05865}" dt="2020-02-03T09:35:02.982" v="892" actId="207"/>
+          <ac:chgData name="Stefan Hermann Strüder" userId="cadcda32-3d48-4925-b815-42bf204a7539" providerId="ADAL" clId="{E1A3C290-7BAE-43B5-B075-7987B8C05865}" dt="2020-02-11T09:52:42.346" v="5664" actId="20577"/>
           <ac:spMkLst>
             <pc:docMk/>
             <pc:sldMk cId="2518381161" sldId="422"/>
@@ -2501,6 +2719,30 @@
             <ac:spMk id="67" creationId="{CEE0F2AF-AEC7-44CE-8D6F-39B33C229B97}"/>
           </ac:spMkLst>
         </pc:spChg>
+        <pc:spChg chg="add">
+          <ac:chgData name="Stefan Hermann Strüder" userId="cadcda32-3d48-4925-b815-42bf204a7539" providerId="ADAL" clId="{E1A3C290-7BAE-43B5-B075-7987B8C05865}" dt="2020-02-11T09:52:47.287" v="5667"/>
+          <ac:spMkLst>
+            <pc:docMk/>
+            <pc:sldMk cId="2518381161" sldId="422"/>
+            <ac:spMk id="71" creationId="{31D3F143-48BA-4A5F-930C-8FA568D62A13}"/>
+          </ac:spMkLst>
+        </pc:spChg>
+        <pc:spChg chg="add">
+          <ac:chgData name="Stefan Hermann Strüder" userId="cadcda32-3d48-4925-b815-42bf204a7539" providerId="ADAL" clId="{E1A3C290-7BAE-43B5-B075-7987B8C05865}" dt="2020-02-11T09:52:47.287" v="5667"/>
+          <ac:spMkLst>
+            <pc:docMk/>
+            <pc:sldMk cId="2518381161" sldId="422"/>
+            <ac:spMk id="72" creationId="{EC3E81AE-A8B0-45D6-B907-A4EC0E6EE3A6}"/>
+          </ac:spMkLst>
+        </pc:spChg>
+        <pc:spChg chg="add">
+          <ac:chgData name="Stefan Hermann Strüder" userId="cadcda32-3d48-4925-b815-42bf204a7539" providerId="ADAL" clId="{E1A3C290-7BAE-43B5-B075-7987B8C05865}" dt="2020-02-11T09:52:47.287" v="5667"/>
+          <ac:spMkLst>
+            <pc:docMk/>
+            <pc:sldMk cId="2518381161" sldId="422"/>
+            <ac:spMk id="99" creationId="{9F6081FC-1132-4A12-8BB7-F7AF179422AC}"/>
+          </ac:spMkLst>
+        </pc:spChg>
         <pc:graphicFrameChg chg="del">
           <ac:chgData name="Stefan Hermann Strüder" userId="cadcda32-3d48-4925-b815-42bf204a7539" providerId="ADAL" clId="{E1A3C290-7BAE-43B5-B075-7987B8C05865}" dt="2020-02-05T16:03:04.516" v="3905" actId="478"/>
           <ac:graphicFrameMkLst>
@@ -2774,12 +3016,20 @@
           </ac:cxnSpMkLst>
         </pc:cxnChg>
       </pc:sldChg>
-      <pc:sldChg chg="addSp delSp modSp add">
-        <pc:chgData name="Stefan Hermann Strüder" userId="cadcda32-3d48-4925-b815-42bf204a7539" providerId="ADAL" clId="{E1A3C290-7BAE-43B5-B075-7987B8C05865}" dt="2020-02-10T10:17:03.922" v="4997" actId="20577"/>
+      <pc:sldChg chg="addSp delSp modSp add modNotesTx">
+        <pc:chgData name="Stefan Hermann Strüder" userId="cadcda32-3d48-4925-b815-42bf204a7539" providerId="ADAL" clId="{E1A3C290-7BAE-43B5-B075-7987B8C05865}" dt="2020-02-11T10:33:09.944" v="7920" actId="5793"/>
         <pc:sldMkLst>
           <pc:docMk/>
           <pc:sldMk cId="1935427206" sldId="423"/>
         </pc:sldMkLst>
+        <pc:spChg chg="add del mod">
+          <ac:chgData name="Stefan Hermann Strüder" userId="cadcda32-3d48-4925-b815-42bf204a7539" providerId="ADAL" clId="{E1A3C290-7BAE-43B5-B075-7987B8C05865}" dt="2020-02-10T11:41:58.173" v="5273" actId="478"/>
+          <ac:spMkLst>
+            <pc:docMk/>
+            <pc:sldMk cId="1935427206" sldId="423"/>
+            <ac:spMk id="2" creationId="{7A6A0AA8-93F9-43AD-8EE1-CEACA45AA6AB}"/>
+          </ac:spMkLst>
+        </pc:spChg>
         <pc:spChg chg="del">
           <ac:chgData name="Stefan Hermann Strüder" userId="cadcda32-3d48-4925-b815-42bf204a7539" providerId="ADAL" clId="{E1A3C290-7BAE-43B5-B075-7987B8C05865}" dt="2020-02-10T10:04:01.351" v="4671" actId="478"/>
           <ac:spMkLst>
@@ -2789,7 +3039,7 @@
           </ac:spMkLst>
         </pc:spChg>
         <pc:spChg chg="mod">
-          <ac:chgData name="Stefan Hermann Strüder" userId="cadcda32-3d48-4925-b815-42bf204a7539" providerId="ADAL" clId="{E1A3C290-7BAE-43B5-B075-7987B8C05865}" dt="2020-02-10T10:15:13.044" v="4995" actId="20577"/>
+          <ac:chgData name="Stefan Hermann Strüder" userId="cadcda32-3d48-4925-b815-42bf204a7539" providerId="ADAL" clId="{E1A3C290-7BAE-43B5-B075-7987B8C05865}" dt="2020-02-11T10:32:38.380" v="7854" actId="20577"/>
           <ac:spMkLst>
             <pc:docMk/>
             <pc:sldMk cId="1935427206" sldId="423"/>
@@ -3226,8 +3476,8 @@
           <pc:sldMk cId="461941316" sldId="426"/>
         </pc:sldMkLst>
       </pc:sldChg>
-      <pc:sldChg chg="addSp delSp modSp add">
-        <pc:chgData name="Stefan Hermann Strüder" userId="cadcda32-3d48-4925-b815-42bf204a7539" providerId="ADAL" clId="{E1A3C290-7BAE-43B5-B075-7987B8C05865}" dt="2020-02-10T09:28:19.539" v="4234" actId="207"/>
+      <pc:sldChg chg="addSp delSp modSp add modNotesTx">
+        <pc:chgData name="Stefan Hermann Strüder" userId="cadcda32-3d48-4925-b815-42bf204a7539" providerId="ADAL" clId="{E1A3C290-7BAE-43B5-B075-7987B8C05865}" dt="2020-02-11T10:05:50.871" v="6344" actId="20577"/>
         <pc:sldMkLst>
           <pc:docMk/>
           <pc:sldMk cId="1293495247" sldId="426"/>
@@ -3337,7 +3587,7 @@
           </ac:spMkLst>
         </pc:spChg>
         <pc:spChg chg="mod topLvl">
-          <ac:chgData name="Stefan Hermann Strüder" userId="cadcda32-3d48-4925-b815-42bf204a7539" providerId="ADAL" clId="{E1A3C290-7BAE-43B5-B075-7987B8C05865}" dt="2020-02-05T15:26:05.103" v="3387" actId="165"/>
+          <ac:chgData name="Stefan Hermann Strüder" userId="cadcda32-3d48-4925-b815-42bf204a7539" providerId="ADAL" clId="{E1A3C290-7BAE-43B5-B075-7987B8C05865}" dt="2020-02-11T09:42:20.862" v="5338" actId="20577"/>
           <ac:spMkLst>
             <pc:docMk/>
             <pc:sldMk cId="1293495247" sldId="426"/>
@@ -3600,12 +3850,12 @@
             <ac:spMk id="72" creationId="{9040EC62-BBF6-4C9F-9E37-305C9E8CB873}"/>
           </ac:spMkLst>
         </pc:spChg>
-        <pc:spChg chg="add del mod">
-          <ac:chgData name="Stefan Hermann Strüder" userId="cadcda32-3d48-4925-b815-42bf204a7539" providerId="ADAL" clId="{E1A3C290-7BAE-43B5-B075-7987B8C05865}" dt="2020-02-05T15:19:15.651" v="3333" actId="478"/>
+        <pc:spChg chg="del">
+          <ac:chgData name="Stefan Hermann Strüder" userId="cadcda32-3d48-4925-b815-42bf204a7539" providerId="ADAL" clId="{E1A3C290-7BAE-43B5-B075-7987B8C05865}" dt="2020-02-11T09:59:11.817" v="6258" actId="478"/>
           <ac:spMkLst>
             <pc:docMk/>
             <pc:sldMk cId="1293495247" sldId="426"/>
-            <ac:spMk id="96" creationId="{69F8E8B1-EB18-4338-964E-FEF6DB5261B4}"/>
+            <ac:spMk id="94" creationId="{23A5F770-8FFD-4B09-A4C6-3A36EF54E4A3}"/>
           </ac:spMkLst>
         </pc:spChg>
         <pc:spChg chg="add del mod">
@@ -3613,7 +3863,31 @@
           <ac:spMkLst>
             <pc:docMk/>
             <pc:sldMk cId="1293495247" sldId="426"/>
+            <ac:spMk id="96" creationId="{69F8E8B1-EB18-4338-964E-FEF6DB5261B4}"/>
+          </ac:spMkLst>
+        </pc:spChg>
+        <pc:spChg chg="add">
+          <ac:chgData name="Stefan Hermann Strüder" userId="cadcda32-3d48-4925-b815-42bf204a7539" providerId="ADAL" clId="{E1A3C290-7BAE-43B5-B075-7987B8C05865}" dt="2020-02-11T09:59:12.950" v="6259"/>
+          <ac:spMkLst>
+            <pc:docMk/>
+            <pc:sldMk cId="1293495247" sldId="426"/>
+            <ac:spMk id="96" creationId="{7CCCC099-9BA0-4763-9954-1EEDA7247869}"/>
+          </ac:spMkLst>
+        </pc:spChg>
+        <pc:spChg chg="add del mod">
+          <ac:chgData name="Stefan Hermann Strüder" userId="cadcda32-3d48-4925-b815-42bf204a7539" providerId="ADAL" clId="{E1A3C290-7BAE-43B5-B075-7987B8C05865}" dt="2020-02-05T15:19:15.651" v="3333" actId="478"/>
+          <ac:spMkLst>
+            <pc:docMk/>
+            <pc:sldMk cId="1293495247" sldId="426"/>
             <ac:spMk id="97" creationId="{0A5AF2DF-0B66-4E2A-8B6A-D8F963DDE2CB}"/>
+          </ac:spMkLst>
+        </pc:spChg>
+        <pc:spChg chg="add">
+          <ac:chgData name="Stefan Hermann Strüder" userId="cadcda32-3d48-4925-b815-42bf204a7539" providerId="ADAL" clId="{E1A3C290-7BAE-43B5-B075-7987B8C05865}" dt="2020-02-11T10:04:38.606" v="6300"/>
+          <ac:spMkLst>
+            <pc:docMk/>
+            <pc:sldMk cId="1293495247" sldId="426"/>
+            <ac:spMk id="97" creationId="{2AD9D805-E8D0-43DC-BD58-841444470CD2}"/>
           </ac:spMkLst>
         </pc:spChg>
         <pc:spChg chg="add del mod">
@@ -4015,14 +4289,14 @@
           </ac:picMkLst>
         </pc:picChg>
       </pc:sldChg>
-      <pc:sldChg chg="modSp add ord">
-        <pc:chgData name="Stefan Hermann Strüder" userId="cadcda32-3d48-4925-b815-42bf204a7539" providerId="ADAL" clId="{E1A3C290-7BAE-43B5-B075-7987B8C05865}" dt="2020-02-10T10:18:17.427" v="5026" actId="15"/>
+      <pc:sldChg chg="modSp add ord modNotesTx">
+        <pc:chgData name="Stefan Hermann Strüder" userId="cadcda32-3d48-4925-b815-42bf204a7539" providerId="ADAL" clId="{E1A3C290-7BAE-43B5-B075-7987B8C05865}" dt="2020-02-11T10:28:58.609" v="7678" actId="20577"/>
         <pc:sldMkLst>
           <pc:docMk/>
           <pc:sldMk cId="1929720605" sldId="427"/>
         </pc:sldMkLst>
         <pc:spChg chg="mod">
-          <ac:chgData name="Stefan Hermann Strüder" userId="cadcda32-3d48-4925-b815-42bf204a7539" providerId="ADAL" clId="{E1A3C290-7BAE-43B5-B075-7987B8C05865}" dt="2020-02-10T10:18:17.427" v="5026" actId="15"/>
+          <ac:chgData name="Stefan Hermann Strüder" userId="cadcda32-3d48-4925-b815-42bf204a7539" providerId="ADAL" clId="{E1A3C290-7BAE-43B5-B075-7987B8C05865}" dt="2020-02-10T11:39:50.965" v="5102" actId="1076"/>
           <ac:spMkLst>
             <pc:docMk/>
             <pc:sldMk cId="1929720605" sldId="427"/>
@@ -4030,135 +4304,51 @@
           </ac:spMkLst>
         </pc:spChg>
       </pc:sldChg>
-    </pc:docChg>
-  </pc:docChgLst>
-  <pc:docChgLst>
-    <pc:chgData name="Stefan Hermann Strüder" userId="cadcda32-3d48-4925-b815-42bf204a7539" providerId="ADAL" clId="{7BAA12D6-992D-44C6-8862-A565C3F088BB}"/>
-    <pc:docChg chg="modSld">
-      <pc:chgData name="Stefan Hermann Strüder" userId="cadcda32-3d48-4925-b815-42bf204a7539" providerId="ADAL" clId="{7BAA12D6-992D-44C6-8862-A565C3F088BB}" dt="2020-01-08T10:13:28.691" v="155" actId="120"/>
-      <pc:docMkLst>
-        <pc:docMk/>
-      </pc:docMkLst>
-      <pc:sldChg chg="addSp modSp">
-        <pc:chgData name="Stefan Hermann Strüder" userId="cadcda32-3d48-4925-b815-42bf204a7539" providerId="ADAL" clId="{7BAA12D6-992D-44C6-8862-A565C3F088BB}" dt="2020-01-08T10:13:28.691" v="155" actId="120"/>
+      <pc:sldChg chg="addSp delSp modSp add ord">
+        <pc:chgData name="Stefan Hermann Strüder" userId="cadcda32-3d48-4925-b815-42bf204a7539" providerId="ADAL" clId="{E1A3C290-7BAE-43B5-B075-7987B8C05865}" dt="2020-02-11T15:20:25.190" v="10512" actId="20577"/>
         <pc:sldMkLst>
           <pc:docMk/>
-          <pc:sldMk cId="3130144294" sldId="259"/>
+          <pc:sldMk cId="2195044374" sldId="428"/>
         </pc:sldMkLst>
-        <pc:spChg chg="add mod">
-          <ac:chgData name="Stefan Hermann Strüder" userId="cadcda32-3d48-4925-b815-42bf204a7539" providerId="ADAL" clId="{7BAA12D6-992D-44C6-8862-A565C3F088BB}" dt="2020-01-08T10:13:28.691" v="155" actId="120"/>
+        <pc:spChg chg="mod">
+          <ac:chgData name="Stefan Hermann Strüder" userId="cadcda32-3d48-4925-b815-42bf204a7539" providerId="ADAL" clId="{E1A3C290-7BAE-43B5-B075-7987B8C05865}" dt="2020-02-11T15:20:25.190" v="10512" actId="20577"/>
           <ac:spMkLst>
             <pc:docMk/>
-            <pc:sldMk cId="3130144294" sldId="259"/>
-            <ac:spMk id="2" creationId="{50E8A062-3709-401A-87B1-9C1A8708A959}"/>
+            <pc:sldMk cId="2195044374" sldId="428"/>
+            <ac:spMk id="15" creationId="{B8914DF7-3B42-4662-BBFE-FD95DD501C2B}"/>
           </ac:spMkLst>
         </pc:spChg>
-        <pc:picChg chg="add mod">
-          <ac:chgData name="Stefan Hermann Strüder" userId="cadcda32-3d48-4925-b815-42bf204a7539" providerId="ADAL" clId="{7BAA12D6-992D-44C6-8862-A565C3F088BB}" dt="2020-01-08T10:08:55.013" v="1" actId="1076"/>
-          <ac:picMkLst>
-            <pc:docMk/>
-            <pc:sldMk cId="3130144294" sldId="259"/>
-            <ac:picMk id="9" creationId="{67497D64-1572-4104-84BD-A3D28CAD3282}"/>
-          </ac:picMkLst>
-        </pc:picChg>
+        <pc:graphicFrameChg chg="add mod modGraphic">
+          <ac:chgData name="Stefan Hermann Strüder" userId="cadcda32-3d48-4925-b815-42bf204a7539" providerId="ADAL" clId="{E1A3C290-7BAE-43B5-B075-7987B8C05865}" dt="2020-02-11T10:20:22.016" v="7049" actId="207"/>
+          <ac:graphicFrameMkLst>
+            <pc:docMk/>
+            <pc:sldMk cId="2195044374" sldId="428"/>
+            <ac:graphicFrameMk id="14" creationId="{53FEA245-05D0-4D6F-815F-30D604F7E7F8}"/>
+          </ac:graphicFrameMkLst>
+        </pc:graphicFrameChg>
+        <pc:graphicFrameChg chg="mod modGraphic">
+          <ac:chgData name="Stefan Hermann Strüder" userId="cadcda32-3d48-4925-b815-42bf204a7539" providerId="ADAL" clId="{E1A3C290-7BAE-43B5-B075-7987B8C05865}" dt="2020-02-11T10:20:05.187" v="7043" actId="207"/>
+          <ac:graphicFrameMkLst>
+            <pc:docMk/>
+            <pc:sldMk cId="2195044374" sldId="428"/>
+            <ac:graphicFrameMk id="17" creationId="{80202E41-031E-4643-9A41-5B1F7344B9B2}"/>
+          </ac:graphicFrameMkLst>
+        </pc:graphicFrameChg>
+        <pc:graphicFrameChg chg="del mod">
+          <ac:chgData name="Stefan Hermann Strüder" userId="cadcda32-3d48-4925-b815-42bf204a7539" providerId="ADAL" clId="{E1A3C290-7BAE-43B5-B075-7987B8C05865}" dt="2020-02-11T10:15:54.695" v="6963" actId="478"/>
+          <ac:graphicFrameMkLst>
+            <pc:docMk/>
+            <pc:sldMk cId="2195044374" sldId="428"/>
+            <ac:graphicFrameMk id="18" creationId="{B195B7C5-C647-4BC8-BDB0-E00B16795856}"/>
+          </ac:graphicFrameMkLst>
+        </pc:graphicFrameChg>
       </pc:sldChg>
-      <pc:sldChg chg="addSp modSp">
-        <pc:chgData name="Stefan Hermann Strüder" userId="cadcda32-3d48-4925-b815-42bf204a7539" providerId="ADAL" clId="{7BAA12D6-992D-44C6-8862-A565C3F088BB}" dt="2020-01-08T10:09:54.801" v="4" actId="1076"/>
+      <pc:sldChg chg="add del">
+        <pc:chgData name="Stefan Hermann Strüder" userId="cadcda32-3d48-4925-b815-42bf204a7539" providerId="ADAL" clId="{E1A3C290-7BAE-43B5-B075-7987B8C05865}" dt="2020-02-11T10:55:19.383" v="9107" actId="47"/>
         <pc:sldMkLst>
           <pc:docMk/>
-          <pc:sldMk cId="2703504990" sldId="261"/>
+          <pc:sldMk cId="4185107910" sldId="429"/>
         </pc:sldMkLst>
-        <pc:picChg chg="add mod">
-          <ac:chgData name="Stefan Hermann Strüder" userId="cadcda32-3d48-4925-b815-42bf204a7539" providerId="ADAL" clId="{7BAA12D6-992D-44C6-8862-A565C3F088BB}" dt="2020-01-08T10:09:54.801" v="4" actId="1076"/>
-          <ac:picMkLst>
-            <pc:docMk/>
-            <pc:sldMk cId="2703504990" sldId="261"/>
-            <ac:picMk id="8" creationId="{B48646CF-EC99-4EE5-9C82-CF5C6E6EE143}"/>
-          </ac:picMkLst>
-        </pc:picChg>
-        <pc:picChg chg="add">
-          <ac:chgData name="Stefan Hermann Strüder" userId="cadcda32-3d48-4925-b815-42bf204a7539" providerId="ADAL" clId="{7BAA12D6-992D-44C6-8862-A565C3F088BB}" dt="2020-01-08T10:09:47.470" v="3"/>
-          <ac:picMkLst>
-            <pc:docMk/>
-            <pc:sldMk cId="2703504990" sldId="261"/>
-            <ac:picMk id="9" creationId="{250E043F-BBC7-46B0-B767-8E9C64CA0845}"/>
-          </ac:picMkLst>
-        </pc:picChg>
-      </pc:sldChg>
-      <pc:sldChg chg="addSp">
-        <pc:chgData name="Stefan Hermann Strüder" userId="cadcda32-3d48-4925-b815-42bf204a7539" providerId="ADAL" clId="{7BAA12D6-992D-44C6-8862-A565C3F088BB}" dt="2020-01-08T10:10:11.140" v="9"/>
-        <pc:sldMkLst>
-          <pc:docMk/>
-          <pc:sldMk cId="1441776701" sldId="323"/>
-        </pc:sldMkLst>
-        <pc:picChg chg="add">
-          <ac:chgData name="Stefan Hermann Strüder" userId="cadcda32-3d48-4925-b815-42bf204a7539" providerId="ADAL" clId="{7BAA12D6-992D-44C6-8862-A565C3F088BB}" dt="2020-01-08T10:10:11.140" v="9"/>
-          <ac:picMkLst>
-            <pc:docMk/>
-            <pc:sldMk cId="1441776701" sldId="323"/>
-            <ac:picMk id="10" creationId="{8EB60206-760B-4EFF-A93C-D454A94AD98F}"/>
-          </ac:picMkLst>
-        </pc:picChg>
-      </pc:sldChg>
-      <pc:sldChg chg="addSp">
-        <pc:chgData name="Stefan Hermann Strüder" userId="cadcda32-3d48-4925-b815-42bf204a7539" providerId="ADAL" clId="{7BAA12D6-992D-44C6-8862-A565C3F088BB}" dt="2020-01-08T10:10:06.964" v="7"/>
-        <pc:sldMkLst>
-          <pc:docMk/>
-          <pc:sldMk cId="2111453339" sldId="324"/>
-        </pc:sldMkLst>
-        <pc:picChg chg="add">
-          <ac:chgData name="Stefan Hermann Strüder" userId="cadcda32-3d48-4925-b815-42bf204a7539" providerId="ADAL" clId="{7BAA12D6-992D-44C6-8862-A565C3F088BB}" dt="2020-01-08T10:10:06.964" v="7"/>
-          <ac:picMkLst>
-            <pc:docMk/>
-            <pc:sldMk cId="2111453339" sldId="324"/>
-            <ac:picMk id="11" creationId="{4FEF73F4-054E-4634-939D-E07BDBACE90B}"/>
-          </ac:picMkLst>
-        </pc:picChg>
-      </pc:sldChg>
-      <pc:sldChg chg="addSp">
-        <pc:chgData name="Stefan Hermann Strüder" userId="cadcda32-3d48-4925-b815-42bf204a7539" providerId="ADAL" clId="{7BAA12D6-992D-44C6-8862-A565C3F088BB}" dt="2020-01-08T10:10:09.340" v="8"/>
-        <pc:sldMkLst>
-          <pc:docMk/>
-          <pc:sldMk cId="3531022359" sldId="325"/>
-        </pc:sldMkLst>
-        <pc:picChg chg="add">
-          <ac:chgData name="Stefan Hermann Strüder" userId="cadcda32-3d48-4925-b815-42bf204a7539" providerId="ADAL" clId="{7BAA12D6-992D-44C6-8862-A565C3F088BB}" dt="2020-01-08T10:10:09.340" v="8"/>
-          <ac:picMkLst>
-            <pc:docMk/>
-            <pc:sldMk cId="3531022359" sldId="325"/>
-            <ac:picMk id="11" creationId="{38EFB368-6222-494A-B81E-9C672A99D978}"/>
-          </ac:picMkLst>
-        </pc:picChg>
-      </pc:sldChg>
-      <pc:sldChg chg="addSp">
-        <pc:chgData name="Stefan Hermann Strüder" userId="cadcda32-3d48-4925-b815-42bf204a7539" providerId="ADAL" clId="{7BAA12D6-992D-44C6-8862-A565C3F088BB}" dt="2020-01-08T10:10:05.859" v="6"/>
-        <pc:sldMkLst>
-          <pc:docMk/>
-          <pc:sldMk cId="1381987625" sldId="326"/>
-        </pc:sldMkLst>
-        <pc:picChg chg="add">
-          <ac:chgData name="Stefan Hermann Strüder" userId="cadcda32-3d48-4925-b815-42bf204a7539" providerId="ADAL" clId="{7BAA12D6-992D-44C6-8862-A565C3F088BB}" dt="2020-01-08T10:10:05.859" v="6"/>
-          <ac:picMkLst>
-            <pc:docMk/>
-            <pc:sldMk cId="1381987625" sldId="326"/>
-            <ac:picMk id="10" creationId="{A0B1E7E9-21AD-4A89-9563-80A460B9B081}"/>
-          </ac:picMkLst>
-        </pc:picChg>
-      </pc:sldChg>
-      <pc:sldChg chg="addSp">
-        <pc:chgData name="Stefan Hermann Strüder" userId="cadcda32-3d48-4925-b815-42bf204a7539" providerId="ADAL" clId="{7BAA12D6-992D-44C6-8862-A565C3F088BB}" dt="2020-01-08T10:10:00.475" v="5"/>
-        <pc:sldMkLst>
-          <pc:docMk/>
-          <pc:sldMk cId="3116346054" sldId="375"/>
-        </pc:sldMkLst>
-        <pc:picChg chg="add">
-          <ac:chgData name="Stefan Hermann Strüder" userId="cadcda32-3d48-4925-b815-42bf204a7539" providerId="ADAL" clId="{7BAA12D6-992D-44C6-8862-A565C3F088BB}" dt="2020-01-08T10:10:00.475" v="5"/>
-          <ac:picMkLst>
-            <pc:docMk/>
-            <pc:sldMk cId="3116346054" sldId="375"/>
-            <ac:picMk id="13" creationId="{516A46A8-8815-4704-8210-C81330108374}"/>
-          </ac:picMkLst>
-        </pc:picChg>
       </pc:sldChg>
     </pc:docChg>
   </pc:docChgLst>
@@ -6793,7 +6983,7 @@
           <a:p>
             <a:fld id="{2336CE57-47A7-4BEE-BB5D-B24B8404DACB}" type="datetimeFigureOut">
               <a:rPr lang="de-DE" smtClean="0"/>
-              <a:t>10.02.2020</a:t>
+              <a:t>11.02.2020</a:t>
             </a:fld>
             <a:endParaRPr lang="de-DE" dirty="0"/>
           </a:p>
@@ -7226,7 +7416,7 @@
     </p:spTree>
     <p:extLst>
       <p:ext uri="{BB962C8B-B14F-4D97-AF65-F5344CB8AC3E}">
-        <p14:creationId xmlns:p14="http://schemas.microsoft.com/office/powerpoint/2010/main" val="1782634876"/>
+        <p14:creationId xmlns:p14="http://schemas.microsoft.com/office/powerpoint/2010/main" val="1996024518"/>
       </p:ext>
     </p:extLst>
   </p:cSld>
@@ -7284,10 +7474,7 @@
               <a:buFont typeface="Arial" panose="020B0604020202020204" pitchFamily="34" charset="0"/>
               <a:buNone/>
             </a:pPr>
-            <a:r>
-              <a:rPr lang="de-DE" dirty="0"/>
-              <a:t>Kursiv im Laufe der Preparation gefüllt</a:t>
-            </a:r>
+            <a:endParaRPr lang="de-DE" dirty="0"/>
           </a:p>
         </p:txBody>
       </p:sp>
@@ -7727,14 +7914,6 @@
               <a:buFont typeface="Arial" panose="020B0604020202020204" pitchFamily="34" charset="0"/>
               <a:buNone/>
             </a:pPr>
-            <a:r>
-              <a:rPr lang="de-DE" dirty="0"/>
-              <a:t>Basierend auf Werte aus </a:t>
-            </a:r>
-            <a:r>
-              <a:rPr lang="de-DE" dirty="0" err="1"/>
-              <a:t>PyDriller</a:t>
-            </a:r>
             <a:endParaRPr lang="de-DE" dirty="0"/>
           </a:p>
         </p:txBody>
@@ -7907,10 +8086,7 @@
               <a:buFont typeface="Arial" panose="020B0604020202020204" pitchFamily="34" charset="0"/>
               <a:buNone/>
             </a:pPr>
-            <a:r>
-              <a:rPr lang="de-DE" dirty="0"/>
-              <a:t>erklären was der Anlass war zwei verschiedene Frameworks zu nutzen</a:t>
-            </a:r>
+            <a:endParaRPr lang="de-DE" dirty="0"/>
           </a:p>
         </p:txBody>
       </p:sp>
@@ -8174,10 +8350,7 @@
               <a:buFont typeface="Arial" panose="020B0604020202020204" pitchFamily="34" charset="0"/>
               <a:buNone/>
             </a:pPr>
-            <a:r>
-              <a:rPr lang="de-DE" dirty="0"/>
-              <a:t>weil die meisten Datensätze korrekt der überrepräsentierten Klasse zugeordnet werden</a:t>
-            </a:r>
+            <a:endParaRPr lang="de-DE" dirty="0"/>
           </a:p>
         </p:txBody>
       </p:sp>
@@ -8544,6 +8717,269 @@
           <a:bodyPr/>
           <a:lstStyle/>
           <a:p>
+            <a:fld id="{7B102A6C-5640-4C66-87FF-554DBABAB857}" type="slidenum">
+              <a:rPr lang="de-DE" smtClean="0"/>
+              <a:t>24</a:t>
+            </a:fld>
+            <a:endParaRPr lang="de-DE" dirty="0"/>
+          </a:p>
+        </p:txBody>
+      </p:sp>
+    </p:spTree>
+    <p:extLst>
+      <p:ext uri="{BB962C8B-B14F-4D97-AF65-F5344CB8AC3E}">
+        <p14:creationId xmlns:p14="http://schemas.microsoft.com/office/powerpoint/2010/main" val="1818391661"/>
+      </p:ext>
+    </p:extLst>
+  </p:cSld>
+  <p:clrMapOvr>
+    <a:masterClrMapping/>
+  </p:clrMapOvr>
+</p:notes>
+</file>
+
+<file path=ppt/notesSlides/notesSlide25.xml><?xml version="1.0" encoding="utf-8"?>
+<p:notes xmlns:a="http://schemas.openxmlformats.org/drawingml/2006/main" xmlns:r="http://schemas.openxmlformats.org/officeDocument/2006/relationships" xmlns:p="http://schemas.openxmlformats.org/presentationml/2006/main">
+  <p:cSld>
+    <p:spTree>
+      <p:nvGrpSpPr>
+        <p:cNvPr id="1" name=""/>
+        <p:cNvGrpSpPr/>
+        <p:nvPr/>
+      </p:nvGrpSpPr>
+      <p:grpSpPr>
+        <a:xfrm>
+          <a:off x="0" y="0"/>
+          <a:ext cx="0" cy="0"/>
+          <a:chOff x="0" y="0"/>
+          <a:chExt cx="0" cy="0"/>
+        </a:xfrm>
+      </p:grpSpPr>
+      <p:sp>
+        <p:nvSpPr>
+          <p:cNvPr id="2" name="Folienbildplatzhalter 1"/>
+          <p:cNvSpPr>
+            <a:spLocks noGrp="1" noRot="1" noChangeAspect="1"/>
+          </p:cNvSpPr>
+          <p:nvPr>
+            <p:ph type="sldImg"/>
+          </p:nvPr>
+        </p:nvSpPr>
+        <p:spPr/>
+      </p:sp>
+      <p:sp>
+        <p:nvSpPr>
+          <p:cNvPr id="3" name="Notizenplatzhalter 2"/>
+          <p:cNvSpPr>
+            <a:spLocks noGrp="1"/>
+          </p:cNvSpPr>
+          <p:nvPr>
+            <p:ph type="body" idx="1"/>
+          </p:nvPr>
+        </p:nvSpPr>
+        <p:spPr/>
+        <p:txBody>
+          <a:bodyPr/>
+          <a:lstStyle/>
+          <a:p>
+            <a:r>
+              <a:rPr lang="de-DE" dirty="0"/>
+              <a:t>WEKA </a:t>
+            </a:r>
+            <a:r>
+              <a:rPr lang="de-DE" dirty="0" err="1"/>
+              <a:t>nearly</a:t>
+            </a:r>
+            <a:r>
+              <a:rPr lang="de-DE" dirty="0"/>
+              <a:t> the same results</a:t>
+            </a:r>
+          </a:p>
+        </p:txBody>
+      </p:sp>
+      <p:sp>
+        <p:nvSpPr>
+          <p:cNvPr id="4" name="Foliennummernplatzhalter 3"/>
+          <p:cNvSpPr>
+            <a:spLocks noGrp="1"/>
+          </p:cNvSpPr>
+          <p:nvPr>
+            <p:ph type="sldNum" sz="quarter" idx="5"/>
+          </p:nvPr>
+        </p:nvSpPr>
+        <p:spPr/>
+        <p:txBody>
+          <a:bodyPr/>
+          <a:lstStyle/>
+          <a:p>
+            <a:fld id="{7B102A6C-5640-4C66-87FF-554DBABAB857}" type="slidenum">
+              <a:rPr lang="de-DE" smtClean="0"/>
+              <a:t>25</a:t>
+            </a:fld>
+            <a:endParaRPr lang="de-DE" dirty="0"/>
+          </a:p>
+        </p:txBody>
+      </p:sp>
+    </p:spTree>
+    <p:extLst>
+      <p:ext uri="{BB962C8B-B14F-4D97-AF65-F5344CB8AC3E}">
+        <p14:creationId xmlns:p14="http://schemas.microsoft.com/office/powerpoint/2010/main" val="3750829721"/>
+      </p:ext>
+    </p:extLst>
+  </p:cSld>
+  <p:clrMapOvr>
+    <a:masterClrMapping/>
+  </p:clrMapOvr>
+</p:notes>
+</file>
+
+<file path=ppt/notesSlides/notesSlide26.xml><?xml version="1.0" encoding="utf-8"?>
+<p:notes xmlns:a="http://schemas.openxmlformats.org/drawingml/2006/main" xmlns:r="http://schemas.openxmlformats.org/officeDocument/2006/relationships" xmlns:p="http://schemas.openxmlformats.org/presentationml/2006/main">
+  <p:cSld>
+    <p:spTree>
+      <p:nvGrpSpPr>
+        <p:cNvPr id="1" name=""/>
+        <p:cNvGrpSpPr/>
+        <p:nvPr/>
+      </p:nvGrpSpPr>
+      <p:grpSpPr>
+        <a:xfrm>
+          <a:off x="0" y="0"/>
+          <a:ext cx="0" cy="0"/>
+          <a:chOff x="0" y="0"/>
+          <a:chExt cx="0" cy="0"/>
+        </a:xfrm>
+      </p:grpSpPr>
+      <p:sp>
+        <p:nvSpPr>
+          <p:cNvPr id="2" name="Folienbildplatzhalter 1"/>
+          <p:cNvSpPr>
+            <a:spLocks noGrp="1" noRot="1" noChangeAspect="1"/>
+          </p:cNvSpPr>
+          <p:nvPr>
+            <p:ph type="sldImg"/>
+          </p:nvPr>
+        </p:nvSpPr>
+        <p:spPr/>
+      </p:sp>
+      <p:sp>
+        <p:nvSpPr>
+          <p:cNvPr id="3" name="Notizenplatzhalter 2"/>
+          <p:cNvSpPr>
+            <a:spLocks noGrp="1"/>
+          </p:cNvSpPr>
+          <p:nvPr>
+            <p:ph type="body" idx="1"/>
+          </p:nvPr>
+        </p:nvSpPr>
+        <p:spPr/>
+        <p:txBody>
+          <a:bodyPr/>
+          <a:lstStyle/>
+          <a:p>
+            <a:endParaRPr lang="de-DE" dirty="0"/>
+          </a:p>
+        </p:txBody>
+      </p:sp>
+      <p:sp>
+        <p:nvSpPr>
+          <p:cNvPr id="4" name="Foliennummernplatzhalter 3"/>
+          <p:cNvSpPr>
+            <a:spLocks noGrp="1"/>
+          </p:cNvSpPr>
+          <p:nvPr>
+            <p:ph type="sldNum" sz="quarter" idx="5"/>
+          </p:nvPr>
+        </p:nvSpPr>
+        <p:spPr/>
+        <p:txBody>
+          <a:bodyPr/>
+          <a:lstStyle/>
+          <a:p>
+            <a:fld id="{7B102A6C-5640-4C66-87FF-554DBABAB857}" type="slidenum">
+              <a:rPr lang="de-DE" smtClean="0"/>
+              <a:t>26</a:t>
+            </a:fld>
+            <a:endParaRPr lang="de-DE" dirty="0"/>
+          </a:p>
+        </p:txBody>
+      </p:sp>
+    </p:spTree>
+    <p:extLst>
+      <p:ext uri="{BB962C8B-B14F-4D97-AF65-F5344CB8AC3E}">
+        <p14:creationId xmlns:p14="http://schemas.microsoft.com/office/powerpoint/2010/main" val="346343606"/>
+      </p:ext>
+    </p:extLst>
+  </p:cSld>
+  <p:clrMapOvr>
+    <a:masterClrMapping/>
+  </p:clrMapOvr>
+</p:notes>
+</file>
+
+<file path=ppt/notesSlides/notesSlide27.xml><?xml version="1.0" encoding="utf-8"?>
+<p:notes xmlns:a="http://schemas.openxmlformats.org/drawingml/2006/main" xmlns:r="http://schemas.openxmlformats.org/officeDocument/2006/relationships" xmlns:p="http://schemas.openxmlformats.org/presentationml/2006/main">
+  <p:cSld>
+    <p:spTree>
+      <p:nvGrpSpPr>
+        <p:cNvPr id="1" name=""/>
+        <p:cNvGrpSpPr/>
+        <p:nvPr/>
+      </p:nvGrpSpPr>
+      <p:grpSpPr>
+        <a:xfrm>
+          <a:off x="0" y="0"/>
+          <a:ext cx="0" cy="0"/>
+          <a:chOff x="0" y="0"/>
+          <a:chExt cx="0" cy="0"/>
+        </a:xfrm>
+      </p:grpSpPr>
+      <p:sp>
+        <p:nvSpPr>
+          <p:cNvPr id="2" name="Folienbildplatzhalter 1"/>
+          <p:cNvSpPr>
+            <a:spLocks noGrp="1" noRot="1" noChangeAspect="1"/>
+          </p:cNvSpPr>
+          <p:nvPr>
+            <p:ph type="sldImg"/>
+          </p:nvPr>
+        </p:nvSpPr>
+        <p:spPr/>
+      </p:sp>
+      <p:sp>
+        <p:nvSpPr>
+          <p:cNvPr id="3" name="Notizenplatzhalter 2"/>
+          <p:cNvSpPr>
+            <a:spLocks noGrp="1"/>
+          </p:cNvSpPr>
+          <p:nvPr>
+            <p:ph type="body" idx="1"/>
+          </p:nvPr>
+        </p:nvSpPr>
+        <p:spPr/>
+        <p:txBody>
+          <a:bodyPr/>
+          <a:lstStyle/>
+          <a:p>
+            <a:endParaRPr lang="de-DE" dirty="0"/>
+          </a:p>
+        </p:txBody>
+      </p:sp>
+      <p:sp>
+        <p:nvSpPr>
+          <p:cNvPr id="4" name="Foliennummernplatzhalter 3"/>
+          <p:cNvSpPr>
+            <a:spLocks noGrp="1"/>
+          </p:cNvSpPr>
+          <p:nvPr>
+            <p:ph type="sldNum" sz="quarter" idx="5"/>
+          </p:nvPr>
+        </p:nvSpPr>
+        <p:spPr/>
+        <p:txBody>
+          <a:bodyPr/>
+          <a:lstStyle/>
+          <a:p>
             <a:fld id="{66AFAE09-2530-4F84-8985-AC75B424277F}" type="slidenum">
               <a:rPr lang="de-DE" smtClean="0"/>
               <a:t>27</a:t>
@@ -8565,7 +9001,7 @@
 </p:notes>
 </file>
 
-<file path=ppt/notesSlides/notesSlide25.xml><?xml version="1.0" encoding="utf-8"?>
+<file path=ppt/notesSlides/notesSlide28.xml><?xml version="1.0" encoding="utf-8"?>
 <p:notes xmlns:a="http://schemas.openxmlformats.org/drawingml/2006/main" xmlns:r="http://schemas.openxmlformats.org/officeDocument/2006/relationships" xmlns:p="http://schemas.openxmlformats.org/presentationml/2006/main">
   <p:cSld>
     <p:spTree>
@@ -8653,7 +9089,7 @@
 </p:notes>
 </file>
 
-<file path=ppt/notesSlides/notesSlide26.xml><?xml version="1.0" encoding="utf-8"?>
+<file path=ppt/notesSlides/notesSlide29.xml><?xml version="1.0" encoding="utf-8"?>
 <p:notes xmlns:a="http://schemas.openxmlformats.org/drawingml/2006/main" xmlns:r="http://schemas.openxmlformats.org/officeDocument/2006/relationships" xmlns:p="http://schemas.openxmlformats.org/presentationml/2006/main">
   <p:cSld>
     <p:spTree>
@@ -8728,94 +9164,6 @@
     <p:extLst>
       <p:ext uri="{BB962C8B-B14F-4D97-AF65-F5344CB8AC3E}">
         <p14:creationId xmlns:p14="http://schemas.microsoft.com/office/powerpoint/2010/main" val="3012952158"/>
-      </p:ext>
-    </p:extLst>
-  </p:cSld>
-  <p:clrMapOvr>
-    <a:masterClrMapping/>
-  </p:clrMapOvr>
-</p:notes>
-</file>
-
-<file path=ppt/notesSlides/notesSlide27.xml><?xml version="1.0" encoding="utf-8"?>
-<p:notes xmlns:a="http://schemas.openxmlformats.org/drawingml/2006/main" xmlns:r="http://schemas.openxmlformats.org/officeDocument/2006/relationships" xmlns:p="http://schemas.openxmlformats.org/presentationml/2006/main">
-  <p:cSld>
-    <p:spTree>
-      <p:nvGrpSpPr>
-        <p:cNvPr id="1" name=""/>
-        <p:cNvGrpSpPr/>
-        <p:nvPr/>
-      </p:nvGrpSpPr>
-      <p:grpSpPr>
-        <a:xfrm>
-          <a:off x="0" y="0"/>
-          <a:ext cx="0" cy="0"/>
-          <a:chOff x="0" y="0"/>
-          <a:chExt cx="0" cy="0"/>
-        </a:xfrm>
-      </p:grpSpPr>
-      <p:sp>
-        <p:nvSpPr>
-          <p:cNvPr id="2" name="Folienbildplatzhalter 1"/>
-          <p:cNvSpPr>
-            <a:spLocks noGrp="1" noRot="1" noChangeAspect="1"/>
-          </p:cNvSpPr>
-          <p:nvPr>
-            <p:ph type="sldImg"/>
-          </p:nvPr>
-        </p:nvSpPr>
-        <p:spPr/>
-      </p:sp>
-      <p:sp>
-        <p:nvSpPr>
-          <p:cNvPr id="3" name="Notizenplatzhalter 2"/>
-          <p:cNvSpPr>
-            <a:spLocks noGrp="1"/>
-          </p:cNvSpPr>
-          <p:nvPr>
-            <p:ph type="body" idx="1"/>
-          </p:nvPr>
-        </p:nvSpPr>
-        <p:spPr/>
-        <p:txBody>
-          <a:bodyPr/>
-          <a:lstStyle/>
-          <a:p>
-            <a:pPr marL="0" indent="0">
-              <a:buFont typeface="Arial" panose="020B0604020202020204" pitchFamily="34" charset="0"/>
-              <a:buNone/>
-            </a:pPr>
-            <a:endParaRPr lang="de-DE" dirty="0"/>
-          </a:p>
-        </p:txBody>
-      </p:sp>
-      <p:sp>
-        <p:nvSpPr>
-          <p:cNvPr id="4" name="Foliennummernplatzhalter 3"/>
-          <p:cNvSpPr>
-            <a:spLocks noGrp="1"/>
-          </p:cNvSpPr>
-          <p:nvPr>
-            <p:ph type="sldNum" sz="quarter" idx="5"/>
-          </p:nvPr>
-        </p:nvSpPr>
-        <p:spPr/>
-        <p:txBody>
-          <a:bodyPr/>
-          <a:lstStyle/>
-          <a:p>
-            <a:fld id="{7B102A6C-5640-4C66-87FF-554DBABAB857}" type="slidenum">
-              <a:rPr lang="de-DE" smtClean="0"/>
-              <a:t>30</a:t>
-            </a:fld>
-            <a:endParaRPr lang="de-DE" dirty="0"/>
-          </a:p>
-        </p:txBody>
-      </p:sp>
-    </p:spTree>
-    <p:extLst>
-      <p:ext uri="{BB962C8B-B14F-4D97-AF65-F5344CB8AC3E}">
-        <p14:creationId xmlns:p14="http://schemas.microsoft.com/office/powerpoint/2010/main" val="1234003807"/>
       </p:ext>
     </p:extLst>
   </p:cSld>
@@ -8900,6 +9248,94 @@
     <p:extLst>
       <p:ext uri="{BB962C8B-B14F-4D97-AF65-F5344CB8AC3E}">
         <p14:creationId xmlns:p14="http://schemas.microsoft.com/office/powerpoint/2010/main" val="2326578305"/>
+      </p:ext>
+    </p:extLst>
+  </p:cSld>
+  <p:clrMapOvr>
+    <a:masterClrMapping/>
+  </p:clrMapOvr>
+</p:notes>
+</file>
+
+<file path=ppt/notesSlides/notesSlide30.xml><?xml version="1.0" encoding="utf-8"?>
+<p:notes xmlns:a="http://schemas.openxmlformats.org/drawingml/2006/main" xmlns:r="http://schemas.openxmlformats.org/officeDocument/2006/relationships" xmlns:p="http://schemas.openxmlformats.org/presentationml/2006/main">
+  <p:cSld>
+    <p:spTree>
+      <p:nvGrpSpPr>
+        <p:cNvPr id="1" name=""/>
+        <p:cNvGrpSpPr/>
+        <p:nvPr/>
+      </p:nvGrpSpPr>
+      <p:grpSpPr>
+        <a:xfrm>
+          <a:off x="0" y="0"/>
+          <a:ext cx="0" cy="0"/>
+          <a:chOff x="0" y="0"/>
+          <a:chExt cx="0" cy="0"/>
+        </a:xfrm>
+      </p:grpSpPr>
+      <p:sp>
+        <p:nvSpPr>
+          <p:cNvPr id="2" name="Folienbildplatzhalter 1"/>
+          <p:cNvSpPr>
+            <a:spLocks noGrp="1" noRot="1" noChangeAspect="1"/>
+          </p:cNvSpPr>
+          <p:nvPr>
+            <p:ph type="sldImg"/>
+          </p:nvPr>
+        </p:nvSpPr>
+        <p:spPr/>
+      </p:sp>
+      <p:sp>
+        <p:nvSpPr>
+          <p:cNvPr id="3" name="Notizenplatzhalter 2"/>
+          <p:cNvSpPr>
+            <a:spLocks noGrp="1"/>
+          </p:cNvSpPr>
+          <p:nvPr>
+            <p:ph type="body" idx="1"/>
+          </p:nvPr>
+        </p:nvSpPr>
+        <p:spPr/>
+        <p:txBody>
+          <a:bodyPr/>
+          <a:lstStyle/>
+          <a:p>
+            <a:pPr marL="0" indent="0">
+              <a:buFont typeface="Arial" panose="020B0604020202020204" pitchFamily="34" charset="0"/>
+              <a:buNone/>
+            </a:pPr>
+            <a:endParaRPr lang="de-DE" dirty="0"/>
+          </a:p>
+        </p:txBody>
+      </p:sp>
+      <p:sp>
+        <p:nvSpPr>
+          <p:cNvPr id="4" name="Foliennummernplatzhalter 3"/>
+          <p:cNvSpPr>
+            <a:spLocks noGrp="1"/>
+          </p:cNvSpPr>
+          <p:nvPr>
+            <p:ph type="sldNum" sz="quarter" idx="5"/>
+          </p:nvPr>
+        </p:nvSpPr>
+        <p:spPr/>
+        <p:txBody>
+          <a:bodyPr/>
+          <a:lstStyle/>
+          <a:p>
+            <a:fld id="{7B102A6C-5640-4C66-87FF-554DBABAB857}" type="slidenum">
+              <a:rPr lang="de-DE" smtClean="0"/>
+              <a:t>30</a:t>
+            </a:fld>
+            <a:endParaRPr lang="de-DE" dirty="0"/>
+          </a:p>
+        </p:txBody>
+      </p:sp>
+    </p:spTree>
+    <p:extLst>
+      <p:ext uri="{BB962C8B-B14F-4D97-AF65-F5344CB8AC3E}">
+        <p14:creationId xmlns:p14="http://schemas.microsoft.com/office/powerpoint/2010/main" val="1234003807"/>
       </p:ext>
     </p:extLst>
   </p:cSld>
@@ -9580,7 +10016,7 @@
           <a:p>
             <a:fld id="{9BD05061-81E9-4267-9468-E15993604914}" type="datetimeFigureOut">
               <a:rPr lang="de-DE" smtClean="0"/>
-              <a:t>10.02.2020</a:t>
+              <a:t>11.02.2020</a:t>
             </a:fld>
             <a:endParaRPr lang="de-DE" dirty="0"/>
           </a:p>
@@ -9778,7 +10214,7 @@
           <a:p>
             <a:fld id="{9BD05061-81E9-4267-9468-E15993604914}" type="datetimeFigureOut">
               <a:rPr lang="de-DE" smtClean="0"/>
-              <a:t>10.02.2020</a:t>
+              <a:t>11.02.2020</a:t>
             </a:fld>
             <a:endParaRPr lang="de-DE" dirty="0"/>
           </a:p>
@@ -9986,7 +10422,7 @@
           <a:p>
             <a:fld id="{9BD05061-81E9-4267-9468-E15993604914}" type="datetimeFigureOut">
               <a:rPr lang="de-DE" smtClean="0"/>
-              <a:t>10.02.2020</a:t>
+              <a:t>11.02.2020</a:t>
             </a:fld>
             <a:endParaRPr lang="de-DE" dirty="0"/>
           </a:p>
@@ -10184,7 +10620,7 @@
           <a:p>
             <a:fld id="{9BD05061-81E9-4267-9468-E15993604914}" type="datetimeFigureOut">
               <a:rPr lang="de-DE" smtClean="0"/>
-              <a:t>10.02.2020</a:t>
+              <a:t>11.02.2020</a:t>
             </a:fld>
             <a:endParaRPr lang="de-DE" dirty="0"/>
           </a:p>
@@ -10459,7 +10895,7 @@
           <a:p>
             <a:fld id="{9BD05061-81E9-4267-9468-E15993604914}" type="datetimeFigureOut">
               <a:rPr lang="de-DE" smtClean="0"/>
-              <a:t>10.02.2020</a:t>
+              <a:t>11.02.2020</a:t>
             </a:fld>
             <a:endParaRPr lang="de-DE" dirty="0"/>
           </a:p>
@@ -10724,7 +11160,7 @@
           <a:p>
             <a:fld id="{9BD05061-81E9-4267-9468-E15993604914}" type="datetimeFigureOut">
               <a:rPr lang="de-DE" smtClean="0"/>
-              <a:t>10.02.2020</a:t>
+              <a:t>11.02.2020</a:t>
             </a:fld>
             <a:endParaRPr lang="de-DE" dirty="0"/>
           </a:p>
@@ -11136,7 +11572,7 @@
           <a:p>
             <a:fld id="{9BD05061-81E9-4267-9468-E15993604914}" type="datetimeFigureOut">
               <a:rPr lang="de-DE" smtClean="0"/>
-              <a:t>10.02.2020</a:t>
+              <a:t>11.02.2020</a:t>
             </a:fld>
             <a:endParaRPr lang="de-DE" dirty="0"/>
           </a:p>
@@ -11277,7 +11713,7 @@
           <a:p>
             <a:fld id="{9BD05061-81E9-4267-9468-E15993604914}" type="datetimeFigureOut">
               <a:rPr lang="de-DE" smtClean="0"/>
-              <a:t>10.02.2020</a:t>
+              <a:t>11.02.2020</a:t>
             </a:fld>
             <a:endParaRPr lang="de-DE" dirty="0"/>
           </a:p>
@@ -11390,7 +11826,7 @@
           <a:p>
             <a:fld id="{9BD05061-81E9-4267-9468-E15993604914}" type="datetimeFigureOut">
               <a:rPr lang="de-DE" smtClean="0"/>
-              <a:t>10.02.2020</a:t>
+              <a:t>11.02.2020</a:t>
             </a:fld>
             <a:endParaRPr lang="de-DE" dirty="0"/>
           </a:p>
@@ -11701,7 +12137,7 @@
           <a:p>
             <a:fld id="{9BD05061-81E9-4267-9468-E15993604914}" type="datetimeFigureOut">
               <a:rPr lang="de-DE" smtClean="0"/>
-              <a:t>10.02.2020</a:t>
+              <a:t>11.02.2020</a:t>
             </a:fld>
             <a:endParaRPr lang="de-DE" dirty="0"/>
           </a:p>
@@ -11989,7 +12425,7 @@
           <a:p>
             <a:fld id="{9BD05061-81E9-4267-9468-E15993604914}" type="datetimeFigureOut">
               <a:rPr lang="de-DE" smtClean="0"/>
-              <a:t>10.02.2020</a:t>
+              <a:t>11.02.2020</a:t>
             </a:fld>
             <a:endParaRPr lang="de-DE" dirty="0"/>
           </a:p>
@@ -12230,7 +12666,7 @@
           <a:p>
             <a:fld id="{9BD05061-81E9-4267-9468-E15993604914}" type="datetimeFigureOut">
               <a:rPr lang="de-DE" smtClean="0"/>
-              <a:t>10.02.2020</a:t>
+              <a:t>11.02.2020</a:t>
             </a:fld>
             <a:endParaRPr lang="de-DE" dirty="0"/>
           </a:p>
@@ -13521,7 +13957,7 @@
             </a:r>
             <a:r>
               <a:rPr lang="de-DE" sz="2400" dirty="0"/>
-              <a:t> und Sourceforge </a:t>
+              <a:t> and Sourceforge </a:t>
             </a:r>
             <a:r>
               <a:rPr lang="de-DE" sz="2400" dirty="0" err="1"/>
@@ -13584,15 +14020,7 @@
             </a:r>
             <a:r>
               <a:rPr lang="de-DE" sz="2400" dirty="0"/>
-              <a:t> of </a:t>
-            </a:r>
-            <a:r>
-              <a:rPr lang="de-DE" sz="2400" dirty="0" err="1"/>
-              <a:t>git</a:t>
-            </a:r>
-            <a:r>
-              <a:rPr lang="de-DE" sz="2400" dirty="0"/>
-              <a:t> </a:t>
+              <a:t> of Git </a:t>
             </a:r>
             <a:r>
               <a:rPr lang="de-DE" sz="2400" dirty="0" err="1"/>
@@ -13617,14 +14045,14 @@
           <p:nvPr>
             <p:extLst>
               <p:ext uri="{D42A27DB-BD31-4B8C-83A1-F6EECF244321}">
-                <p14:modId xmlns:p14="http://schemas.microsoft.com/office/powerpoint/2010/main" val="3350441584"/>
+                <p14:modId xmlns:p14="http://schemas.microsoft.com/office/powerpoint/2010/main" val="1343779623"/>
               </p:ext>
             </p:extLst>
           </p:nvPr>
         </p:nvGraphicFramePr>
         <p:xfrm>
           <a:off x="188156" y="5069573"/>
-          <a:ext cx="11815685" cy="370840"/>
+          <a:ext cx="11815685" cy="548640"/>
         </p:xfrm>
         <a:graphic>
           <a:graphicData uri="http://schemas.openxmlformats.org/drawingml/2006/table">
@@ -13691,12 +14119,93 @@
                     <a:p>
                       <a:pPr algn="ctr"/>
                       <a:r>
-                        <a:rPr lang="de-DE" dirty="0"/>
+                        <a:rPr lang="de-DE" b="0" dirty="0"/>
                         <a:t>Blender</a:t>
                       </a:r>
                     </a:p>
+                    <a:p>
+                      <a:pPr marL="0" marR="0" lvl="0" indent="0" algn="ctr" defTabSz="914400" rtl="0" eaLnBrk="1" fontAlgn="auto" latinLnBrk="0" hangingPunct="1">
+                        <a:lnSpc>
+                          <a:spcPct val="100000"/>
+                        </a:lnSpc>
+                        <a:spcBef>
+                          <a:spcPts val="0"/>
+                        </a:spcBef>
+                        <a:spcAft>
+                          <a:spcPts val="0"/>
+                        </a:spcAft>
+                        <a:buClrTx/>
+                        <a:buSzTx/>
+                        <a:buFontTx/>
+                        <a:buNone/>
+                        <a:tabLst/>
+                        <a:defRPr/>
+                      </a:pPr>
+                      <a:r>
+                        <a:rPr lang="de-DE" sz="1200" i="1" dirty="0">
+                          <a:solidFill>
+                            <a:schemeClr val="tx1">
+                              <a:lumMod val="50000"/>
+                              <a:lumOff val="50000"/>
+                            </a:schemeClr>
+                          </a:solidFill>
+                        </a:rPr>
+                        <a:t>3D </a:t>
+                      </a:r>
+                      <a:r>
+                        <a:rPr lang="de-DE" sz="1200" i="1" dirty="0" err="1">
+                          <a:solidFill>
+                            <a:schemeClr val="tx1">
+                              <a:lumMod val="50000"/>
+                              <a:lumOff val="50000"/>
+                            </a:schemeClr>
+                          </a:solidFill>
+                        </a:rPr>
+                        <a:t>modelling</a:t>
+                      </a:r>
+                      <a:r>
+                        <a:rPr lang="de-DE" sz="1200" i="1" dirty="0">
+                          <a:solidFill>
+                            <a:schemeClr val="tx1">
+                              <a:lumMod val="50000"/>
+                              <a:lumOff val="50000"/>
+                            </a:schemeClr>
+                          </a:solidFill>
+                        </a:rPr>
+                        <a:t> </a:t>
+                      </a:r>
+                      <a:r>
+                        <a:rPr lang="de-DE" sz="1200" i="1" dirty="0" err="1">
+                          <a:solidFill>
+                            <a:schemeClr val="tx1">
+                              <a:lumMod val="50000"/>
+                              <a:lumOff val="50000"/>
+                            </a:schemeClr>
+                          </a:solidFill>
+                        </a:rPr>
+                        <a:t>tool</a:t>
+                      </a:r>
+                      <a:endParaRPr lang="de-DE" sz="1200" i="1" dirty="0">
+                        <a:solidFill>
+                          <a:schemeClr val="tx1">
+                            <a:lumMod val="50000"/>
+                            <a:lumOff val="50000"/>
+                          </a:schemeClr>
+                        </a:solidFill>
+                      </a:endParaRPr>
+                    </a:p>
                   </a:txBody>
-                  <a:tcPr anchor="ctr"/>
+                  <a:tcPr anchor="ctr">
+                    <a:lnB w="12700" cap="flat" cmpd="sng" algn="ctr">
+                      <a:solidFill>
+                        <a:schemeClr val="tx1"/>
+                      </a:solidFill>
+                      <a:prstDash val="solid"/>
+                      <a:round/>
+                      <a:headEnd type="none" w="med" len="med"/>
+                      <a:tailEnd type="none" w="med" len="med"/>
+                    </a:lnB>
+                  </a:tcPr>
                 </a:tc>
                 <a:tc>
                   <a:txBody>
@@ -13709,8 +14218,48 @@
                         <a:t>Busybox</a:t>
                       </a:r>
                     </a:p>
+                    <a:p>
+                      <a:pPr marL="0" marR="0" lvl="0" indent="0" algn="ctr" defTabSz="914400" rtl="0" eaLnBrk="1" fontAlgn="auto" latinLnBrk="0" hangingPunct="1">
+                        <a:lnSpc>
+                          <a:spcPct val="100000"/>
+                        </a:lnSpc>
+                        <a:spcBef>
+                          <a:spcPts val="0"/>
+                        </a:spcBef>
+                        <a:spcAft>
+                          <a:spcPts val="0"/>
+                        </a:spcAft>
+                        <a:buClrTx/>
+                        <a:buSzTx/>
+                        <a:buFontTx/>
+                        <a:buNone/>
+                        <a:tabLst/>
+                        <a:defRPr/>
+                      </a:pPr>
+                      <a:r>
+                        <a:rPr lang="en-GB" sz="1200" i="1" noProof="0" dirty="0">
+                          <a:solidFill>
+                            <a:schemeClr val="tx1">
+                              <a:lumMod val="50000"/>
+                              <a:lumOff val="50000"/>
+                            </a:schemeClr>
+                          </a:solidFill>
+                        </a:rPr>
+                        <a:t>UNIX tool package</a:t>
+                      </a:r>
+                    </a:p>
                   </a:txBody>
-                  <a:tcPr anchor="ctr"/>
+                  <a:tcPr anchor="ctr">
+                    <a:lnB w="12700" cap="flat" cmpd="sng" algn="ctr">
+                      <a:solidFill>
+                        <a:schemeClr val="tx1"/>
+                      </a:solidFill>
+                      <a:prstDash val="solid"/>
+                      <a:round/>
+                      <a:headEnd type="none" w="med" len="med"/>
+                      <a:tailEnd type="none" w="med" len="med"/>
+                    </a:lnB>
+                  </a:tcPr>
                 </a:tc>
                 <a:tc>
                   <a:txBody>
@@ -13723,8 +14272,48 @@
                         <a:t>Emacs</a:t>
                       </a:r>
                     </a:p>
+                    <a:p>
+                      <a:pPr marL="0" marR="0" lvl="0" indent="0" algn="ctr" defTabSz="914400" rtl="0" eaLnBrk="1" fontAlgn="auto" latinLnBrk="0" hangingPunct="1">
+                        <a:lnSpc>
+                          <a:spcPct val="100000"/>
+                        </a:lnSpc>
+                        <a:spcBef>
+                          <a:spcPts val="0"/>
+                        </a:spcBef>
+                        <a:spcAft>
+                          <a:spcPts val="0"/>
+                        </a:spcAft>
+                        <a:buClrTx/>
+                        <a:buSzTx/>
+                        <a:buFontTx/>
+                        <a:buNone/>
+                        <a:tabLst/>
+                        <a:defRPr/>
+                      </a:pPr>
+                      <a:r>
+                        <a:rPr lang="en-GB" sz="1200" i="1" noProof="0" dirty="0">
+                          <a:solidFill>
+                            <a:schemeClr val="tx1">
+                              <a:lumMod val="50000"/>
+                              <a:lumOff val="50000"/>
+                            </a:schemeClr>
+                          </a:solidFill>
+                        </a:rPr>
+                        <a:t>text editor</a:t>
+                      </a:r>
+                    </a:p>
                   </a:txBody>
-                  <a:tcPr anchor="ctr"/>
+                  <a:tcPr anchor="ctr">
+                    <a:lnB w="12700" cap="flat" cmpd="sng" algn="ctr">
+                      <a:solidFill>
+                        <a:schemeClr val="tx1"/>
+                      </a:solidFill>
+                      <a:prstDash val="solid"/>
+                      <a:round/>
+                      <a:headEnd type="none" w="med" len="med"/>
+                      <a:tailEnd type="none" w="med" len="med"/>
+                    </a:lnB>
+                  </a:tcPr>
                 </a:tc>
                 <a:tc>
                   <a:txBody>
@@ -13737,8 +14326,48 @@
                         <a:t>GIMP</a:t>
                       </a:r>
                     </a:p>
+                    <a:p>
+                      <a:pPr marL="0" marR="0" lvl="0" indent="0" algn="ctr" defTabSz="914400" rtl="0" eaLnBrk="1" fontAlgn="auto" latinLnBrk="0" hangingPunct="1">
+                        <a:lnSpc>
+                          <a:spcPct val="100000"/>
+                        </a:lnSpc>
+                        <a:spcBef>
+                          <a:spcPts val="0"/>
+                        </a:spcBef>
+                        <a:spcAft>
+                          <a:spcPts val="0"/>
+                        </a:spcAft>
+                        <a:buClrTx/>
+                        <a:buSzTx/>
+                        <a:buFontTx/>
+                        <a:buNone/>
+                        <a:tabLst/>
+                        <a:defRPr/>
+                      </a:pPr>
+                      <a:r>
+                        <a:rPr lang="en-GB" sz="1200" i="1" noProof="0" dirty="0">
+                          <a:solidFill>
+                            <a:schemeClr val="tx1">
+                              <a:lumMod val="50000"/>
+                              <a:lumOff val="50000"/>
+                            </a:schemeClr>
+                          </a:solidFill>
+                        </a:rPr>
+                        <a:t>photo editor</a:t>
+                      </a:r>
+                    </a:p>
                   </a:txBody>
-                  <a:tcPr anchor="ctr"/>
+                  <a:tcPr anchor="ctr">
+                    <a:lnB w="12700" cap="flat" cmpd="sng" algn="ctr">
+                      <a:solidFill>
+                        <a:schemeClr val="tx1"/>
+                      </a:solidFill>
+                      <a:prstDash val="solid"/>
+                      <a:round/>
+                      <a:headEnd type="none" w="med" len="med"/>
+                      <a:tailEnd type="none" w="med" len="med"/>
+                    </a:lnB>
+                  </a:tcPr>
                 </a:tc>
                 <a:tc>
                   <a:txBody>
@@ -13751,8 +14380,56 @@
                         <a:t>Gnumeric</a:t>
                       </a:r>
                     </a:p>
+                    <a:p>
+                      <a:pPr marL="0" marR="0" lvl="0" indent="0" algn="ctr" defTabSz="914400" rtl="0" eaLnBrk="1" fontAlgn="auto" latinLnBrk="0" hangingPunct="1">
+                        <a:lnSpc>
+                          <a:spcPct val="100000"/>
+                        </a:lnSpc>
+                        <a:spcBef>
+                          <a:spcPts val="0"/>
+                        </a:spcBef>
+                        <a:spcAft>
+                          <a:spcPts val="0"/>
+                        </a:spcAft>
+                        <a:buClrTx/>
+                        <a:buSzTx/>
+                        <a:buFontTx/>
+                        <a:buNone/>
+                        <a:tabLst/>
+                        <a:defRPr/>
+                      </a:pPr>
+                      <a:r>
+                        <a:rPr lang="en-GB" sz="1200" i="1" noProof="0" dirty="0">
+                          <a:solidFill>
+                            <a:schemeClr val="tx1">
+                              <a:lumMod val="50000"/>
+                              <a:lumOff val="50000"/>
+                            </a:schemeClr>
+                          </a:solidFill>
+                        </a:rPr>
+                        <a:t>spreadsheet</a:t>
+                      </a:r>
+                      <a:endParaRPr lang="de-DE" sz="1200" i="1" dirty="0">
+                        <a:solidFill>
+                          <a:schemeClr val="tx1">
+                            <a:lumMod val="50000"/>
+                            <a:lumOff val="50000"/>
+                          </a:schemeClr>
+                        </a:solidFill>
+                      </a:endParaRPr>
+                    </a:p>
                   </a:txBody>
-                  <a:tcPr anchor="ctr"/>
+                  <a:tcPr anchor="ctr">
+                    <a:lnB w="12700" cap="flat" cmpd="sng" algn="ctr">
+                      <a:solidFill>
+                        <a:schemeClr val="tx1"/>
+                      </a:solidFill>
+                      <a:prstDash val="solid"/>
+                      <a:round/>
+                      <a:headEnd type="none" w="med" len="med"/>
+                      <a:tailEnd type="none" w="med" len="med"/>
+                    </a:lnB>
+                  </a:tcPr>
                 </a:tc>
                 <a:tc>
                   <a:txBody>
@@ -13766,8 +14443,40 @@
                       </a:r>
                       <a:endParaRPr lang="de-DE" dirty="0"/>
                     </a:p>
+                    <a:p>
+                      <a:pPr algn="ctr"/>
+                      <a:r>
+                        <a:rPr lang="en-GB" sz="1200" i="1" noProof="0" dirty="0">
+                          <a:solidFill>
+                            <a:schemeClr val="tx1">
+                              <a:lumMod val="50000"/>
+                              <a:lumOff val="50000"/>
+                            </a:schemeClr>
+                          </a:solidFill>
+                        </a:rPr>
+                        <a:t>plotter</a:t>
+                      </a:r>
+                      <a:endParaRPr lang="de-DE" sz="1200" i="1" dirty="0">
+                        <a:solidFill>
+                          <a:schemeClr val="tx1">
+                            <a:lumMod val="50000"/>
+                            <a:lumOff val="50000"/>
+                          </a:schemeClr>
+                        </a:solidFill>
+                      </a:endParaRPr>
+                    </a:p>
                   </a:txBody>
-                  <a:tcPr anchor="ctr"/>
+                  <a:tcPr anchor="ctr">
+                    <a:lnB w="12700" cap="flat" cmpd="sng" algn="ctr">
+                      <a:solidFill>
+                        <a:schemeClr val="tx1"/>
+                      </a:solidFill>
+                      <a:prstDash val="solid"/>
+                      <a:round/>
+                      <a:headEnd type="none" w="med" len="med"/>
+                      <a:tailEnd type="none" w="med" len="med"/>
+                    </a:lnB>
+                  </a:tcPr>
                 </a:tc>
                 <a:tc>
                   <a:txBody>
@@ -13780,8 +14489,48 @@
                         <a:t>Irssi</a:t>
                       </a:r>
                     </a:p>
+                    <a:p>
+                      <a:pPr marL="0" marR="0" lvl="0" indent="0" algn="ctr" defTabSz="914400" rtl="0" eaLnBrk="1" fontAlgn="auto" latinLnBrk="0" hangingPunct="1">
+                        <a:lnSpc>
+                          <a:spcPct val="100000"/>
+                        </a:lnSpc>
+                        <a:spcBef>
+                          <a:spcPts val="0"/>
+                        </a:spcBef>
+                        <a:spcAft>
+                          <a:spcPts val="0"/>
+                        </a:spcAft>
+                        <a:buClrTx/>
+                        <a:buSzTx/>
+                        <a:buFontTx/>
+                        <a:buNone/>
+                        <a:tabLst/>
+                        <a:defRPr/>
+                      </a:pPr>
+                      <a:r>
+                        <a:rPr lang="en-GB" sz="1200" i="1" noProof="0" dirty="0">
+                          <a:solidFill>
+                            <a:schemeClr val="tx1">
+                              <a:lumMod val="50000"/>
+                              <a:lumOff val="50000"/>
+                            </a:schemeClr>
+                          </a:solidFill>
+                        </a:rPr>
+                        <a:t>IRC client</a:t>
+                      </a:r>
+                    </a:p>
                   </a:txBody>
-                  <a:tcPr anchor="ctr"/>
+                  <a:tcPr anchor="ctr">
+                    <a:lnB w="12700" cap="flat" cmpd="sng" algn="ctr">
+                      <a:solidFill>
+                        <a:schemeClr val="tx1"/>
+                      </a:solidFill>
+                      <a:prstDash val="solid"/>
+                      <a:round/>
+                      <a:headEnd type="none" w="med" len="med"/>
+                      <a:tailEnd type="none" w="med" len="med"/>
+                    </a:lnB>
+                  </a:tcPr>
                 </a:tc>
                 <a:extLst>
                   <a:ext uri="{0D108BD9-81ED-4DB2-BD59-A6C34878D82A}">
@@ -13793,12 +14542,265 @@
           </a:graphicData>
         </a:graphic>
       </p:graphicFrame>
+      <p:sp>
+        <p:nvSpPr>
+          <p:cNvPr id="16" name="Textfeld 15">
+            <a:extLst>
+              <a:ext uri="{FF2B5EF4-FFF2-40B4-BE49-F238E27FC236}">
+                <a16:creationId xmlns:a16="http://schemas.microsoft.com/office/drawing/2014/main" id="{40D494B6-75D6-4821-BB4D-E806613EEF1F}"/>
+              </a:ext>
+            </a:extLst>
+          </p:cNvPr>
+          <p:cNvSpPr txBox="1"/>
+          <p:nvPr/>
+        </p:nvSpPr>
+        <p:spPr>
+          <a:xfrm>
+            <a:off x="4224843" y="6500676"/>
+            <a:ext cx="3742313" cy="307777"/>
+          </a:xfrm>
+          <a:prstGeom prst="rect">
+            <a:avLst/>
+          </a:prstGeom>
+          <a:noFill/>
+        </p:spPr>
+        <p:txBody>
+          <a:bodyPr wrap="square" rtlCol="0" anchor="ctr">
+            <a:spAutoFit/>
+          </a:bodyPr>
+          <a:lstStyle/>
+          <a:p>
+            <a:pPr algn="ctr"/>
+            <a:r>
+              <a:rPr lang="de-DE" sz="1400" i="1" dirty="0"/>
+              <a:t>Master thesis: </a:t>
+            </a:r>
+            <a:r>
+              <a:rPr lang="de-DE" sz="1400" dirty="0"/>
+              <a:t>feature-based defect prediction</a:t>
+            </a:r>
+          </a:p>
+        </p:txBody>
+      </p:sp>
       <p:graphicFrame>
         <p:nvGraphicFramePr>
-          <p:cNvPr id="18" name="Tabelle 5">
+          <p:cNvPr id="19" name="Tabelle 18">
             <a:extLst>
               <a:ext uri="{FF2B5EF4-FFF2-40B4-BE49-F238E27FC236}">
-                <a16:creationId xmlns:a16="http://schemas.microsoft.com/office/drawing/2014/main" id="{B195B7C5-C647-4BC8-BDB0-E00B16795856}"/>
+                <a16:creationId xmlns:a16="http://schemas.microsoft.com/office/drawing/2014/main" id="{3DA0A889-2FCC-4DB6-8973-E38303035D9E}"/>
+              </a:ext>
+            </a:extLst>
+          </p:cNvPr>
+          <p:cNvGraphicFramePr>
+            <a:graphicFrameLocks noGrp="1"/>
+          </p:cNvGraphicFramePr>
+          <p:nvPr/>
+        </p:nvGraphicFramePr>
+        <p:xfrm>
+          <a:off x="-1" y="812026"/>
+          <a:ext cx="12192000" cy="213360"/>
+        </p:xfrm>
+        <a:graphic>
+          <a:graphicData uri="http://schemas.openxmlformats.org/drawingml/2006/table">
+            <a:tbl>
+              <a:tblPr firstRow="1" bandRow="1">
+                <a:tableStyleId>{5940675A-B579-460E-94D1-54222C63F5DA}</a:tableStyleId>
+              </a:tblPr>
+              <a:tblGrid>
+                <a:gridCol w="3048000">
+                  <a:extLst>
+                    <a:ext uri="{9D8B030D-6E8A-4147-A177-3AD203B41FA5}">
+                      <a16:colId xmlns:a16="http://schemas.microsoft.com/office/drawing/2014/main" val="4270243268"/>
+                    </a:ext>
+                  </a:extLst>
+                </a:gridCol>
+                <a:gridCol w="3048000">
+                  <a:extLst>
+                    <a:ext uri="{9D8B030D-6E8A-4147-A177-3AD203B41FA5}">
+                      <a16:colId xmlns:a16="http://schemas.microsoft.com/office/drawing/2014/main" val="4098972379"/>
+                    </a:ext>
+                  </a:extLst>
+                </a:gridCol>
+                <a:gridCol w="3048000">
+                  <a:extLst>
+                    <a:ext uri="{9D8B030D-6E8A-4147-A177-3AD203B41FA5}">
+                      <a16:colId xmlns:a16="http://schemas.microsoft.com/office/drawing/2014/main" val="2483116055"/>
+                    </a:ext>
+                  </a:extLst>
+                </a:gridCol>
+                <a:gridCol w="3048000">
+                  <a:extLst>
+                    <a:ext uri="{9D8B030D-6E8A-4147-A177-3AD203B41FA5}">
+                      <a16:colId xmlns:a16="http://schemas.microsoft.com/office/drawing/2014/main" val="111458056"/>
+                    </a:ext>
+                  </a:extLst>
+                </a:gridCol>
+              </a:tblGrid>
+              <a:tr h="205532">
+                <a:tc>
+                  <a:txBody>
+                    <a:bodyPr/>
+                    <a:lstStyle/>
+                    <a:p>
+                      <a:endParaRPr lang="de-DE" sz="800" dirty="0"/>
+                    </a:p>
+                  </a:txBody>
+                  <a:tcPr>
+                    <a:lnL w="12700" cmpd="sng">
+                      <a:noFill/>
+                    </a:lnL>
+                    <a:lnR w="12700" cmpd="sng">
+                      <a:noFill/>
+                    </a:lnR>
+                    <a:lnT w="12700" cmpd="sng">
+                      <a:noFill/>
+                    </a:lnT>
+                    <a:lnB w="12700" cmpd="sng">
+                      <a:noFill/>
+                    </a:lnB>
+                    <a:lnTlToBr w="12700" cmpd="sng">
+                      <a:noFill/>
+                      <a:prstDash val="solid"/>
+                    </a:lnTlToBr>
+                    <a:lnBlToTr w="12700" cmpd="sng">
+                      <a:noFill/>
+                      <a:prstDash val="solid"/>
+                    </a:lnBlToTr>
+                    <a:solidFill>
+                      <a:schemeClr val="accent1">
+                        <a:lumMod val="60000"/>
+                        <a:lumOff val="40000"/>
+                      </a:schemeClr>
+                    </a:solidFill>
+                  </a:tcPr>
+                </a:tc>
+                <a:tc>
+                  <a:txBody>
+                    <a:bodyPr/>
+                    <a:lstStyle/>
+                    <a:p>
+                      <a:endParaRPr lang="de-DE" sz="800" dirty="0"/>
+                    </a:p>
+                  </a:txBody>
+                  <a:tcPr>
+                    <a:lnL w="12700" cmpd="sng">
+                      <a:noFill/>
+                    </a:lnL>
+                    <a:lnR w="12700" cmpd="sng">
+                      <a:noFill/>
+                    </a:lnR>
+                    <a:lnT w="12700" cmpd="sng">
+                      <a:noFill/>
+                    </a:lnT>
+                    <a:lnB w="12700" cmpd="sng">
+                      <a:noFill/>
+                    </a:lnB>
+                    <a:lnTlToBr w="12700" cmpd="sng">
+                      <a:noFill/>
+                      <a:prstDash val="solid"/>
+                    </a:lnTlToBr>
+                    <a:lnBlToTr w="12700" cmpd="sng">
+                      <a:noFill/>
+                      <a:prstDash val="solid"/>
+                    </a:lnBlToTr>
+                    <a:solidFill>
+                      <a:schemeClr val="accent1">
+                        <a:lumMod val="40000"/>
+                        <a:lumOff val="60000"/>
+                      </a:schemeClr>
+                    </a:solidFill>
+                  </a:tcPr>
+                </a:tc>
+                <a:tc>
+                  <a:txBody>
+                    <a:bodyPr/>
+                    <a:lstStyle/>
+                    <a:p>
+                      <a:endParaRPr lang="de-DE" sz="800" dirty="0"/>
+                    </a:p>
+                  </a:txBody>
+                  <a:tcPr>
+                    <a:lnL w="12700" cmpd="sng">
+                      <a:noFill/>
+                    </a:lnL>
+                    <a:lnR w="12700" cmpd="sng">
+                      <a:noFill/>
+                    </a:lnR>
+                    <a:lnT w="12700" cmpd="sng">
+                      <a:noFill/>
+                    </a:lnT>
+                    <a:lnB w="12700" cmpd="sng">
+                      <a:noFill/>
+                    </a:lnB>
+                    <a:lnTlToBr w="12700" cmpd="sng">
+                      <a:noFill/>
+                      <a:prstDash val="solid"/>
+                    </a:lnTlToBr>
+                    <a:lnBlToTr w="12700" cmpd="sng">
+                      <a:noFill/>
+                      <a:prstDash val="solid"/>
+                    </a:lnBlToTr>
+                    <a:solidFill>
+                      <a:schemeClr val="accent1">
+                        <a:lumMod val="20000"/>
+                        <a:lumOff val="80000"/>
+                      </a:schemeClr>
+                    </a:solidFill>
+                  </a:tcPr>
+                </a:tc>
+                <a:tc>
+                  <a:txBody>
+                    <a:bodyPr/>
+                    <a:lstStyle/>
+                    <a:p>
+                      <a:endParaRPr lang="de-DE" sz="800" dirty="0"/>
+                    </a:p>
+                  </a:txBody>
+                  <a:tcPr>
+                    <a:lnL w="12700" cmpd="sng">
+                      <a:noFill/>
+                    </a:lnL>
+                    <a:lnR w="12700" cmpd="sng">
+                      <a:noFill/>
+                    </a:lnR>
+                    <a:lnT w="12700" cmpd="sng">
+                      <a:noFill/>
+                    </a:lnT>
+                    <a:lnB w="12700" cmpd="sng">
+                      <a:noFill/>
+                    </a:lnB>
+                    <a:lnTlToBr w="12700" cmpd="sng">
+                      <a:noFill/>
+                      <a:prstDash val="solid"/>
+                    </a:lnTlToBr>
+                    <a:lnBlToTr w="12700" cmpd="sng">
+                      <a:noFill/>
+                      <a:prstDash val="solid"/>
+                    </a:lnBlToTr>
+                    <a:solidFill>
+                      <a:schemeClr val="accent1">
+                        <a:lumMod val="20000"/>
+                        <a:lumOff val="80000"/>
+                      </a:schemeClr>
+                    </a:solidFill>
+                  </a:tcPr>
+                </a:tc>
+                <a:extLst>
+                  <a:ext uri="{0D108BD9-81ED-4DB2-BD59-A6C34878D82A}">
+                    <a16:rowId xmlns:a16="http://schemas.microsoft.com/office/drawing/2014/main" val="2599797475"/>
+                  </a:ext>
+                </a:extLst>
+              </a:tr>
+            </a:tbl>
+          </a:graphicData>
+        </a:graphic>
+      </p:graphicFrame>
+      <p:graphicFrame>
+        <p:nvGraphicFramePr>
+          <p:cNvPr id="14" name="Tabelle 5">
+            <a:extLst>
+              <a:ext uri="{FF2B5EF4-FFF2-40B4-BE49-F238E27FC236}">
+                <a16:creationId xmlns:a16="http://schemas.microsoft.com/office/drawing/2014/main" id="{53FEA245-05D0-4D6F-815F-30D604F7E7F8}"/>
               </a:ext>
             </a:extLst>
           </p:cNvPr>
@@ -13808,14 +14810,14 @@
           <p:nvPr>
             <p:extLst>
               <p:ext uri="{D42A27DB-BD31-4B8C-83A1-F6EECF244321}">
-                <p14:modId xmlns:p14="http://schemas.microsoft.com/office/powerpoint/2010/main" val="2108770779"/>
+                <p14:modId xmlns:p14="http://schemas.microsoft.com/office/powerpoint/2010/main" val="625127378"/>
               </p:ext>
             </p:extLst>
           </p:nvPr>
         </p:nvGraphicFramePr>
         <p:xfrm>
-          <a:off x="1032134" y="5440413"/>
-          <a:ext cx="10127730" cy="370840"/>
+          <a:off x="1032133" y="5618213"/>
+          <a:ext cx="10127730" cy="548640"/>
         </p:xfrm>
         <a:graphic>
           <a:graphicData uri="http://schemas.openxmlformats.org/drawingml/2006/table">
@@ -13879,6 +14881,36 @@
                         <a:t>libxml2</a:t>
                       </a:r>
                     </a:p>
+                    <a:p>
+                      <a:pPr marL="0" marR="0" lvl="0" indent="0" algn="ctr" defTabSz="914400" rtl="0" eaLnBrk="1" fontAlgn="auto" latinLnBrk="0" hangingPunct="1">
+                        <a:lnSpc>
+                          <a:spcPct val="100000"/>
+                        </a:lnSpc>
+                        <a:spcBef>
+                          <a:spcPts val="0"/>
+                        </a:spcBef>
+                        <a:spcAft>
+                          <a:spcPts val="0"/>
+                        </a:spcAft>
+                        <a:buClrTx/>
+                        <a:buSzTx/>
+                        <a:buFontTx/>
+                        <a:buNone/>
+                        <a:tabLst/>
+                        <a:defRPr/>
+                      </a:pPr>
+                      <a:r>
+                        <a:rPr lang="en-GB" sz="1200" i="1" noProof="0" dirty="0">
+                          <a:solidFill>
+                            <a:schemeClr val="tx1">
+                              <a:lumMod val="50000"/>
+                              <a:lumOff val="50000"/>
+                            </a:schemeClr>
+                          </a:solidFill>
+                        </a:rPr>
+                        <a:t>XML parser</a:t>
+                      </a:r>
+                    </a:p>
                   </a:txBody>
                   <a:tcPr anchor="ctr"/>
                 </a:tc>
@@ -13893,6 +14925,28 @@
                         <a:t>lighttpd</a:t>
                       </a:r>
                       <a:endParaRPr lang="de-DE" dirty="0"/>
+                    </a:p>
+                    <a:p>
+                      <a:pPr algn="ctr"/>
+                      <a:r>
+                        <a:rPr lang="en-GB" sz="1200" i="1" noProof="0" dirty="0">
+                          <a:solidFill>
+                            <a:schemeClr val="tx1">
+                              <a:lumMod val="50000"/>
+                              <a:lumOff val="50000"/>
+                            </a:schemeClr>
+                          </a:solidFill>
+                        </a:rPr>
+                        <a:t>webserver</a:t>
+                      </a:r>
+                      <a:endParaRPr lang="de-DE" sz="1200" i="1" dirty="0">
+                        <a:solidFill>
+                          <a:schemeClr val="tx1">
+                            <a:lumMod val="50000"/>
+                            <a:lumOff val="50000"/>
+                          </a:schemeClr>
+                        </a:solidFill>
+                      </a:endParaRPr>
                     </a:p>
                   </a:txBody>
                   <a:tcPr anchor="ctr"/>
@@ -13909,6 +14963,36 @@
                       </a:r>
                       <a:endParaRPr lang="de-DE" dirty="0"/>
                     </a:p>
+                    <a:p>
+                      <a:pPr marL="0" marR="0" lvl="0" indent="0" algn="ctr" defTabSz="914400" rtl="0" eaLnBrk="1" fontAlgn="auto" latinLnBrk="0" hangingPunct="1">
+                        <a:lnSpc>
+                          <a:spcPct val="100000"/>
+                        </a:lnSpc>
+                        <a:spcBef>
+                          <a:spcPts val="0"/>
+                        </a:spcBef>
+                        <a:spcAft>
+                          <a:spcPts val="0"/>
+                        </a:spcAft>
+                        <a:buClrTx/>
+                        <a:buSzTx/>
+                        <a:buFontTx/>
+                        <a:buNone/>
+                        <a:tabLst/>
+                        <a:defRPr/>
+                      </a:pPr>
+                      <a:r>
+                        <a:rPr lang="en-GB" sz="1200" i="1" noProof="0" dirty="0">
+                          <a:solidFill>
+                            <a:schemeClr val="tx1">
+                              <a:lumMod val="50000"/>
+                              <a:lumOff val="50000"/>
+                            </a:schemeClr>
+                          </a:solidFill>
+                        </a:rPr>
+                        <a:t>polynomial solver</a:t>
+                      </a:r>
+                    </a:p>
                   </a:txBody>
                   <a:tcPr anchor="ctr"/>
                 </a:tc>
@@ -13923,6 +15007,28 @@
                         <a:t>Parrot</a:t>
                       </a:r>
                       <a:endParaRPr lang="de-DE" dirty="0"/>
+                    </a:p>
+                    <a:p>
+                      <a:pPr algn="ctr"/>
+                      <a:r>
+                        <a:rPr lang="en-GB" sz="1200" i="1" noProof="0" dirty="0">
+                          <a:solidFill>
+                            <a:schemeClr val="tx1">
+                              <a:lumMod val="50000"/>
+                              <a:lumOff val="50000"/>
+                            </a:schemeClr>
+                          </a:solidFill>
+                        </a:rPr>
+                        <a:t>VM</a:t>
+                      </a:r>
+                      <a:endParaRPr lang="de-DE" sz="1200" i="1" dirty="0">
+                        <a:solidFill>
+                          <a:schemeClr val="tx1">
+                            <a:lumMod val="50000"/>
+                            <a:lumOff val="50000"/>
+                          </a:schemeClr>
+                        </a:solidFill>
+                      </a:endParaRPr>
                     </a:p>
                   </a:txBody>
                   <a:tcPr anchor="ctr"/>
@@ -13939,6 +15045,36 @@
                       </a:r>
                       <a:endParaRPr lang="de-DE" dirty="0"/>
                     </a:p>
+                    <a:p>
+                      <a:pPr marL="0" marR="0" lvl="0" indent="0" algn="ctr" defTabSz="914400" rtl="0" eaLnBrk="1" fontAlgn="auto" latinLnBrk="0" hangingPunct="1">
+                        <a:lnSpc>
+                          <a:spcPct val="100000"/>
+                        </a:lnSpc>
+                        <a:spcBef>
+                          <a:spcPts val="0"/>
+                        </a:spcBef>
+                        <a:spcAft>
+                          <a:spcPts val="0"/>
+                        </a:spcAft>
+                        <a:buClrTx/>
+                        <a:buSzTx/>
+                        <a:buFontTx/>
+                        <a:buNone/>
+                        <a:tabLst/>
+                        <a:defRPr/>
+                      </a:pPr>
+                      <a:r>
+                        <a:rPr lang="en-GB" sz="1200" i="1" noProof="0" dirty="0">
+                          <a:solidFill>
+                            <a:schemeClr val="tx1">
+                              <a:lumMod val="50000"/>
+                              <a:lumOff val="50000"/>
+                            </a:schemeClr>
+                          </a:solidFill>
+                        </a:rPr>
+                        <a:t>text editor</a:t>
+                      </a:r>
+                    </a:p>
                   </a:txBody>
                   <a:tcPr anchor="ctr"/>
                 </a:tc>
@@ -13954,6 +15090,36 @@
                       </a:r>
                       <a:endParaRPr lang="de-DE" dirty="0"/>
                     </a:p>
+                    <a:p>
+                      <a:pPr marL="0" marR="0" lvl="0" indent="0" algn="ctr" defTabSz="914400" rtl="0" eaLnBrk="1" fontAlgn="auto" latinLnBrk="0" hangingPunct="1">
+                        <a:lnSpc>
+                          <a:spcPct val="100000"/>
+                        </a:lnSpc>
+                        <a:spcBef>
+                          <a:spcPts val="0"/>
+                        </a:spcBef>
+                        <a:spcAft>
+                          <a:spcPts val="0"/>
+                        </a:spcAft>
+                        <a:buClrTx/>
+                        <a:buSzTx/>
+                        <a:buFontTx/>
+                        <a:buNone/>
+                        <a:tabLst/>
+                        <a:defRPr/>
+                      </a:pPr>
+                      <a:r>
+                        <a:rPr lang="en-GB" sz="1200" i="1" noProof="0" dirty="0">
+                          <a:solidFill>
+                            <a:schemeClr val="tx1">
+                              <a:lumMod val="50000"/>
+                              <a:lumOff val="50000"/>
+                            </a:schemeClr>
+                          </a:solidFill>
+                        </a:rPr>
+                        <a:t>graphics editor</a:t>
+                      </a:r>
+                    </a:p>
                   </a:txBody>
                   <a:tcPr anchor="ctr"/>
                 </a:tc>
@@ -13967,269 +15133,10 @@
           </a:graphicData>
         </a:graphic>
       </p:graphicFrame>
-      <p:sp>
-        <p:nvSpPr>
-          <p:cNvPr id="16" name="Textfeld 15">
-            <a:extLst>
-              <a:ext uri="{FF2B5EF4-FFF2-40B4-BE49-F238E27FC236}">
-                <a16:creationId xmlns:a16="http://schemas.microsoft.com/office/drawing/2014/main" id="{40D494B6-75D6-4821-BB4D-E806613EEF1F}"/>
-              </a:ext>
-            </a:extLst>
-          </p:cNvPr>
-          <p:cNvSpPr txBox="1"/>
-          <p:nvPr/>
-        </p:nvSpPr>
-        <p:spPr>
-          <a:xfrm>
-            <a:off x="4224843" y="6500676"/>
-            <a:ext cx="3742313" cy="307777"/>
-          </a:xfrm>
-          <a:prstGeom prst="rect">
-            <a:avLst/>
-          </a:prstGeom>
-          <a:noFill/>
-        </p:spPr>
-        <p:txBody>
-          <a:bodyPr wrap="square" rtlCol="0" anchor="ctr">
-            <a:spAutoFit/>
-          </a:bodyPr>
-          <a:lstStyle/>
-          <a:p>
-            <a:pPr algn="ctr"/>
-            <a:r>
-              <a:rPr lang="de-DE" sz="1400" i="1" dirty="0"/>
-              <a:t>Master thesis: </a:t>
-            </a:r>
-            <a:r>
-              <a:rPr lang="de-DE" sz="1400" dirty="0"/>
-              <a:t>feature-based defect prediction</a:t>
-            </a:r>
-          </a:p>
-        </p:txBody>
-      </p:sp>
-      <p:graphicFrame>
-        <p:nvGraphicFramePr>
-          <p:cNvPr id="19" name="Tabelle 18">
-            <a:extLst>
-              <a:ext uri="{FF2B5EF4-FFF2-40B4-BE49-F238E27FC236}">
-                <a16:creationId xmlns:a16="http://schemas.microsoft.com/office/drawing/2014/main" id="{3DA0A889-2FCC-4DB6-8973-E38303035D9E}"/>
-              </a:ext>
-            </a:extLst>
-          </p:cNvPr>
-          <p:cNvGraphicFramePr>
-            <a:graphicFrameLocks noGrp="1"/>
-          </p:cNvGraphicFramePr>
-          <p:nvPr>
-            <p:extLst>
-              <p:ext uri="{D42A27DB-BD31-4B8C-83A1-F6EECF244321}">
-                <p14:modId xmlns:p14="http://schemas.microsoft.com/office/powerpoint/2010/main" val="3209021370"/>
-              </p:ext>
-            </p:extLst>
-          </p:nvPr>
-        </p:nvGraphicFramePr>
-        <p:xfrm>
-          <a:off x="-1" y="812026"/>
-          <a:ext cx="12192000" cy="213360"/>
-        </p:xfrm>
-        <a:graphic>
-          <a:graphicData uri="http://schemas.openxmlformats.org/drawingml/2006/table">
-            <a:tbl>
-              <a:tblPr firstRow="1" bandRow="1">
-                <a:tableStyleId>{5940675A-B579-460E-94D1-54222C63F5DA}</a:tableStyleId>
-              </a:tblPr>
-              <a:tblGrid>
-                <a:gridCol w="3048000">
-                  <a:extLst>
-                    <a:ext uri="{9D8B030D-6E8A-4147-A177-3AD203B41FA5}">
-                      <a16:colId xmlns:a16="http://schemas.microsoft.com/office/drawing/2014/main" val="4270243268"/>
-                    </a:ext>
-                  </a:extLst>
-                </a:gridCol>
-                <a:gridCol w="3048000">
-                  <a:extLst>
-                    <a:ext uri="{9D8B030D-6E8A-4147-A177-3AD203B41FA5}">
-                      <a16:colId xmlns:a16="http://schemas.microsoft.com/office/drawing/2014/main" val="4098972379"/>
-                    </a:ext>
-                  </a:extLst>
-                </a:gridCol>
-                <a:gridCol w="3048000">
-                  <a:extLst>
-                    <a:ext uri="{9D8B030D-6E8A-4147-A177-3AD203B41FA5}">
-                      <a16:colId xmlns:a16="http://schemas.microsoft.com/office/drawing/2014/main" val="2483116055"/>
-                    </a:ext>
-                  </a:extLst>
-                </a:gridCol>
-                <a:gridCol w="3048000">
-                  <a:extLst>
-                    <a:ext uri="{9D8B030D-6E8A-4147-A177-3AD203B41FA5}">
-                      <a16:colId xmlns:a16="http://schemas.microsoft.com/office/drawing/2014/main" val="111458056"/>
-                    </a:ext>
-                  </a:extLst>
-                </a:gridCol>
-              </a:tblGrid>
-              <a:tr h="205532">
-                <a:tc>
-                  <a:txBody>
-                    <a:bodyPr/>
-                    <a:lstStyle/>
-                    <a:p>
-                      <a:endParaRPr lang="de-DE" sz="800" dirty="0"/>
-                    </a:p>
-                  </a:txBody>
-                  <a:tcPr>
-                    <a:lnL w="12700" cmpd="sng">
-                      <a:noFill/>
-                    </a:lnL>
-                    <a:lnR w="12700" cmpd="sng">
-                      <a:noFill/>
-                    </a:lnR>
-                    <a:lnT w="12700" cmpd="sng">
-                      <a:noFill/>
-                    </a:lnT>
-                    <a:lnB w="12700" cmpd="sng">
-                      <a:noFill/>
-                    </a:lnB>
-                    <a:lnTlToBr w="12700" cmpd="sng">
-                      <a:noFill/>
-                      <a:prstDash val="solid"/>
-                    </a:lnTlToBr>
-                    <a:lnBlToTr w="12700" cmpd="sng">
-                      <a:noFill/>
-                      <a:prstDash val="solid"/>
-                    </a:lnBlToTr>
-                    <a:solidFill>
-                      <a:schemeClr val="accent1">
-                        <a:lumMod val="60000"/>
-                        <a:lumOff val="40000"/>
-                      </a:schemeClr>
-                    </a:solidFill>
-                  </a:tcPr>
-                </a:tc>
-                <a:tc>
-                  <a:txBody>
-                    <a:bodyPr/>
-                    <a:lstStyle/>
-                    <a:p>
-                      <a:endParaRPr lang="de-DE" sz="800" dirty="0"/>
-                    </a:p>
-                  </a:txBody>
-                  <a:tcPr>
-                    <a:lnL w="12700" cmpd="sng">
-                      <a:noFill/>
-                    </a:lnL>
-                    <a:lnR w="12700" cmpd="sng">
-                      <a:noFill/>
-                    </a:lnR>
-                    <a:lnT w="12700" cmpd="sng">
-                      <a:noFill/>
-                    </a:lnT>
-                    <a:lnB w="12700" cmpd="sng">
-                      <a:noFill/>
-                    </a:lnB>
-                    <a:lnTlToBr w="12700" cmpd="sng">
-                      <a:noFill/>
-                      <a:prstDash val="solid"/>
-                    </a:lnTlToBr>
-                    <a:lnBlToTr w="12700" cmpd="sng">
-                      <a:noFill/>
-                      <a:prstDash val="solid"/>
-                    </a:lnBlToTr>
-                    <a:solidFill>
-                      <a:schemeClr val="accent1">
-                        <a:lumMod val="40000"/>
-                        <a:lumOff val="60000"/>
-                      </a:schemeClr>
-                    </a:solidFill>
-                  </a:tcPr>
-                </a:tc>
-                <a:tc>
-                  <a:txBody>
-                    <a:bodyPr/>
-                    <a:lstStyle/>
-                    <a:p>
-                      <a:endParaRPr lang="de-DE" sz="800" dirty="0"/>
-                    </a:p>
-                  </a:txBody>
-                  <a:tcPr>
-                    <a:lnL w="12700" cmpd="sng">
-                      <a:noFill/>
-                    </a:lnL>
-                    <a:lnR w="12700" cmpd="sng">
-                      <a:noFill/>
-                    </a:lnR>
-                    <a:lnT w="12700" cmpd="sng">
-                      <a:noFill/>
-                    </a:lnT>
-                    <a:lnB w="12700" cmpd="sng">
-                      <a:noFill/>
-                    </a:lnB>
-                    <a:lnTlToBr w="12700" cmpd="sng">
-                      <a:noFill/>
-                      <a:prstDash val="solid"/>
-                    </a:lnTlToBr>
-                    <a:lnBlToTr w="12700" cmpd="sng">
-                      <a:noFill/>
-                      <a:prstDash val="solid"/>
-                    </a:lnBlToTr>
-                    <a:solidFill>
-                      <a:schemeClr val="accent1">
-                        <a:lumMod val="20000"/>
-                        <a:lumOff val="80000"/>
-                      </a:schemeClr>
-                    </a:solidFill>
-                  </a:tcPr>
-                </a:tc>
-                <a:tc>
-                  <a:txBody>
-                    <a:bodyPr/>
-                    <a:lstStyle/>
-                    <a:p>
-                      <a:endParaRPr lang="de-DE" sz="800" dirty="0"/>
-                    </a:p>
-                  </a:txBody>
-                  <a:tcPr>
-                    <a:lnL w="12700" cmpd="sng">
-                      <a:noFill/>
-                    </a:lnL>
-                    <a:lnR w="12700" cmpd="sng">
-                      <a:noFill/>
-                    </a:lnR>
-                    <a:lnT w="12700" cmpd="sng">
-                      <a:noFill/>
-                    </a:lnT>
-                    <a:lnB w="12700" cmpd="sng">
-                      <a:noFill/>
-                    </a:lnB>
-                    <a:lnTlToBr w="12700" cmpd="sng">
-                      <a:noFill/>
-                      <a:prstDash val="solid"/>
-                    </a:lnTlToBr>
-                    <a:lnBlToTr w="12700" cmpd="sng">
-                      <a:noFill/>
-                      <a:prstDash val="solid"/>
-                    </a:lnBlToTr>
-                    <a:solidFill>
-                      <a:schemeClr val="accent1">
-                        <a:lumMod val="20000"/>
-                        <a:lumOff val="80000"/>
-                      </a:schemeClr>
-                    </a:solidFill>
-                  </a:tcPr>
-                </a:tc>
-                <a:extLst>
-                  <a:ext uri="{0D108BD9-81ED-4DB2-BD59-A6C34878D82A}">
-                    <a16:rowId xmlns:a16="http://schemas.microsoft.com/office/drawing/2014/main" val="2599797475"/>
-                  </a:ext>
-                </a:extLst>
-              </a:tr>
-            </a:tbl>
-          </a:graphicData>
-        </a:graphic>
-      </p:graphicFrame>
     </p:spTree>
     <p:extLst>
       <p:ext uri="{BB962C8B-B14F-4D97-AF65-F5344CB8AC3E}">
-        <p14:creationId xmlns:p14="http://schemas.microsoft.com/office/powerpoint/2010/main" val="2895350852"/>
+        <p14:creationId xmlns:p14="http://schemas.microsoft.com/office/powerpoint/2010/main" val="2195044374"/>
       </p:ext>
     </p:extLst>
   </p:cSld>
@@ -15854,8 +16761,8 @@
         </p:nvSpPr>
         <p:spPr>
           <a:xfrm>
-            <a:off x="188155" y="1676157"/>
-            <a:ext cx="11815688" cy="4124206"/>
+            <a:off x="188155" y="1414547"/>
+            <a:ext cx="11815688" cy="4647426"/>
           </a:xfrm>
           <a:prstGeom prst="rect">
             <a:avLst/>
@@ -16132,8 +17039,21 @@
             </a:pPr>
             <a:r>
               <a:rPr lang="en-GB" sz="2400" dirty="0"/>
-              <a:t>application of the SZZ-algorithm</a:t>
-            </a:r>
+              <a:t>application of the SZZ-algorithm </a:t>
+            </a:r>
+            <a:r>
+              <a:rPr lang="de-DE" dirty="0"/>
+              <a:t>(</a:t>
+            </a:r>
+            <a:r>
+              <a:rPr lang="de-DE" dirty="0" err="1"/>
+              <a:t>Śliwerski</a:t>
+            </a:r>
+            <a:r>
+              <a:rPr lang="de-DE" dirty="0"/>
+              <a:t>, Zimmermann, &amp; Zeller, 2005)</a:t>
+            </a:r>
+            <a:endParaRPr lang="en-GB" sz="2400" dirty="0"/>
           </a:p>
           <a:p>
             <a:pPr marL="914400" lvl="1" indent="-457200">
@@ -16176,6 +17096,36 @@
             <a:r>
               <a:rPr lang="en-GB" sz="2400" dirty="0"/>
               <a:t> features manually</a:t>
+            </a:r>
+          </a:p>
+          <a:p>
+            <a:pPr marL="1828800" lvl="3" indent="-457200">
+              <a:spcBef>
+                <a:spcPts val="1200"/>
+              </a:spcBef>
+              <a:buClr>
+                <a:schemeClr val="accent1">
+                  <a:lumMod val="60000"/>
+                  <a:lumOff val="40000"/>
+                </a:schemeClr>
+              </a:buClr>
+              <a:buFont typeface="Wingdings" panose="05000000000000000000" pitchFamily="2" charset="2"/>
+              <a:buChar char="n"/>
+            </a:pPr>
+            <a:r>
+              <a:rPr lang="en-GB" sz="2400" dirty="0"/>
+              <a:t>e.g. from </a:t>
+            </a:r>
+            <a:r>
+              <a:rPr lang="en-GB" sz="2400" dirty="0">
+                <a:latin typeface="Courier New" panose="02070309020205020404" pitchFamily="49" charset="0"/>
+                <a:cs typeface="Courier New" panose="02070309020205020404" pitchFamily="49" charset="0"/>
+              </a:rPr>
+              <a:t>#IFDEFs</a:t>
+            </a:r>
+            <a:r>
+              <a:rPr lang="en-GB" sz="2400" dirty="0"/>
+              <a:t> found in comments</a:t>
             </a:r>
           </a:p>
         </p:txBody>
@@ -16730,8 +17680,8 @@
         </p:nvSpPr>
         <p:spPr>
           <a:xfrm>
-            <a:off x="188155" y="2199377"/>
-            <a:ext cx="11815688" cy="3077766"/>
+            <a:off x="188155" y="1937767"/>
+            <a:ext cx="11815688" cy="3600986"/>
           </a:xfrm>
           <a:prstGeom prst="rect">
             <a:avLst/>
@@ -16813,30 +17763,52 @@
               <a:buChar char="n"/>
             </a:pPr>
             <a:r>
+              <a:rPr lang="de-DE" sz="2400" i="1" dirty="0"/>
+              <a:t>in </a:t>
+            </a:r>
+            <a:r>
+              <a:rPr lang="de-DE" sz="2400" i="1" dirty="0" err="1"/>
+              <a:t>certain</a:t>
+            </a:r>
+            <a:r>
+              <a:rPr lang="de-DE" sz="2400" i="1" dirty="0"/>
+              <a:t> C-patterns: </a:t>
+            </a:r>
+            <a:r>
+              <a:rPr lang="de-DE" sz="2400" dirty="0" err="1"/>
+              <a:t>header</a:t>
+            </a:r>
+            <a:r>
               <a:rPr lang="de-DE" sz="2400" dirty="0"/>
-              <a:t>features to be </a:t>
+              <a:t> </a:t>
             </a:r>
             <a:r>
               <a:rPr lang="de-DE" sz="2400" dirty="0" err="1"/>
-              <a:t>found</a:t>
+              <a:t>files</a:t>
             </a:r>
             <a:r>
               <a:rPr lang="de-DE" sz="2400" dirty="0"/>
-              <a:t> in .h-files are not </a:t>
+              <a:t> </a:t>
             </a:r>
             <a:r>
               <a:rPr lang="de-DE" sz="2400" dirty="0" err="1"/>
-              <a:t>meant</a:t>
+              <a:t>included</a:t>
             </a:r>
             <a:r>
               <a:rPr lang="de-DE" sz="2400" dirty="0"/>
-              <a:t> to be </a:t>
-            </a:r>
-            <a:r>
-              <a:rPr lang="de-DE" sz="2400" dirty="0" err="1"/>
-              <a:t>edited</a:t>
-            </a:r>
-            <a:endParaRPr lang="de-DE" sz="2400" dirty="0"/>
+              <a:t> with </a:t>
+            </a:r>
+            <a:r>
+              <a:rPr lang="de-DE" sz="2400" dirty="0">
+                <a:latin typeface="Courier New" panose="02070309020205020404" pitchFamily="49" charset="0"/>
+                <a:cs typeface="Courier New" panose="02070309020205020404" pitchFamily="49" charset="0"/>
+              </a:rPr>
+              <a:t>#IFDEFs</a:t>
+            </a:r>
+            <a:r>
+              <a:rPr lang="de-DE" sz="2400" dirty="0"/>
+              <a:t> like features</a:t>
+            </a:r>
           </a:p>
           <a:p>
             <a:pPr marL="1371600" lvl="2" indent="-457200">
@@ -16889,7 +17861,62 @@
             </a:pPr>
             <a:r>
               <a:rPr lang="de-DE" sz="2400" dirty="0" err="1"/>
-              <a:t>training</a:t>
+              <a:t>previously</a:t>
+            </a:r>
+            <a:r>
+              <a:rPr lang="de-DE" sz="2400" dirty="0"/>
+              <a:t> </a:t>
+            </a:r>
+            <a:r>
+              <a:rPr lang="de-DE" sz="2400" dirty="0" err="1"/>
+              <a:t>considered</a:t>
+            </a:r>
+            <a:r>
+              <a:rPr lang="de-DE" sz="2400" dirty="0"/>
+              <a:t> </a:t>
+            </a:r>
+            <a:r>
+              <a:rPr lang="de-DE" sz="2400" dirty="0" err="1"/>
+              <a:t>falsely</a:t>
+            </a:r>
+            <a:r>
+              <a:rPr lang="de-DE" sz="2400" dirty="0"/>
+              <a:t> </a:t>
+            </a:r>
+            <a:r>
+              <a:rPr lang="de-DE" sz="2400" dirty="0" err="1"/>
+              <a:t>as</a:t>
+            </a:r>
+            <a:r>
+              <a:rPr lang="de-DE" sz="2400" dirty="0"/>
+              <a:t> features</a:t>
+            </a:r>
+          </a:p>
+          <a:p>
+            <a:pPr marL="1371600" lvl="2" indent="-457200">
+              <a:spcBef>
+                <a:spcPts val="1200"/>
+              </a:spcBef>
+              <a:buClr>
+                <a:schemeClr val="accent1">
+                  <a:lumMod val="60000"/>
+                  <a:lumOff val="40000"/>
+                </a:schemeClr>
+              </a:buClr>
+              <a:buFont typeface="Wingdings" panose="05000000000000000000" pitchFamily="2" charset="2"/>
+              <a:buChar char="n"/>
+            </a:pPr>
+            <a:r>
+              <a:rPr lang="de-DE" sz="2400" dirty="0" err="1"/>
+              <a:t>metrics</a:t>
+            </a:r>
+            <a:r>
+              <a:rPr lang="de-DE" sz="2400" dirty="0"/>
+              <a:t> </a:t>
+            </a:r>
+            <a:r>
+              <a:rPr lang="de-DE" sz="2400" dirty="0" err="1"/>
+              <a:t>calculation</a:t>
             </a:r>
             <a:r>
               <a:rPr lang="de-DE" sz="2400" dirty="0"/>
@@ -16897,7 +17924,7 @@
             </a:r>
             <a:r>
               <a:rPr lang="de-DE" sz="2400" dirty="0" err="1"/>
-              <a:t>evaluation</a:t>
+              <a:t>classifier</a:t>
             </a:r>
             <a:r>
               <a:rPr lang="de-DE" sz="2400" dirty="0"/>
@@ -16905,7 +17932,7 @@
             </a:r>
             <a:r>
               <a:rPr lang="de-DE" sz="2400" dirty="0" err="1"/>
-              <a:t>steps</a:t>
+              <a:t>training</a:t>
             </a:r>
             <a:r>
               <a:rPr lang="de-DE" sz="2400" dirty="0"/>
@@ -18219,10 +19246,9 @@
                     <a:lstStyle/>
                     <a:p>
                       <a:r>
-                        <a:rPr lang="en-GB" noProof="0"/>
+                        <a:rPr lang="en-GB" noProof="0" dirty="0"/>
                         <a:t>plotter</a:t>
                       </a:r>
-                      <a:endParaRPr lang="en-GB" noProof="0" dirty="0"/>
                     </a:p>
                   </a:txBody>
                   <a:tcPr/>
@@ -20095,7 +21121,7 @@
           <p:nvPr>
             <p:extLst>
               <p:ext uri="{D42A27DB-BD31-4B8C-83A1-F6EECF244321}">
-                <p14:modId xmlns:p14="http://schemas.microsoft.com/office/powerpoint/2010/main" val="3450250123"/>
+                <p14:modId xmlns:p14="http://schemas.microsoft.com/office/powerpoint/2010/main" val="3673731110"/>
               </p:ext>
             </p:extLst>
           </p:nvPr>
@@ -20361,7 +21387,7 @@
                           <a:ea typeface="+mn-ea"/>
                           <a:cs typeface="+mn-cs"/>
                         </a:rPr>
-                        <a:t>geometric mean of the "experience" of all developers who have worked on the affected feature / file in a release</a:t>
+                        <a:t>geometric mean of the "experience*" of all developers who have worked on the affected feature / file in a release</a:t>
                       </a:r>
                       <a:endParaRPr lang="en-GB" noProof="0" dirty="0"/>
                     </a:p>
@@ -20417,7 +21443,7 @@
                           <a:ea typeface="+mn-ea"/>
                           <a:cs typeface="+mn-cs"/>
                         </a:rPr>
-                        <a:t>"experience" of the developer who has contributed most to the affected feature / file in a release</a:t>
+                        <a:t>"experience*" of the developer who has contributed most to the affected feature / file in a release</a:t>
                       </a:r>
                       <a:endParaRPr lang="en-GB" noProof="0" dirty="0"/>
                     </a:p>
@@ -20852,6 +21878,79 @@
           </a:graphicData>
         </a:graphic>
       </p:graphicFrame>
+      <p:sp>
+        <p:nvSpPr>
+          <p:cNvPr id="6" name="Textfeld 5">
+            <a:extLst>
+              <a:ext uri="{FF2B5EF4-FFF2-40B4-BE49-F238E27FC236}">
+                <a16:creationId xmlns:a16="http://schemas.microsoft.com/office/drawing/2014/main" id="{9C85A39F-5397-4BD2-8E11-7F94D490025F}"/>
+              </a:ext>
+            </a:extLst>
+          </p:cNvPr>
+          <p:cNvSpPr txBox="1"/>
+          <p:nvPr/>
+        </p:nvSpPr>
+        <p:spPr>
+          <a:xfrm>
+            <a:off x="7791908" y="6020339"/>
+            <a:ext cx="3165225" cy="276999"/>
+          </a:xfrm>
+          <a:prstGeom prst="rect">
+            <a:avLst/>
+          </a:prstGeom>
+          <a:noFill/>
+        </p:spPr>
+        <p:txBody>
+          <a:bodyPr wrap="none" rtlCol="0">
+            <a:spAutoFit/>
+          </a:bodyPr>
+          <a:lstStyle/>
+          <a:p>
+            <a:pPr algn="r"/>
+            <a:r>
+              <a:rPr lang="de-DE" sz="1200" dirty="0"/>
+              <a:t>* </a:t>
+            </a:r>
+            <a:r>
+              <a:rPr lang="de-DE" sz="1200" i="1" dirty="0" err="1"/>
+              <a:t>number</a:t>
+            </a:r>
+            <a:r>
+              <a:rPr lang="de-DE" sz="1200" i="1" dirty="0"/>
+              <a:t> of </a:t>
+            </a:r>
+            <a:r>
+              <a:rPr lang="de-DE" sz="1200" i="1" dirty="0" err="1"/>
+              <a:t>added</a:t>
+            </a:r>
+            <a:r>
+              <a:rPr lang="de-DE" sz="1200" i="1" dirty="0"/>
+              <a:t>, </a:t>
+            </a:r>
+            <a:r>
+              <a:rPr lang="de-DE" sz="1200" i="1" dirty="0" err="1"/>
+              <a:t>modified</a:t>
+            </a:r>
+            <a:r>
+              <a:rPr lang="de-DE" sz="1200" i="1" dirty="0"/>
+              <a:t> and </a:t>
+            </a:r>
+            <a:r>
+              <a:rPr lang="de-DE" sz="1200" i="1" dirty="0" err="1"/>
+              <a:t>removed</a:t>
+            </a:r>
+            <a:r>
+              <a:rPr lang="de-DE" sz="1200" i="1" dirty="0"/>
+              <a:t> </a:t>
+            </a:r>
+            <a:r>
+              <a:rPr lang="de-DE" sz="1200" i="1" dirty="0" err="1"/>
+              <a:t>files</a:t>
+            </a:r>
+            <a:endParaRPr lang="de-DE" sz="1200" i="1" dirty="0"/>
+          </a:p>
+        </p:txBody>
+      </p:sp>
     </p:spTree>
     <p:extLst>
       <p:ext uri="{BB962C8B-B14F-4D97-AF65-F5344CB8AC3E}">
@@ -21150,7 +22249,7 @@
           <p:nvPr>
             <p:extLst>
               <p:ext uri="{D42A27DB-BD31-4B8C-83A1-F6EECF244321}">
-                <p14:modId xmlns:p14="http://schemas.microsoft.com/office/powerpoint/2010/main" val="421008641"/>
+                <p14:modId xmlns:p14="http://schemas.microsoft.com/office/powerpoint/2010/main" val="3875706601"/>
               </p:ext>
             </p:extLst>
           </p:nvPr>
@@ -21331,7 +22430,7 @@
                           <a:ea typeface="+mn-ea"/>
                           <a:cs typeface="+mn-cs"/>
                         </a:rPr>
-                        <a:t>Number of edits to the affected feature / file within a release</a:t>
+                        <a:t>number of edits to the affected feature / file within a release</a:t>
                       </a:r>
                     </a:p>
                   </a:txBody>
@@ -22756,8 +23855,8 @@
         </p:nvSpPr>
         <p:spPr>
           <a:xfrm>
-            <a:off x="188155" y="1414547"/>
-            <a:ext cx="11815688" cy="4647426"/>
+            <a:off x="188155" y="1152937"/>
+            <a:ext cx="11815688" cy="5170646"/>
           </a:xfrm>
           <a:prstGeom prst="rect">
             <a:avLst/>
@@ -22784,12 +23883,8 @@
               <a:buChar char="n"/>
             </a:pPr>
             <a:r>
-              <a:rPr lang="de-DE" sz="2400" dirty="0" err="1"/>
-              <a:t>integration</a:t>
-            </a:r>
-            <a:r>
               <a:rPr lang="de-DE" sz="2400" dirty="0"/>
-              <a:t> of scikit-learn and WEKA</a:t>
+              <a:t>usage of scikit-learn and WEKA</a:t>
             </a:r>
           </a:p>
           <a:p>
@@ -22980,6 +24075,26 @@
               <a:rPr lang="de-DE" sz="2400" dirty="0"/>
               <a:t> interface</a:t>
             </a:r>
+          </a:p>
+          <a:p>
+            <a:pPr marL="457200" indent="-457200">
+              <a:spcBef>
+                <a:spcPts val="1200"/>
+              </a:spcBef>
+              <a:buClr>
+                <a:schemeClr val="accent1">
+                  <a:lumMod val="60000"/>
+                  <a:lumOff val="40000"/>
+                </a:schemeClr>
+              </a:buClr>
+              <a:buFont typeface="Wingdings" panose="05000000000000000000" pitchFamily="2" charset="2"/>
+              <a:buChar char="n"/>
+            </a:pPr>
+            <a:r>
+              <a:rPr lang="en-US" sz="2400" dirty="0"/>
+              <a:t>two tools to compare the results of the respective implementations of the algorithms</a:t>
+            </a:r>
+            <a:endParaRPr lang="de-DE" sz="2400" dirty="0"/>
           </a:p>
         </p:txBody>
       </p:sp>
@@ -24876,8 +25991,8 @@
         </p:nvSpPr>
         <p:spPr>
           <a:xfrm>
-            <a:off x="188155" y="1414547"/>
-            <a:ext cx="11815688" cy="4647426"/>
+            <a:off x="188155" y="1676157"/>
+            <a:ext cx="11815688" cy="4124206"/>
           </a:xfrm>
           <a:prstGeom prst="rect">
             <a:avLst/>
@@ -25052,45 +26167,6 @@
             </a:pPr>
             <a:r>
               <a:rPr lang="de-DE" sz="2400" dirty="0" err="1"/>
-              <a:t>commit</a:t>
-            </a:r>
-            <a:r>
-              <a:rPr lang="de-DE" sz="2400" dirty="0"/>
-              <a:t>: </a:t>
-            </a:r>
-            <a:r>
-              <a:rPr lang="de-DE" sz="2400" dirty="0" err="1"/>
-              <a:t>provision</a:t>
-            </a:r>
-            <a:r>
-              <a:rPr lang="de-DE" sz="2400" dirty="0"/>
-              <a:t> of an </a:t>
-            </a:r>
-            <a:r>
-              <a:rPr lang="de-DE" sz="2400" dirty="0" err="1"/>
-              <a:t>updated</a:t>
-            </a:r>
-            <a:r>
-              <a:rPr lang="de-DE" sz="2400" dirty="0"/>
-              <a:t> version of a software product</a:t>
-            </a:r>
-          </a:p>
-          <a:p>
-            <a:pPr marL="914400" lvl="1" indent="-457200">
-              <a:spcBef>
-                <a:spcPts val="1200"/>
-              </a:spcBef>
-              <a:buClr>
-                <a:schemeClr val="accent1">
-                  <a:lumMod val="60000"/>
-                  <a:lumOff val="40000"/>
-                </a:schemeClr>
-              </a:buClr>
-              <a:buFont typeface="Wingdings" panose="05000000000000000000" pitchFamily="2" charset="2"/>
-              <a:buChar char="n"/>
-            </a:pPr>
-            <a:r>
-              <a:rPr lang="de-DE" sz="2400" dirty="0" err="1"/>
               <a:t>faulty</a:t>
             </a:r>
             <a:r>
@@ -25103,7 +26179,15 @@
             </a:r>
             <a:r>
               <a:rPr lang="de-DE" sz="2400" dirty="0"/>
-              <a:t> for learning of </a:t>
+              <a:t> for </a:t>
+            </a:r>
+            <a:r>
+              <a:rPr lang="de-DE" sz="2400" dirty="0" err="1"/>
+              <a:t>training</a:t>
+            </a:r>
+            <a:r>
+              <a:rPr lang="de-DE" sz="2400" dirty="0"/>
+              <a:t> of </a:t>
             </a:r>
             <a:r>
               <a:rPr lang="de-DE" sz="2400" dirty="0" err="1"/>
@@ -25721,8 +26805,8 @@
         </p:nvSpPr>
         <p:spPr>
           <a:xfrm>
-            <a:off x="188155" y="1676157"/>
-            <a:ext cx="11815688" cy="4124206"/>
+            <a:off x="188155" y="1414544"/>
+            <a:ext cx="11815688" cy="4647426"/>
           </a:xfrm>
           <a:prstGeom prst="rect">
             <a:avLst/>
@@ -25825,6 +26909,25 @@
             <a:r>
               <a:rPr lang="en-US" sz="2400" b="1" dirty="0"/>
               <a:t>unbalanced data results in misleading accuracy</a:t>
+            </a:r>
+          </a:p>
+          <a:p>
+            <a:pPr marL="1371600" lvl="2" indent="-457200">
+              <a:spcBef>
+                <a:spcPts val="1200"/>
+              </a:spcBef>
+              <a:buClr>
+                <a:schemeClr val="accent1">
+                  <a:lumMod val="60000"/>
+                  <a:lumOff val="40000"/>
+                </a:schemeClr>
+              </a:buClr>
+              <a:buFont typeface="Wingdings" panose="05000000000000000000" pitchFamily="2" charset="2"/>
+              <a:buChar char="n"/>
+            </a:pPr>
+            <a:r>
+              <a:rPr lang="en-US" sz="2400" dirty="0"/>
+              <a:t>most data records are correctly assigned to the overrepresented class</a:t>
             </a:r>
           </a:p>
           <a:p>
@@ -28807,7 +29910,7 @@
           </p:nvPr>
         </p:nvPicPr>
         <p:blipFill rotWithShape="1">
-          <a:blip r:embed="rId2">
+          <a:blip r:embed="rId3">
             <a:extLst>
               <a:ext uri="{28A0092B-C50C-407E-A947-70E740481C1C}">
                 <a14:useLocalDpi xmlns:a14="http://schemas.microsoft.com/office/drawing/2010/main" val="0"/>
@@ -29475,7 +30578,7 @@
           <p:nvPr/>
         </p:nvPicPr>
         <p:blipFill rotWithShape="1">
-          <a:blip r:embed="rId2">
+          <a:blip r:embed="rId3">
             <a:extLst>
               <a:ext uri="{28A0092B-C50C-407E-A947-70E740481C1C}">
                 <a14:useLocalDpi xmlns:a14="http://schemas.microsoft.com/office/drawing/2010/main" val="0"/>
@@ -30150,7 +31253,7 @@
           <p:nvPr/>
         </p:nvPicPr>
         <p:blipFill rotWithShape="1">
-          <a:blip r:embed="rId2">
+          <a:blip r:embed="rId3">
             <a:extLst>
               <a:ext uri="{28A0092B-C50C-407E-A947-70E740481C1C}">
                 <a14:useLocalDpi xmlns:a14="http://schemas.microsoft.com/office/drawing/2010/main" val="0"/>
@@ -31873,6 +32976,14 @@
             </a:r>
             <a:r>
               <a:rPr lang="de-DE" sz="2400" dirty="0"/>
+              <a:t> and </a:t>
+            </a:r>
+            <a:r>
+              <a:rPr lang="de-DE" sz="2400" dirty="0" err="1"/>
+              <a:t>comparision</a:t>
+            </a:r>
+            <a:r>
+              <a:rPr lang="de-DE" sz="2400" dirty="0"/>
               <a:t> based on </a:t>
             </a:r>
             <a:r>
@@ -33927,8 +35038,8 @@
         </p:nvSpPr>
         <p:spPr>
           <a:xfrm>
-            <a:off x="188155" y="1414547"/>
-            <a:ext cx="11815688" cy="4647426"/>
+            <a:off x="188156" y="1106770"/>
+            <a:ext cx="11815688" cy="5262979"/>
           </a:xfrm>
           <a:prstGeom prst="rect">
             <a:avLst/>
@@ -34232,6 +35343,61 @@
             <a:r>
               <a:rPr lang="de-DE" sz="1600" dirty="0"/>
               <a:t>. Software and Systems Modeling, 16(1), 77–96. https://doi.org/10.1007/s10270-015-0483-z</a:t>
+            </a:r>
+          </a:p>
+          <a:p>
+            <a:pPr marL="457200" indent="-457200">
+              <a:spcBef>
+                <a:spcPts val="1200"/>
+              </a:spcBef>
+              <a:buClr>
+                <a:schemeClr val="accent1">
+                  <a:lumMod val="60000"/>
+                  <a:lumOff val="40000"/>
+                </a:schemeClr>
+              </a:buClr>
+              <a:buFont typeface="Wingdings" panose="05000000000000000000" pitchFamily="2" charset="2"/>
+              <a:buChar char="n"/>
+            </a:pPr>
+            <a:r>
+              <a:rPr lang="de-DE" sz="1600" dirty="0" err="1"/>
+              <a:t>Śliwerski</a:t>
+            </a:r>
+            <a:r>
+              <a:rPr lang="de-DE" sz="1600" dirty="0"/>
+              <a:t>, J., Zimmermann, T., &amp; Zeller, A. (2005). </a:t>
+            </a:r>
+            <a:r>
+              <a:rPr lang="de-DE" sz="1600" dirty="0" err="1"/>
+              <a:t>When</a:t>
+            </a:r>
+            <a:r>
+              <a:rPr lang="de-DE" sz="1600" dirty="0"/>
+              <a:t> do </a:t>
+            </a:r>
+            <a:r>
+              <a:rPr lang="de-DE" sz="1600" dirty="0" err="1"/>
+              <a:t>changes</a:t>
+            </a:r>
+            <a:r>
+              <a:rPr lang="de-DE" sz="1600" dirty="0"/>
+              <a:t> </a:t>
+            </a:r>
+            <a:r>
+              <a:rPr lang="de-DE" sz="1600" dirty="0" err="1"/>
+              <a:t>induce</a:t>
+            </a:r>
+            <a:r>
+              <a:rPr lang="de-DE" sz="1600" dirty="0"/>
+              <a:t> fixes? </a:t>
+            </a:r>
+            <a:r>
+              <a:rPr lang="de-DE" sz="1600" i="1" dirty="0"/>
+              <a:t>Proceedings of the 2005 International Workshop on Mining Software Repositories, MSR 2005</a:t>
+            </a:r>
+            <a:r>
+              <a:rPr lang="de-DE" sz="1600" dirty="0"/>
+              <a:t>, 1–5. https://doi.org/10.1145/1082983.1083147</a:t>
             </a:r>
           </a:p>
           <a:p>
@@ -35587,10 +36753,7 @@
           <a:lstStyle/>
           <a:p>
             <a:pPr algn="ctr"/>
-            <a:r>
-              <a:rPr lang="de-DE" sz="900" dirty="0"/>
-              <a:t>SVM</a:t>
-            </a:r>
+            <a:endParaRPr lang="de-DE" sz="900" dirty="0"/>
           </a:p>
         </p:txBody>
       </p:sp>
@@ -35728,10 +36891,7 @@
           <a:lstStyle/>
           <a:p>
             <a:pPr algn="ctr"/>
-            <a:r>
-              <a:rPr lang="de-DE" sz="900" dirty="0"/>
-              <a:t>SGD</a:t>
-            </a:r>
+            <a:endParaRPr lang="de-DE" sz="900" dirty="0"/>
           </a:p>
         </p:txBody>
       </p:sp>
@@ -35775,10 +36935,7 @@
           <a:lstStyle/>
           <a:p>
             <a:pPr algn="ctr"/>
-            <a:r>
-              <a:rPr lang="de-DE" sz="900" dirty="0"/>
-              <a:t>KNN</a:t>
-            </a:r>
+            <a:endParaRPr lang="de-DE" sz="900" dirty="0"/>
           </a:p>
         </p:txBody>
       </p:sp>
@@ -37243,6 +38400,111 @@
           </a:graphicData>
         </a:graphic>
       </p:graphicFrame>
+      <p:sp>
+        <p:nvSpPr>
+          <p:cNvPr id="3" name="Textfeld 2">
+            <a:extLst>
+              <a:ext uri="{FF2B5EF4-FFF2-40B4-BE49-F238E27FC236}">
+                <a16:creationId xmlns:a16="http://schemas.microsoft.com/office/drawing/2014/main" id="{2776EAF9-F160-43CA-9FF3-E0831958D61E}"/>
+              </a:ext>
+            </a:extLst>
+          </p:cNvPr>
+          <p:cNvSpPr txBox="1"/>
+          <p:nvPr/>
+        </p:nvSpPr>
+        <p:spPr>
+          <a:xfrm>
+            <a:off x="8903689" y="3913969"/>
+            <a:ext cx="521681" cy="307777"/>
+          </a:xfrm>
+          <a:prstGeom prst="rect">
+            <a:avLst/>
+          </a:prstGeom>
+          <a:noFill/>
+        </p:spPr>
+        <p:txBody>
+          <a:bodyPr wrap="square" rtlCol="0">
+            <a:spAutoFit/>
+          </a:bodyPr>
+          <a:lstStyle/>
+          <a:p>
+            <a:r>
+              <a:rPr lang="de-DE" sz="1400" dirty="0"/>
+              <a:t>SVM</a:t>
+            </a:r>
+          </a:p>
+        </p:txBody>
+      </p:sp>
+      <p:sp>
+        <p:nvSpPr>
+          <p:cNvPr id="71" name="Textfeld 70">
+            <a:extLst>
+              <a:ext uri="{FF2B5EF4-FFF2-40B4-BE49-F238E27FC236}">
+                <a16:creationId xmlns:a16="http://schemas.microsoft.com/office/drawing/2014/main" id="{7F139D85-D61D-4F81-91FB-523AA9395548}"/>
+              </a:ext>
+            </a:extLst>
+          </p:cNvPr>
+          <p:cNvSpPr txBox="1"/>
+          <p:nvPr/>
+        </p:nvSpPr>
+        <p:spPr>
+          <a:xfrm>
+            <a:off x="8203221" y="3924323"/>
+            <a:ext cx="521681" cy="307777"/>
+          </a:xfrm>
+          <a:prstGeom prst="rect">
+            <a:avLst/>
+          </a:prstGeom>
+          <a:noFill/>
+        </p:spPr>
+        <p:txBody>
+          <a:bodyPr wrap="square" rtlCol="0">
+            <a:spAutoFit/>
+          </a:bodyPr>
+          <a:lstStyle/>
+          <a:p>
+            <a:r>
+              <a:rPr lang="de-DE" sz="1400" dirty="0"/>
+              <a:t>SGD</a:t>
+            </a:r>
+          </a:p>
+        </p:txBody>
+      </p:sp>
+      <p:sp>
+        <p:nvSpPr>
+          <p:cNvPr id="72" name="Textfeld 71">
+            <a:extLst>
+              <a:ext uri="{FF2B5EF4-FFF2-40B4-BE49-F238E27FC236}">
+                <a16:creationId xmlns:a16="http://schemas.microsoft.com/office/drawing/2014/main" id="{1B5D7F86-568A-43E6-986C-385BD2BE2E00}"/>
+              </a:ext>
+            </a:extLst>
+          </p:cNvPr>
+          <p:cNvSpPr txBox="1"/>
+          <p:nvPr/>
+        </p:nvSpPr>
+        <p:spPr>
+          <a:xfrm>
+            <a:off x="4023852" y="3913969"/>
+            <a:ext cx="521681" cy="307777"/>
+          </a:xfrm>
+          <a:prstGeom prst="rect">
+            <a:avLst/>
+          </a:prstGeom>
+          <a:noFill/>
+        </p:spPr>
+        <p:txBody>
+          <a:bodyPr wrap="square" rtlCol="0">
+            <a:spAutoFit/>
+          </a:bodyPr>
+          <a:lstStyle/>
+          <a:p>
+            <a:r>
+              <a:rPr lang="de-DE" sz="1400" dirty="0"/>
+              <a:t>KNN</a:t>
+            </a:r>
+          </a:p>
+        </p:txBody>
+      </p:sp>
     </p:spTree>
     <p:extLst>
       <p:ext uri="{BB962C8B-B14F-4D97-AF65-F5344CB8AC3E}">
@@ -38527,10 +39789,7 @@
           <a:lstStyle/>
           <a:p>
             <a:pPr algn="ctr"/>
-            <a:r>
-              <a:rPr lang="de-DE" sz="900" dirty="0"/>
-              <a:t>SVM</a:t>
-            </a:r>
+            <a:endParaRPr lang="de-DE" sz="900" dirty="0"/>
           </a:p>
         </p:txBody>
       </p:sp>
@@ -38677,10 +39936,7 @@
           <a:lstStyle/>
           <a:p>
             <a:pPr algn="ctr"/>
-            <a:r>
-              <a:rPr lang="de-DE" sz="900" dirty="0"/>
-              <a:t>SGD</a:t>
-            </a:r>
+            <a:endParaRPr lang="de-DE" sz="900" dirty="0"/>
           </a:p>
         </p:txBody>
       </p:sp>
@@ -38727,10 +39983,7 @@
           <a:lstStyle/>
           <a:p>
             <a:pPr algn="ctr"/>
-            <a:r>
-              <a:rPr lang="de-DE" sz="900" dirty="0"/>
-              <a:t>KNN</a:t>
-            </a:r>
+            <a:endParaRPr lang="de-DE" sz="900" dirty="0"/>
           </a:p>
         </p:txBody>
       </p:sp>
@@ -40201,6 +41454,111 @@
           </a:graphicData>
         </a:graphic>
       </p:graphicFrame>
+      <p:sp>
+        <p:nvSpPr>
+          <p:cNvPr id="71" name="Textfeld 70">
+            <a:extLst>
+              <a:ext uri="{FF2B5EF4-FFF2-40B4-BE49-F238E27FC236}">
+                <a16:creationId xmlns:a16="http://schemas.microsoft.com/office/drawing/2014/main" id="{31D3F143-48BA-4A5F-930C-8FA568D62A13}"/>
+              </a:ext>
+            </a:extLst>
+          </p:cNvPr>
+          <p:cNvSpPr txBox="1"/>
+          <p:nvPr/>
+        </p:nvSpPr>
+        <p:spPr>
+          <a:xfrm>
+            <a:off x="8903689" y="3913969"/>
+            <a:ext cx="521681" cy="307777"/>
+          </a:xfrm>
+          <a:prstGeom prst="rect">
+            <a:avLst/>
+          </a:prstGeom>
+          <a:noFill/>
+        </p:spPr>
+        <p:txBody>
+          <a:bodyPr wrap="square" rtlCol="0">
+            <a:spAutoFit/>
+          </a:bodyPr>
+          <a:lstStyle/>
+          <a:p>
+            <a:r>
+              <a:rPr lang="de-DE" sz="1400" dirty="0"/>
+              <a:t>SVM</a:t>
+            </a:r>
+          </a:p>
+        </p:txBody>
+      </p:sp>
+      <p:sp>
+        <p:nvSpPr>
+          <p:cNvPr id="72" name="Textfeld 71">
+            <a:extLst>
+              <a:ext uri="{FF2B5EF4-FFF2-40B4-BE49-F238E27FC236}">
+                <a16:creationId xmlns:a16="http://schemas.microsoft.com/office/drawing/2014/main" id="{EC3E81AE-A8B0-45D6-B907-A4EC0E6EE3A6}"/>
+              </a:ext>
+            </a:extLst>
+          </p:cNvPr>
+          <p:cNvSpPr txBox="1"/>
+          <p:nvPr/>
+        </p:nvSpPr>
+        <p:spPr>
+          <a:xfrm>
+            <a:off x="8203221" y="3924323"/>
+            <a:ext cx="521681" cy="307777"/>
+          </a:xfrm>
+          <a:prstGeom prst="rect">
+            <a:avLst/>
+          </a:prstGeom>
+          <a:noFill/>
+        </p:spPr>
+        <p:txBody>
+          <a:bodyPr wrap="square" rtlCol="0">
+            <a:spAutoFit/>
+          </a:bodyPr>
+          <a:lstStyle/>
+          <a:p>
+            <a:r>
+              <a:rPr lang="de-DE" sz="1400" dirty="0"/>
+              <a:t>SGD</a:t>
+            </a:r>
+          </a:p>
+        </p:txBody>
+      </p:sp>
+      <p:sp>
+        <p:nvSpPr>
+          <p:cNvPr id="99" name="Textfeld 98">
+            <a:extLst>
+              <a:ext uri="{FF2B5EF4-FFF2-40B4-BE49-F238E27FC236}">
+                <a16:creationId xmlns:a16="http://schemas.microsoft.com/office/drawing/2014/main" id="{9F6081FC-1132-4A12-8BB7-F7AF179422AC}"/>
+              </a:ext>
+            </a:extLst>
+          </p:cNvPr>
+          <p:cNvSpPr txBox="1"/>
+          <p:nvPr/>
+        </p:nvSpPr>
+        <p:spPr>
+          <a:xfrm>
+            <a:off x="4023852" y="3913969"/>
+            <a:ext cx="521681" cy="307777"/>
+          </a:xfrm>
+          <a:prstGeom prst="rect">
+            <a:avLst/>
+          </a:prstGeom>
+          <a:noFill/>
+        </p:spPr>
+        <p:txBody>
+          <a:bodyPr wrap="square" rtlCol="0">
+            <a:spAutoFit/>
+          </a:bodyPr>
+          <a:lstStyle/>
+          <a:p>
+            <a:r>
+              <a:rPr lang="de-DE" sz="1400" dirty="0"/>
+              <a:t>KNN</a:t>
+            </a:r>
+          </a:p>
+        </p:txBody>
+      </p:sp>
     </p:spTree>
     <p:extLst>
       <p:ext uri="{BB962C8B-B14F-4D97-AF65-F5344CB8AC3E}">
@@ -42370,7 +43728,7 @@
                   <a:latin typeface="Calibri" panose="020F0502020204030204" pitchFamily="34" charset="0"/>
                   <a:cs typeface="Calibri" panose="020F0502020204030204" pitchFamily="34" charset="0"/>
                 </a:rPr>
-                <a:t>26.04.2020</a:t>
+                <a:t>27.04.2020</a:t>
               </a:r>
             </a:p>
           </p:txBody>
@@ -44169,8 +45527,8 @@
         </p:nvSpPr>
         <p:spPr>
           <a:xfrm>
-            <a:off x="4650443" y="1323107"/>
-            <a:ext cx="1260000" cy="180000"/>
+            <a:off x="4523422" y="1371224"/>
+            <a:ext cx="1548000" cy="180000"/>
           </a:xfrm>
           <a:prstGeom prst="rect">
             <a:avLst/>
@@ -44222,6 +45580,71 @@
                 <a:cs typeface="Calibri" panose="020F0502020204030204" pitchFamily="34" charset="0"/>
               </a:rPr>
               <a:t>Gothenburg</a:t>
+            </a:r>
+            <a:endParaRPr lang="de-DE" sz="1050" i="1" dirty="0">
+              <a:solidFill>
+                <a:schemeClr val="tx1">
+                  <a:lumMod val="75000"/>
+                  <a:lumOff val="25000"/>
+                </a:schemeClr>
+              </a:solidFill>
+              <a:latin typeface="Calibri" panose="020F0502020204030204" pitchFamily="34" charset="0"/>
+              <a:cs typeface="Calibri" panose="020F0502020204030204" pitchFamily="34" charset="0"/>
+            </a:endParaRPr>
+          </a:p>
+          <a:p>
+            <a:pPr algn="ctr"/>
+            <a:r>
+              <a:rPr lang="de-DE" sz="1050" i="1" dirty="0">
+                <a:solidFill>
+                  <a:schemeClr val="tx1">
+                    <a:lumMod val="75000"/>
+                    <a:lumOff val="25000"/>
+                  </a:schemeClr>
+                </a:solidFill>
+                <a:latin typeface="Calibri" panose="020F0502020204030204" pitchFamily="34" charset="0"/>
+                <a:cs typeface="Calibri" panose="020F0502020204030204" pitchFamily="34" charset="0"/>
+              </a:rPr>
+              <a:t>with break </a:t>
+            </a:r>
+            <a:r>
+              <a:rPr lang="de-DE" sz="1050" i="1" dirty="0" err="1">
+                <a:solidFill>
+                  <a:schemeClr val="tx1">
+                    <a:lumMod val="75000"/>
+                    <a:lumOff val="25000"/>
+                  </a:schemeClr>
+                </a:solidFill>
+                <a:latin typeface="Calibri" panose="020F0502020204030204" pitchFamily="34" charset="0"/>
+                <a:cs typeface="Calibri" panose="020F0502020204030204" pitchFamily="34" charset="0"/>
+              </a:rPr>
+              <a:t>over</a:t>
+            </a:r>
+            <a:r>
+              <a:rPr lang="de-DE" sz="1050" i="1" dirty="0">
+                <a:solidFill>
+                  <a:schemeClr val="tx1">
+                    <a:lumMod val="75000"/>
+                    <a:lumOff val="25000"/>
+                  </a:schemeClr>
+                </a:solidFill>
+                <a:latin typeface="Calibri" panose="020F0502020204030204" pitchFamily="34" charset="0"/>
+                <a:cs typeface="Calibri" panose="020F0502020204030204" pitchFamily="34" charset="0"/>
+              </a:rPr>
+              <a:t> the </a:t>
+            </a:r>
+            <a:r>
+              <a:rPr lang="de-DE" sz="1050" i="1" dirty="0" err="1">
+                <a:solidFill>
+                  <a:schemeClr val="tx1">
+                    <a:lumMod val="75000"/>
+                    <a:lumOff val="25000"/>
+                  </a:schemeClr>
+                </a:solidFill>
+                <a:latin typeface="Calibri" panose="020F0502020204030204" pitchFamily="34" charset="0"/>
+                <a:cs typeface="Calibri" panose="020F0502020204030204" pitchFamily="34" charset="0"/>
+              </a:rPr>
+              <a:t>holidays</a:t>
             </a:r>
             <a:endParaRPr lang="de-DE" sz="1050" i="1" dirty="0">
               <a:solidFill>
@@ -44495,6 +45918,87 @@
           </a:graphicData>
         </a:graphic>
       </p:graphicFrame>
+      <p:sp>
+        <p:nvSpPr>
+          <p:cNvPr id="98" name="Textfeld 97">
+            <a:extLst>
+              <a:ext uri="{FF2B5EF4-FFF2-40B4-BE49-F238E27FC236}">
+                <a16:creationId xmlns:a16="http://schemas.microsoft.com/office/drawing/2014/main" id="{96183E44-31F8-4E40-AFEE-6F4DDF4D1FB1}"/>
+              </a:ext>
+            </a:extLst>
+          </p:cNvPr>
+          <p:cNvSpPr txBox="1"/>
+          <p:nvPr/>
+        </p:nvSpPr>
+        <p:spPr>
+          <a:xfrm>
+            <a:off x="1504706" y="4882680"/>
+            <a:ext cx="828000" cy="180000"/>
+          </a:xfrm>
+          <a:prstGeom prst="rect">
+            <a:avLst/>
+          </a:prstGeom>
+          <a:noFill/>
+        </p:spPr>
+        <p:txBody>
+          <a:bodyPr wrap="square" lIns="0" tIns="0" rIns="0" bIns="0" rtlCol="0" anchor="ctr">
+            <a:noAutofit/>
+          </a:bodyPr>
+          <a:lstStyle/>
+          <a:p>
+            <a:pPr algn="r" rtl="0"/>
+            <a:r>
+              <a:rPr lang="de-DE" sz="1050" dirty="0" err="1">
+                <a:solidFill>
+                  <a:schemeClr val="tx1">
+                    <a:lumMod val="75000"/>
+                    <a:lumOff val="25000"/>
+                  </a:schemeClr>
+                </a:solidFill>
+                <a:latin typeface="Calibri" panose="020F0502020204030204" pitchFamily="34" charset="0"/>
+                <a:cs typeface="Calibri" panose="020F0502020204030204" pitchFamily="34" charset="0"/>
+              </a:rPr>
+              <a:t>written</a:t>
+            </a:r>
+            <a:r>
+              <a:rPr lang="de-DE" sz="1050" dirty="0">
+                <a:solidFill>
+                  <a:schemeClr val="tx1">
+                    <a:lumMod val="75000"/>
+                    <a:lumOff val="25000"/>
+                  </a:schemeClr>
+                </a:solidFill>
+                <a:latin typeface="Calibri" panose="020F0502020204030204" pitchFamily="34" charset="0"/>
+                <a:cs typeface="Calibri" panose="020F0502020204030204" pitchFamily="34" charset="0"/>
+              </a:rPr>
+              <a:t> </a:t>
+            </a:r>
+            <a:r>
+              <a:rPr lang="de-DE" sz="1050" dirty="0" err="1">
+                <a:solidFill>
+                  <a:schemeClr val="tx1">
+                    <a:lumMod val="75000"/>
+                    <a:lumOff val="25000"/>
+                  </a:schemeClr>
+                </a:solidFill>
+                <a:latin typeface="Calibri" panose="020F0502020204030204" pitchFamily="34" charset="0"/>
+                <a:cs typeface="Calibri" panose="020F0502020204030204" pitchFamily="34" charset="0"/>
+              </a:rPr>
+              <a:t>part</a:t>
+            </a:r>
+            <a:endParaRPr lang="de-DE" sz="1050" dirty="0">
+              <a:solidFill>
+                <a:schemeClr val="tx1">
+                  <a:lumMod val="75000"/>
+                  <a:lumOff val="25000"/>
+                </a:schemeClr>
+              </a:solidFill>
+              <a:latin typeface="Calibri" panose="020F0502020204030204" pitchFamily="34" charset="0"/>
+              <a:cs typeface="Calibri" panose="020F0502020204030204" pitchFamily="34" charset="0"/>
+            </a:endParaRPr>
+          </a:p>
+        </p:txBody>
+      </p:sp>
     </p:spTree>
     <p:extLst>
       <p:ext uri="{BB962C8B-B14F-4D97-AF65-F5344CB8AC3E}">
@@ -46644,7 +48148,7 @@
                 <a:latin typeface="Calibri" panose="020F0502020204030204" pitchFamily="34" charset="0"/>
                 <a:cs typeface="Calibri" panose="020F0502020204030204" pitchFamily="34" charset="0"/>
               </a:rPr>
-              <a:t>26.04.2020</a:t>
+              <a:t>27.04.2020</a:t>
             </a:r>
           </a:p>
         </p:txBody>
@@ -47945,87 +49449,6 @@
       </p:sp>
       <p:sp>
         <p:nvSpPr>
-          <p:cNvPr id="94" name="Textfeld 93">
-            <a:extLst>
-              <a:ext uri="{FF2B5EF4-FFF2-40B4-BE49-F238E27FC236}">
-                <a16:creationId xmlns:a16="http://schemas.microsoft.com/office/drawing/2014/main" id="{23A5F770-8FFD-4B09-A4C6-3A36EF54E4A3}"/>
-              </a:ext>
-            </a:extLst>
-          </p:cNvPr>
-          <p:cNvSpPr txBox="1"/>
-          <p:nvPr/>
-        </p:nvSpPr>
-        <p:spPr>
-          <a:xfrm>
-            <a:off x="4650443" y="1323107"/>
-            <a:ext cx="1260000" cy="180000"/>
-          </a:xfrm>
-          <a:prstGeom prst="rect">
-            <a:avLst/>
-          </a:prstGeom>
-          <a:noFill/>
-        </p:spPr>
-        <p:txBody>
-          <a:bodyPr wrap="square" lIns="0" tIns="0" rIns="0" bIns="0" rtlCol="0" anchor="ctr">
-            <a:noAutofit/>
-          </a:bodyPr>
-          <a:lstStyle/>
-          <a:p>
-            <a:pPr algn="ctr"/>
-            <a:r>
-              <a:rPr lang="de-DE" sz="1050" i="1" dirty="0" err="1">
-                <a:solidFill>
-                  <a:schemeClr val="tx1">
-                    <a:lumMod val="75000"/>
-                    <a:lumOff val="25000"/>
-                  </a:schemeClr>
-                </a:solidFill>
-                <a:latin typeface="Calibri" panose="020F0502020204030204" pitchFamily="34" charset="0"/>
-                <a:cs typeface="Calibri" panose="020F0502020204030204" pitchFamily="34" charset="0"/>
-              </a:rPr>
-              <a:t>Stay</a:t>
-            </a:r>
-            <a:r>
-              <a:rPr lang="de-DE" sz="1050" i="1" dirty="0">
-                <a:solidFill>
-                  <a:schemeClr val="tx1">
-                    <a:lumMod val="75000"/>
-                    <a:lumOff val="25000"/>
-                  </a:schemeClr>
-                </a:solidFill>
-                <a:latin typeface="Calibri" panose="020F0502020204030204" pitchFamily="34" charset="0"/>
-                <a:cs typeface="Calibri" panose="020F0502020204030204" pitchFamily="34" charset="0"/>
-              </a:rPr>
-              <a:t> in </a:t>
-            </a:r>
-            <a:r>
-              <a:rPr lang="de-DE" sz="1050" i="1" dirty="0" err="1">
-                <a:solidFill>
-                  <a:schemeClr val="tx1">
-                    <a:lumMod val="75000"/>
-                    <a:lumOff val="25000"/>
-                  </a:schemeClr>
-                </a:solidFill>
-                <a:latin typeface="Calibri" panose="020F0502020204030204" pitchFamily="34" charset="0"/>
-                <a:cs typeface="Calibri" panose="020F0502020204030204" pitchFamily="34" charset="0"/>
-              </a:rPr>
-              <a:t>Gothenburg</a:t>
-            </a:r>
-            <a:endParaRPr lang="de-DE" sz="1050" i="1" dirty="0">
-              <a:solidFill>
-                <a:schemeClr val="tx1">
-                  <a:lumMod val="75000"/>
-                  <a:lumOff val="25000"/>
-                </a:schemeClr>
-              </a:solidFill>
-              <a:latin typeface="Calibri" panose="020F0502020204030204" pitchFamily="34" charset="0"/>
-              <a:cs typeface="Calibri" panose="020F0502020204030204" pitchFamily="34" charset="0"/>
-            </a:endParaRPr>
-          </a:p>
-        </p:txBody>
-      </p:sp>
-      <p:sp>
-        <p:nvSpPr>
           <p:cNvPr id="95" name="Textfeld 94">
             <a:extLst>
               <a:ext uri="{FF2B5EF4-FFF2-40B4-BE49-F238E27FC236}">
@@ -48556,6 +49979,233 @@
           </a:graphicData>
         </a:graphic>
       </p:graphicFrame>
+      <p:sp>
+        <p:nvSpPr>
+          <p:cNvPr id="96" name="Textfeld 95">
+            <a:extLst>
+              <a:ext uri="{FF2B5EF4-FFF2-40B4-BE49-F238E27FC236}">
+                <a16:creationId xmlns:a16="http://schemas.microsoft.com/office/drawing/2014/main" id="{7CCCC099-9BA0-4763-9954-1EEDA7247869}"/>
+              </a:ext>
+            </a:extLst>
+          </p:cNvPr>
+          <p:cNvSpPr txBox="1"/>
+          <p:nvPr/>
+        </p:nvSpPr>
+        <p:spPr>
+          <a:xfrm>
+            <a:off x="4523422" y="1371224"/>
+            <a:ext cx="1548000" cy="180000"/>
+          </a:xfrm>
+          <a:prstGeom prst="rect">
+            <a:avLst/>
+          </a:prstGeom>
+          <a:noFill/>
+        </p:spPr>
+        <p:txBody>
+          <a:bodyPr wrap="square" lIns="0" tIns="0" rIns="0" bIns="0" rtlCol="0" anchor="ctr">
+            <a:noAutofit/>
+          </a:bodyPr>
+          <a:lstStyle/>
+          <a:p>
+            <a:pPr algn="ctr"/>
+            <a:r>
+              <a:rPr lang="de-DE" sz="1050" i="1" dirty="0" err="1">
+                <a:solidFill>
+                  <a:schemeClr val="tx1">
+                    <a:lumMod val="75000"/>
+                    <a:lumOff val="25000"/>
+                  </a:schemeClr>
+                </a:solidFill>
+                <a:latin typeface="Calibri" panose="020F0502020204030204" pitchFamily="34" charset="0"/>
+                <a:cs typeface="Calibri" panose="020F0502020204030204" pitchFamily="34" charset="0"/>
+              </a:rPr>
+              <a:t>Stay</a:t>
+            </a:r>
+            <a:r>
+              <a:rPr lang="de-DE" sz="1050" i="1" dirty="0">
+                <a:solidFill>
+                  <a:schemeClr val="tx1">
+                    <a:lumMod val="75000"/>
+                    <a:lumOff val="25000"/>
+                  </a:schemeClr>
+                </a:solidFill>
+                <a:latin typeface="Calibri" panose="020F0502020204030204" pitchFamily="34" charset="0"/>
+                <a:cs typeface="Calibri" panose="020F0502020204030204" pitchFamily="34" charset="0"/>
+              </a:rPr>
+              <a:t> in </a:t>
+            </a:r>
+            <a:r>
+              <a:rPr lang="de-DE" sz="1050" i="1" dirty="0" err="1">
+                <a:solidFill>
+                  <a:schemeClr val="tx1">
+                    <a:lumMod val="75000"/>
+                    <a:lumOff val="25000"/>
+                  </a:schemeClr>
+                </a:solidFill>
+                <a:latin typeface="Calibri" panose="020F0502020204030204" pitchFamily="34" charset="0"/>
+                <a:cs typeface="Calibri" panose="020F0502020204030204" pitchFamily="34" charset="0"/>
+              </a:rPr>
+              <a:t>Gothenburg</a:t>
+            </a:r>
+            <a:endParaRPr lang="de-DE" sz="1050" i="1" dirty="0">
+              <a:solidFill>
+                <a:schemeClr val="tx1">
+                  <a:lumMod val="75000"/>
+                  <a:lumOff val="25000"/>
+                </a:schemeClr>
+              </a:solidFill>
+              <a:latin typeface="Calibri" panose="020F0502020204030204" pitchFamily="34" charset="0"/>
+              <a:cs typeface="Calibri" panose="020F0502020204030204" pitchFamily="34" charset="0"/>
+            </a:endParaRPr>
+          </a:p>
+          <a:p>
+            <a:pPr algn="ctr"/>
+            <a:r>
+              <a:rPr lang="de-DE" sz="1050" i="1" dirty="0">
+                <a:solidFill>
+                  <a:schemeClr val="tx1">
+                    <a:lumMod val="75000"/>
+                    <a:lumOff val="25000"/>
+                  </a:schemeClr>
+                </a:solidFill>
+                <a:latin typeface="Calibri" panose="020F0502020204030204" pitchFamily="34" charset="0"/>
+                <a:cs typeface="Calibri" panose="020F0502020204030204" pitchFamily="34" charset="0"/>
+              </a:rPr>
+              <a:t>with break </a:t>
+            </a:r>
+            <a:r>
+              <a:rPr lang="de-DE" sz="1050" i="1" dirty="0" err="1">
+                <a:solidFill>
+                  <a:schemeClr val="tx1">
+                    <a:lumMod val="75000"/>
+                    <a:lumOff val="25000"/>
+                  </a:schemeClr>
+                </a:solidFill>
+                <a:latin typeface="Calibri" panose="020F0502020204030204" pitchFamily="34" charset="0"/>
+                <a:cs typeface="Calibri" panose="020F0502020204030204" pitchFamily="34" charset="0"/>
+              </a:rPr>
+              <a:t>over</a:t>
+            </a:r>
+            <a:r>
+              <a:rPr lang="de-DE" sz="1050" i="1" dirty="0">
+                <a:solidFill>
+                  <a:schemeClr val="tx1">
+                    <a:lumMod val="75000"/>
+                    <a:lumOff val="25000"/>
+                  </a:schemeClr>
+                </a:solidFill>
+                <a:latin typeface="Calibri" panose="020F0502020204030204" pitchFamily="34" charset="0"/>
+                <a:cs typeface="Calibri" panose="020F0502020204030204" pitchFamily="34" charset="0"/>
+              </a:rPr>
+              <a:t> the </a:t>
+            </a:r>
+            <a:r>
+              <a:rPr lang="de-DE" sz="1050" i="1" dirty="0" err="1">
+                <a:solidFill>
+                  <a:schemeClr val="tx1">
+                    <a:lumMod val="75000"/>
+                    <a:lumOff val="25000"/>
+                  </a:schemeClr>
+                </a:solidFill>
+                <a:latin typeface="Calibri" panose="020F0502020204030204" pitchFamily="34" charset="0"/>
+                <a:cs typeface="Calibri" panose="020F0502020204030204" pitchFamily="34" charset="0"/>
+              </a:rPr>
+              <a:t>holidays</a:t>
+            </a:r>
+            <a:endParaRPr lang="de-DE" sz="1050" i="1" dirty="0">
+              <a:solidFill>
+                <a:schemeClr val="tx1">
+                  <a:lumMod val="75000"/>
+                  <a:lumOff val="25000"/>
+                </a:schemeClr>
+              </a:solidFill>
+              <a:latin typeface="Calibri" panose="020F0502020204030204" pitchFamily="34" charset="0"/>
+              <a:cs typeface="Calibri" panose="020F0502020204030204" pitchFamily="34" charset="0"/>
+            </a:endParaRPr>
+          </a:p>
+        </p:txBody>
+      </p:sp>
+      <p:sp>
+        <p:nvSpPr>
+          <p:cNvPr id="97" name="Textfeld 96">
+            <a:extLst>
+              <a:ext uri="{FF2B5EF4-FFF2-40B4-BE49-F238E27FC236}">
+                <a16:creationId xmlns:a16="http://schemas.microsoft.com/office/drawing/2014/main" id="{2AD9D805-E8D0-43DC-BD58-841444470CD2}"/>
+              </a:ext>
+            </a:extLst>
+          </p:cNvPr>
+          <p:cNvSpPr txBox="1"/>
+          <p:nvPr/>
+        </p:nvSpPr>
+        <p:spPr>
+          <a:xfrm>
+            <a:off x="1504706" y="4882680"/>
+            <a:ext cx="828000" cy="180000"/>
+          </a:xfrm>
+          <a:prstGeom prst="rect">
+            <a:avLst/>
+          </a:prstGeom>
+          <a:noFill/>
+        </p:spPr>
+        <p:txBody>
+          <a:bodyPr wrap="square" lIns="0" tIns="0" rIns="0" bIns="0" rtlCol="0" anchor="ctr">
+            <a:noAutofit/>
+          </a:bodyPr>
+          <a:lstStyle/>
+          <a:p>
+            <a:pPr algn="r" rtl="0"/>
+            <a:r>
+              <a:rPr lang="de-DE" sz="1050" dirty="0" err="1">
+                <a:solidFill>
+                  <a:schemeClr val="tx1">
+                    <a:lumMod val="75000"/>
+                    <a:lumOff val="25000"/>
+                  </a:schemeClr>
+                </a:solidFill>
+                <a:latin typeface="Calibri" panose="020F0502020204030204" pitchFamily="34" charset="0"/>
+                <a:cs typeface="Calibri" panose="020F0502020204030204" pitchFamily="34" charset="0"/>
+              </a:rPr>
+              <a:t>written</a:t>
+            </a:r>
+            <a:r>
+              <a:rPr lang="de-DE" sz="1050" dirty="0">
+                <a:solidFill>
+                  <a:schemeClr val="tx1">
+                    <a:lumMod val="75000"/>
+                    <a:lumOff val="25000"/>
+                  </a:schemeClr>
+                </a:solidFill>
+                <a:latin typeface="Calibri" panose="020F0502020204030204" pitchFamily="34" charset="0"/>
+                <a:cs typeface="Calibri" panose="020F0502020204030204" pitchFamily="34" charset="0"/>
+              </a:rPr>
+              <a:t> </a:t>
+            </a:r>
+            <a:r>
+              <a:rPr lang="de-DE" sz="1050" dirty="0" err="1">
+                <a:solidFill>
+                  <a:schemeClr val="tx1">
+                    <a:lumMod val="75000"/>
+                    <a:lumOff val="25000"/>
+                  </a:schemeClr>
+                </a:solidFill>
+                <a:latin typeface="Calibri" panose="020F0502020204030204" pitchFamily="34" charset="0"/>
+                <a:cs typeface="Calibri" panose="020F0502020204030204" pitchFamily="34" charset="0"/>
+              </a:rPr>
+              <a:t>part</a:t>
+            </a:r>
+            <a:endParaRPr lang="de-DE" sz="1050" dirty="0">
+              <a:solidFill>
+                <a:schemeClr val="tx1">
+                  <a:lumMod val="75000"/>
+                  <a:lumOff val="25000"/>
+                </a:schemeClr>
+              </a:solidFill>
+              <a:latin typeface="Calibri" panose="020F0502020204030204" pitchFamily="34" charset="0"/>
+              <a:cs typeface="Calibri" panose="020F0502020204030204" pitchFamily="34" charset="0"/>
+            </a:endParaRPr>
+          </a:p>
+        </p:txBody>
+      </p:sp>
     </p:spTree>
     <p:extLst>
       <p:ext uri="{BB962C8B-B14F-4D97-AF65-F5344CB8AC3E}">
